--- a/Supervisor/hpo.pptx
+++ b/Supervisor/hpo.pptx
@@ -5,38 +5,39 @@
     <p:sldMasterId id="2147483683" r:id="rId1"/>
   </p:sldMasterIdLst>
   <p:notesMasterIdLst>
-    <p:notesMasterId r:id="rId31"/>
+    <p:notesMasterId r:id="rId32"/>
   </p:notesMasterIdLst>
   <p:sldIdLst>
     <p:sldId id="264" r:id="rId2"/>
     <p:sldId id="265" r:id="rId3"/>
-    <p:sldId id="280" r:id="rId4"/>
-    <p:sldId id="281" r:id="rId5"/>
-    <p:sldId id="289" r:id="rId6"/>
-    <p:sldId id="282" r:id="rId7"/>
-    <p:sldId id="284" r:id="rId8"/>
-    <p:sldId id="259" r:id="rId9"/>
-    <p:sldId id="261" r:id="rId10"/>
-    <p:sldId id="262" r:id="rId11"/>
-    <p:sldId id="266" r:id="rId12"/>
-    <p:sldId id="267" r:id="rId13"/>
-    <p:sldId id="293" r:id="rId14"/>
-    <p:sldId id="268" r:id="rId15"/>
-    <p:sldId id="290" r:id="rId16"/>
-    <p:sldId id="270" r:id="rId17"/>
-    <p:sldId id="271" r:id="rId18"/>
-    <p:sldId id="292" r:id="rId19"/>
-    <p:sldId id="273" r:id="rId20"/>
-    <p:sldId id="291" r:id="rId21"/>
-    <p:sldId id="278" r:id="rId22"/>
-    <p:sldId id="294" r:id="rId23"/>
-    <p:sldId id="295" r:id="rId24"/>
-    <p:sldId id="288" r:id="rId25"/>
-    <p:sldId id="297" r:id="rId26"/>
-    <p:sldId id="286" r:id="rId27"/>
-    <p:sldId id="287" r:id="rId28"/>
-    <p:sldId id="296" r:id="rId29"/>
-    <p:sldId id="285" r:id="rId30"/>
+    <p:sldId id="298" r:id="rId4"/>
+    <p:sldId id="270" r:id="rId5"/>
+    <p:sldId id="271" r:id="rId6"/>
+    <p:sldId id="292" r:id="rId7"/>
+    <p:sldId id="273" r:id="rId8"/>
+    <p:sldId id="291" r:id="rId9"/>
+    <p:sldId id="278" r:id="rId10"/>
+    <p:sldId id="294" r:id="rId11"/>
+    <p:sldId id="295" r:id="rId12"/>
+    <p:sldId id="297" r:id="rId13"/>
+    <p:sldId id="280" r:id="rId14"/>
+    <p:sldId id="281" r:id="rId15"/>
+    <p:sldId id="289" r:id="rId16"/>
+    <p:sldId id="282" r:id="rId17"/>
+    <p:sldId id="284" r:id="rId18"/>
+    <p:sldId id="259" r:id="rId19"/>
+    <p:sldId id="261" r:id="rId20"/>
+    <p:sldId id="262" r:id="rId21"/>
+    <p:sldId id="266" r:id="rId22"/>
+    <p:sldId id="267" r:id="rId23"/>
+    <p:sldId id="293" r:id="rId24"/>
+    <p:sldId id="268" r:id="rId25"/>
+    <p:sldId id="290" r:id="rId26"/>
+    <p:sldId id="288" r:id="rId27"/>
+    <p:sldId id="286" r:id="rId28"/>
+    <p:sldId id="287" r:id="rId29"/>
+    <p:sldId id="296" r:id="rId30"/>
+    <p:sldId id="285" r:id="rId31"/>
   </p:sldIdLst>
   <p:sldSz cx="9144000" cy="5143500" type="screen16x9"/>
   <p:notesSz cx="7315200" cy="9601200"/>
@@ -227,7 +228,7 @@
           <a:p>
             <a:fld id="{8080A489-9093-C54A-B1C3-374F661A0010}" type="datetimeFigureOut">
               <a:rPr lang="en-US" smtClean="0"/>
-              <a:t>1/18/2018</a:t>
+              <a:t>2/6/2018</a:t>
             </a:fld>
             <a:endParaRPr lang="en-US"/>
           </a:p>
@@ -13322,8 +13323,9 @@
           <a:p>
             <a:r>
               <a:rPr lang="en-US" dirty="0"/>
-              <a:t>Hyperparameter Optimization: Getting the Most Out of Your Models</a:t>
-            </a:r>
+              <a:t>An Introduction to Scalable Deep Learning with CANDLE</a:t>
+            </a:r>
+            <a:endParaRPr lang="en-US" dirty="0"/>
           </a:p>
         </p:txBody>
       </p:sp>
@@ -13425,17 +13427,25 @@
           <a:p>
             <a:r>
               <a:rPr lang="en-US" dirty="0"/>
-              <a:t>Deep Learning at Argonne National </a:t>
-            </a:r>
-            <a:r>
-              <a:rPr lang="en-US" dirty="0" smtClean="0"/>
-              <a:t>Laboratory</a:t>
-            </a:r>
-          </a:p>
-          <a:p>
-            <a:r>
-              <a:rPr lang="en-US" dirty="0" smtClean="0"/>
-              <a:t>January 16-18, 2018</a:t>
+              <a:t>Exascale Computing Project 2nd Annual </a:t>
+            </a:r>
+            <a:r>
+              <a:rPr lang="en-US" dirty="0" smtClean="0"/>
+              <a:t>Meeting</a:t>
+            </a:r>
+          </a:p>
+          <a:p>
+            <a:r>
+              <a:rPr lang="en-US" dirty="0" smtClean="0"/>
+              <a:t>February 6</a:t>
+            </a:r>
+            <a:r>
+              <a:rPr lang="en-US" dirty="0" smtClean="0"/>
+              <a:t>, </a:t>
+            </a:r>
+            <a:r>
+              <a:rPr lang="en-US" dirty="0" smtClean="0"/>
+              <a:t>2018</a:t>
             </a:r>
             <a:endParaRPr lang="en-US" dirty="0"/>
           </a:p>
@@ -13497,7 +13507,17 @@
           <a:bodyPr/>
           <a:lstStyle/>
           <a:p>
-            <a:endParaRPr lang="en-US"/>
+            <a:endParaRPr lang="en-US" dirty="0" smtClean="0"/>
+          </a:p>
+          <a:p>
+            <a:endParaRPr lang="en-US" dirty="0" smtClean="0"/>
+          </a:p>
+          <a:p>
+            <a:r>
+              <a:rPr lang="en-US" dirty="0" smtClean="0"/>
+              <a:t>Los Alamos National Laboratory</a:t>
+            </a:r>
+            <a:endParaRPr lang="en-US" dirty="0"/>
           </a:p>
         </p:txBody>
       </p:sp>
@@ -13516,7 +13536,11 @@
           <a:bodyPr/>
           <a:lstStyle/>
           <a:p>
-            <a:endParaRPr lang="en-US"/>
+            <a:r>
+              <a:rPr lang="en-US" dirty="0" smtClean="0"/>
+              <a:t>JAMAL MOHD-YUSOF</a:t>
+            </a:r>
+            <a:endParaRPr lang="en-US" dirty="0"/>
           </a:p>
         </p:txBody>
       </p:sp>
@@ -13553,6 +13577,2716 @@
 </file>
 
 <file path=ppt/slides/slide10.xml><?xml version="1.0" encoding="utf-8"?>
+<p:sld xmlns:a="http://schemas.openxmlformats.org/drawingml/2006/main" xmlns:r="http://schemas.openxmlformats.org/officeDocument/2006/relationships" xmlns:p="http://schemas.openxmlformats.org/presentationml/2006/main">
+  <p:cSld>
+    <p:spTree>
+      <p:nvGrpSpPr>
+        <p:cNvPr id="1" name=""/>
+        <p:cNvGrpSpPr/>
+        <p:nvPr/>
+      </p:nvGrpSpPr>
+      <p:grpSpPr>
+        <a:xfrm>
+          <a:off x="0" y="0"/>
+          <a:ext cx="0" cy="0"/>
+          <a:chOff x="0" y="0"/>
+          <a:chExt cx="0" cy="0"/>
+        </a:xfrm>
+      </p:grpSpPr>
+      <p:sp>
+        <p:nvSpPr>
+          <p:cNvPr id="2" name="Title 1"/>
+          <p:cNvSpPr>
+            <a:spLocks noGrp="1"/>
+          </p:cNvSpPr>
+          <p:nvPr>
+            <p:ph type="title"/>
+          </p:nvPr>
+        </p:nvSpPr>
+        <p:spPr/>
+        <p:txBody>
+          <a:bodyPr/>
+          <a:lstStyle/>
+          <a:p>
+            <a:r>
+              <a:rPr lang="en-US" dirty="0" smtClean="0"/>
+              <a:t>Load over time for search</a:t>
+            </a:r>
+            <a:endParaRPr lang="en-US" dirty="0"/>
+          </a:p>
+        </p:txBody>
+      </p:sp>
+      <p:sp>
+        <p:nvSpPr>
+          <p:cNvPr id="3" name="Content Placeholder 2"/>
+          <p:cNvSpPr>
+            <a:spLocks noGrp="1"/>
+          </p:cNvSpPr>
+          <p:nvPr>
+            <p:ph idx="1"/>
+          </p:nvPr>
+        </p:nvSpPr>
+        <p:spPr/>
+        <p:txBody>
+          <a:bodyPr/>
+          <a:lstStyle/>
+          <a:p>
+            <a:endParaRPr lang="en-US" dirty="0" smtClean="0"/>
+          </a:p>
+          <a:p>
+            <a:endParaRPr lang="en-US" dirty="0"/>
+          </a:p>
+          <a:p>
+            <a:endParaRPr lang="en-US" dirty="0" smtClean="0"/>
+          </a:p>
+          <a:p>
+            <a:endParaRPr lang="en-US" dirty="0"/>
+          </a:p>
+          <a:p>
+            <a:endParaRPr lang="en-US" dirty="0" smtClean="0"/>
+          </a:p>
+          <a:p>
+            <a:endParaRPr lang="en-US" dirty="0"/>
+          </a:p>
+          <a:p>
+            <a:endParaRPr lang="en-US" dirty="0" smtClean="0"/>
+          </a:p>
+          <a:p>
+            <a:endParaRPr lang="en-US" dirty="0"/>
+          </a:p>
+          <a:p>
+            <a:r>
+              <a:rPr lang="en-US" dirty="0" smtClean="0"/>
+              <a:t>Typical load plot for NT3 workflow on Cori</a:t>
+            </a:r>
+            <a:endParaRPr lang="en-US" dirty="0"/>
+          </a:p>
+        </p:txBody>
+      </p:sp>
+      <p:sp>
+        <p:nvSpPr>
+          <p:cNvPr id="4" name="Text Placeholder 3"/>
+          <p:cNvSpPr>
+            <a:spLocks noGrp="1"/>
+          </p:cNvSpPr>
+          <p:nvPr>
+            <p:ph type="body" sz="quarter" idx="12"/>
+          </p:nvPr>
+        </p:nvSpPr>
+        <p:spPr/>
+        <p:txBody>
+          <a:bodyPr/>
+          <a:lstStyle/>
+          <a:p>
+            <a:endParaRPr lang="en-US"/>
+          </a:p>
+        </p:txBody>
+      </p:sp>
+      <p:sp>
+        <p:nvSpPr>
+          <p:cNvPr id="5" name="Slide Number Placeholder 4"/>
+          <p:cNvSpPr>
+            <a:spLocks noGrp="1"/>
+          </p:cNvSpPr>
+          <p:nvPr>
+            <p:ph type="sldNum" sz="quarter" idx="13"/>
+          </p:nvPr>
+        </p:nvSpPr>
+        <p:spPr/>
+        <p:txBody>
+          <a:bodyPr/>
+          <a:lstStyle/>
+          <a:p>
+            <a:fld id="{AEFAAC5A-9C4F-4278-920D-DF2BAB595749}" type="slidenum">
+              <a:rPr lang="en-US" smtClean="0"/>
+              <a:pPr/>
+              <a:t>10</a:t>
+            </a:fld>
+            <a:endParaRPr lang="en-US" dirty="0"/>
+          </a:p>
+        </p:txBody>
+      </p:sp>
+      <p:pic>
+        <p:nvPicPr>
+          <p:cNvPr id="6146" name="Picture 2" descr="C:\cygwin\home\wozniak\collab\CANDLE-Papers\2017\CAFCW\plots\nt3-loads.png"/>
+          <p:cNvPicPr>
+            <a:picLocks noChangeAspect="1" noChangeArrowheads="1"/>
+          </p:cNvPicPr>
+          <p:nvPr/>
+        </p:nvPicPr>
+        <p:blipFill>
+          <a:blip r:embed="rId2">
+            <a:extLst>
+              <a:ext uri="{28A0092B-C50C-407E-A947-70E740481C1C}">
+                <a14:useLocalDpi xmlns:a14="http://schemas.microsoft.com/office/drawing/2010/main" val="0"/>
+              </a:ext>
+            </a:extLst>
+          </a:blip>
+          <a:srcRect/>
+          <a:stretch>
+            <a:fillRect/>
+          </a:stretch>
+        </p:blipFill>
+        <p:spPr bwMode="auto">
+          <a:xfrm>
+            <a:off x="1161161" y="1280345"/>
+            <a:ext cx="6823608" cy="2558853"/>
+          </a:xfrm>
+          <a:prstGeom prst="rect">
+            <a:avLst/>
+          </a:prstGeom>
+          <a:noFill/>
+          <a:extLst>
+            <a:ext uri="{909E8E84-426E-40DD-AFC4-6F175D3DCCD1}">
+              <a14:hiddenFill xmlns:a14="http://schemas.microsoft.com/office/drawing/2010/main">
+                <a:solidFill>
+                  <a:srgbClr val="FFFFFF"/>
+                </a:solidFill>
+              </a14:hiddenFill>
+            </a:ext>
+          </a:extLst>
+        </p:spPr>
+      </p:pic>
+    </p:spTree>
+    <p:extLst>
+      <p:ext uri="{BB962C8B-B14F-4D97-AF65-F5344CB8AC3E}">
+        <p14:creationId xmlns:p14="http://schemas.microsoft.com/office/powerpoint/2010/main" val="1610988358"/>
+      </p:ext>
+    </p:extLst>
+  </p:cSld>
+  <p:clrMapOvr>
+    <a:masterClrMapping/>
+  </p:clrMapOvr>
+  <mc:AlternateContent xmlns:mc="http://schemas.openxmlformats.org/markup-compatibility/2006" xmlns:p14="http://schemas.microsoft.com/office/powerpoint/2010/main">
+    <mc:Choice Requires="p14">
+      <p:transition p14:dur="250">
+        <p:fade/>
+      </p:transition>
+    </mc:Choice>
+    <mc:Fallback xmlns="">
+      <p:transition>
+        <p:fade/>
+      </p:transition>
+    </mc:Fallback>
+  </mc:AlternateContent>
+  <p:timing>
+    <p:tnLst>
+      <p:par>
+        <p:cTn id="1" dur="indefinite" restart="never" nodeType="tmRoot"/>
+      </p:par>
+    </p:tnLst>
+  </p:timing>
+</p:sld>
+</file>
+
+<file path=ppt/slides/slide11.xml><?xml version="1.0" encoding="utf-8"?>
+<p:sld xmlns:a="http://schemas.openxmlformats.org/drawingml/2006/main" xmlns:r="http://schemas.openxmlformats.org/officeDocument/2006/relationships" xmlns:p="http://schemas.openxmlformats.org/presentationml/2006/main">
+  <p:cSld>
+    <p:spTree>
+      <p:nvGrpSpPr>
+        <p:cNvPr id="1" name=""/>
+        <p:cNvGrpSpPr/>
+        <p:nvPr/>
+      </p:nvGrpSpPr>
+      <p:grpSpPr>
+        <a:xfrm>
+          <a:off x="0" y="0"/>
+          <a:ext cx="0" cy="0"/>
+          <a:chOff x="0" y="0"/>
+          <a:chExt cx="0" cy="0"/>
+        </a:xfrm>
+      </p:grpSpPr>
+      <p:sp>
+        <p:nvSpPr>
+          <p:cNvPr id="2" name="Title 1"/>
+          <p:cNvSpPr>
+            <a:spLocks noGrp="1"/>
+          </p:cNvSpPr>
+          <p:nvPr>
+            <p:ph type="title"/>
+          </p:nvPr>
+        </p:nvSpPr>
+        <p:spPr/>
+        <p:txBody>
+          <a:bodyPr/>
+          <a:lstStyle/>
+          <a:p>
+            <a:r>
+              <a:rPr lang="en-US" dirty="0" smtClean="0"/>
+              <a:t>Ramp up / ramp down</a:t>
+            </a:r>
+            <a:endParaRPr lang="en-US" dirty="0"/>
+          </a:p>
+        </p:txBody>
+      </p:sp>
+      <p:sp>
+        <p:nvSpPr>
+          <p:cNvPr id="3" name="Content Placeholder 2"/>
+          <p:cNvSpPr>
+            <a:spLocks noGrp="1"/>
+          </p:cNvSpPr>
+          <p:nvPr>
+            <p:ph idx="1"/>
+          </p:nvPr>
+        </p:nvSpPr>
+        <p:spPr/>
+        <p:txBody>
+          <a:bodyPr/>
+          <a:lstStyle/>
+          <a:p>
+            <a:endParaRPr lang="en-US" dirty="0" smtClean="0"/>
+          </a:p>
+          <a:p>
+            <a:endParaRPr lang="en-US" dirty="0"/>
+          </a:p>
+          <a:p>
+            <a:endParaRPr lang="en-US" dirty="0" smtClean="0"/>
+          </a:p>
+          <a:p>
+            <a:endParaRPr lang="en-US" dirty="0"/>
+          </a:p>
+          <a:p>
+            <a:endParaRPr lang="en-US" dirty="0" smtClean="0"/>
+          </a:p>
+          <a:p>
+            <a:endParaRPr lang="en-US" dirty="0"/>
+          </a:p>
+          <a:p>
+            <a:endParaRPr lang="en-US" dirty="0" smtClean="0"/>
+          </a:p>
+          <a:p>
+            <a:endParaRPr lang="en-US" dirty="0"/>
+          </a:p>
+          <a:p>
+            <a:endParaRPr lang="en-US" dirty="0" smtClean="0"/>
+          </a:p>
+          <a:p>
+            <a:r>
+              <a:rPr lang="en-US" dirty="0" smtClean="0"/>
+              <a:t>Zoom in on single iteration on Titan</a:t>
+            </a:r>
+            <a:endParaRPr lang="en-US" dirty="0"/>
+          </a:p>
+        </p:txBody>
+      </p:sp>
+      <p:sp>
+        <p:nvSpPr>
+          <p:cNvPr id="4" name="Text Placeholder 3"/>
+          <p:cNvSpPr>
+            <a:spLocks noGrp="1"/>
+          </p:cNvSpPr>
+          <p:nvPr>
+            <p:ph type="body" sz="quarter" idx="12"/>
+          </p:nvPr>
+        </p:nvSpPr>
+        <p:spPr/>
+        <p:txBody>
+          <a:bodyPr/>
+          <a:lstStyle/>
+          <a:p>
+            <a:endParaRPr lang="en-US"/>
+          </a:p>
+        </p:txBody>
+      </p:sp>
+      <p:sp>
+        <p:nvSpPr>
+          <p:cNvPr id="5" name="Slide Number Placeholder 4"/>
+          <p:cNvSpPr>
+            <a:spLocks noGrp="1"/>
+          </p:cNvSpPr>
+          <p:nvPr>
+            <p:ph type="sldNum" sz="quarter" idx="13"/>
+          </p:nvPr>
+        </p:nvSpPr>
+        <p:spPr/>
+        <p:txBody>
+          <a:bodyPr/>
+          <a:lstStyle/>
+          <a:p>
+            <a:fld id="{AEFAAC5A-9C4F-4278-920D-DF2BAB595749}" type="slidenum">
+              <a:rPr lang="en-US" smtClean="0"/>
+              <a:pPr/>
+              <a:t>11</a:t>
+            </a:fld>
+            <a:endParaRPr lang="en-US" dirty="0"/>
+          </a:p>
+        </p:txBody>
+      </p:sp>
+      <p:pic>
+        <p:nvPicPr>
+          <p:cNvPr id="8194" name="Picture 2" descr="C:\cygwin\home\wozniak\collab\CANDLE-Papers\2017\CAFCW\plots\loads\load.png"/>
+          <p:cNvPicPr>
+            <a:picLocks noChangeAspect="1" noChangeArrowheads="1"/>
+          </p:cNvPicPr>
+          <p:nvPr/>
+        </p:nvPicPr>
+        <p:blipFill>
+          <a:blip r:embed="rId2">
+            <a:extLst>
+              <a:ext uri="{28A0092B-C50C-407E-A947-70E740481C1C}">
+                <a14:useLocalDpi xmlns:a14="http://schemas.microsoft.com/office/drawing/2010/main" val="0"/>
+              </a:ext>
+            </a:extLst>
+          </a:blip>
+          <a:srcRect/>
+          <a:stretch>
+            <a:fillRect/>
+          </a:stretch>
+        </p:blipFill>
+        <p:spPr bwMode="auto">
+          <a:xfrm>
+            <a:off x="1159603" y="1382883"/>
+            <a:ext cx="6924718" cy="2596769"/>
+          </a:xfrm>
+          <a:prstGeom prst="rect">
+            <a:avLst/>
+          </a:prstGeom>
+          <a:noFill/>
+          <a:extLst>
+            <a:ext uri="{909E8E84-426E-40DD-AFC4-6F175D3DCCD1}">
+              <a14:hiddenFill xmlns:a14="http://schemas.microsoft.com/office/drawing/2010/main">
+                <a:solidFill>
+                  <a:srgbClr val="FFFFFF"/>
+                </a:solidFill>
+              </a14:hiddenFill>
+            </a:ext>
+          </a:extLst>
+        </p:spPr>
+      </p:pic>
+    </p:spTree>
+    <p:extLst>
+      <p:ext uri="{BB962C8B-B14F-4D97-AF65-F5344CB8AC3E}">
+        <p14:creationId xmlns:p14="http://schemas.microsoft.com/office/powerpoint/2010/main" val="873821462"/>
+      </p:ext>
+    </p:extLst>
+  </p:cSld>
+  <p:clrMapOvr>
+    <a:masterClrMapping/>
+  </p:clrMapOvr>
+  <mc:AlternateContent xmlns:mc="http://schemas.openxmlformats.org/markup-compatibility/2006" xmlns:p14="http://schemas.microsoft.com/office/powerpoint/2010/main">
+    <mc:Choice Requires="p14">
+      <p:transition p14:dur="250">
+        <p:fade/>
+      </p:transition>
+    </mc:Choice>
+    <mc:Fallback xmlns="">
+      <p:transition>
+        <p:fade/>
+      </p:transition>
+    </mc:Fallback>
+  </mc:AlternateContent>
+  <p:timing>
+    <p:tnLst>
+      <p:par>
+        <p:cTn id="1" dur="indefinite" restart="never" nodeType="tmRoot"/>
+      </p:par>
+    </p:tnLst>
+  </p:timing>
+</p:sld>
+</file>
+
+<file path=ppt/slides/slide12.xml><?xml version="1.0" encoding="utf-8"?>
+<p:sld xmlns:a="http://schemas.openxmlformats.org/drawingml/2006/main" xmlns:r="http://schemas.openxmlformats.org/officeDocument/2006/relationships" xmlns:p="http://schemas.openxmlformats.org/presentationml/2006/main">
+  <p:cSld>
+    <p:spTree>
+      <p:nvGrpSpPr>
+        <p:cNvPr id="1" name=""/>
+        <p:cNvGrpSpPr/>
+        <p:nvPr/>
+      </p:nvGrpSpPr>
+      <p:grpSpPr>
+        <a:xfrm>
+          <a:off x="0" y="0"/>
+          <a:ext cx="0" cy="0"/>
+          <a:chOff x="0" y="0"/>
+          <a:chExt cx="0" cy="0"/>
+        </a:xfrm>
+      </p:grpSpPr>
+      <p:sp>
+        <p:nvSpPr>
+          <p:cNvPr id="2" name="Title 1"/>
+          <p:cNvSpPr>
+            <a:spLocks noGrp="1"/>
+          </p:cNvSpPr>
+          <p:nvPr>
+            <p:ph type="title"/>
+          </p:nvPr>
+        </p:nvSpPr>
+        <p:spPr/>
+        <p:txBody>
+          <a:bodyPr/>
+          <a:lstStyle/>
+          <a:p>
+            <a:r>
+              <a:rPr lang="en-US" dirty="0" smtClean="0"/>
+              <a:t>Driving integration </a:t>
+            </a:r>
+            <a:r>
+              <a:rPr lang="en-US" dirty="0"/>
+              <a:t>of Simulation, Data Analytics and Machine Learning</a:t>
+            </a:r>
+          </a:p>
+        </p:txBody>
+      </p:sp>
+      <p:sp>
+        <p:nvSpPr>
+          <p:cNvPr id="3" name="Content Placeholder 2"/>
+          <p:cNvSpPr>
+            <a:spLocks noGrp="1"/>
+          </p:cNvSpPr>
+          <p:nvPr>
+            <p:ph idx="1"/>
+          </p:nvPr>
+        </p:nvSpPr>
+        <p:spPr/>
+        <p:txBody>
+          <a:bodyPr/>
+          <a:lstStyle/>
+          <a:p>
+            <a:endParaRPr lang="en-US" dirty="0"/>
+          </a:p>
+        </p:txBody>
+      </p:sp>
+      <p:sp>
+        <p:nvSpPr>
+          <p:cNvPr id="4" name="Text Placeholder 3"/>
+          <p:cNvSpPr>
+            <a:spLocks noGrp="1"/>
+          </p:cNvSpPr>
+          <p:nvPr>
+            <p:ph type="body" sz="quarter" idx="12"/>
+          </p:nvPr>
+        </p:nvSpPr>
+        <p:spPr/>
+        <p:txBody>
+          <a:bodyPr/>
+          <a:lstStyle/>
+          <a:p>
+            <a:endParaRPr lang="en-US"/>
+          </a:p>
+        </p:txBody>
+      </p:sp>
+      <p:sp>
+        <p:nvSpPr>
+          <p:cNvPr id="5" name="Slide Number Placeholder 4"/>
+          <p:cNvSpPr>
+            <a:spLocks noGrp="1"/>
+          </p:cNvSpPr>
+          <p:nvPr>
+            <p:ph type="sldNum" sz="quarter" idx="13"/>
+          </p:nvPr>
+        </p:nvSpPr>
+        <p:spPr/>
+        <p:txBody>
+          <a:bodyPr/>
+          <a:lstStyle/>
+          <a:p>
+            <a:fld id="{AEFAAC5A-9C4F-4278-920D-DF2BAB595749}" type="slidenum">
+              <a:rPr lang="en-US" smtClean="0"/>
+              <a:pPr/>
+              <a:t>12</a:t>
+            </a:fld>
+            <a:endParaRPr lang="en-US" dirty="0"/>
+          </a:p>
+        </p:txBody>
+      </p:sp>
+      <p:grpSp>
+        <p:nvGrpSpPr>
+          <p:cNvPr id="6" name="Group 5"/>
+          <p:cNvGrpSpPr/>
+          <p:nvPr/>
+        </p:nvGrpSpPr>
+        <p:grpSpPr>
+          <a:xfrm>
+            <a:off x="1321798" y="1352438"/>
+            <a:ext cx="5358702" cy="3493661"/>
+            <a:chOff x="1321798" y="1769063"/>
+            <a:chExt cx="5358702" cy="4658215"/>
+          </a:xfrm>
+        </p:grpSpPr>
+        <p:sp>
+          <p:nvSpPr>
+            <p:cNvPr id="8" name="Oval 7"/>
+            <p:cNvSpPr/>
+            <p:nvPr/>
+          </p:nvSpPr>
+          <p:spPr>
+            <a:xfrm>
+              <a:off x="2974312" y="3550611"/>
+              <a:ext cx="2993465" cy="2876667"/>
+            </a:xfrm>
+            <a:prstGeom prst="ellipse">
+              <a:avLst/>
+            </a:prstGeom>
+            <a:solidFill>
+              <a:srgbClr val="D3DBDF"/>
+            </a:solidFill>
+            <a:ln>
+              <a:noFill/>
+            </a:ln>
+            <a:effectLst/>
+          </p:spPr>
+          <p:style>
+            <a:lnRef idx="1">
+              <a:schemeClr val="accent1"/>
+            </a:lnRef>
+            <a:fillRef idx="3">
+              <a:schemeClr val="accent1"/>
+            </a:fillRef>
+            <a:effectRef idx="2">
+              <a:schemeClr val="accent1"/>
+            </a:effectRef>
+            <a:fontRef idx="minor">
+              <a:schemeClr val="lt1"/>
+            </a:fontRef>
+          </p:style>
+          <p:txBody>
+            <a:bodyPr lIns="91392" tIns="45697" rIns="91392" bIns="45697" rtlCol="0" anchor="ctr"/>
+            <a:lstStyle/>
+            <a:p>
+              <a:pPr algn="ctr" defTabSz="914400"/>
+              <a:r>
+                <a:rPr lang="en-US" sz="2400" b="1" dirty="0">
+                  <a:solidFill>
+                    <a:srgbClr val="000090"/>
+                  </a:solidFill>
+                </a:rPr>
+                <a:t>Deep</a:t>
+              </a:r>
+            </a:p>
+            <a:p>
+              <a:pPr algn="ctr" defTabSz="914400"/>
+              <a:r>
+                <a:rPr lang="en-US" sz="2400" b="1" dirty="0">
+                  <a:solidFill>
+                    <a:srgbClr val="000090"/>
+                  </a:solidFill>
+                </a:rPr>
+                <a:t>Learning</a:t>
+              </a:r>
+            </a:p>
+          </p:txBody>
+        </p:sp>
+        <p:sp>
+          <p:nvSpPr>
+            <p:cNvPr id="9" name="Oval 8"/>
+            <p:cNvSpPr/>
+            <p:nvPr/>
+          </p:nvSpPr>
+          <p:spPr>
+            <a:xfrm>
+              <a:off x="1321798" y="2018349"/>
+              <a:ext cx="2993465" cy="2876667"/>
+            </a:xfrm>
+            <a:prstGeom prst="ellipse">
+              <a:avLst/>
+            </a:prstGeom>
+            <a:solidFill>
+              <a:srgbClr val="D3DBDF"/>
+            </a:solidFill>
+            <a:ln>
+              <a:noFill/>
+            </a:ln>
+            <a:effectLst/>
+          </p:spPr>
+          <p:style>
+            <a:lnRef idx="1">
+              <a:schemeClr val="accent1"/>
+            </a:lnRef>
+            <a:fillRef idx="3">
+              <a:schemeClr val="accent1"/>
+            </a:fillRef>
+            <a:effectRef idx="2">
+              <a:schemeClr val="accent1"/>
+            </a:effectRef>
+            <a:fontRef idx="minor">
+              <a:schemeClr val="lt1"/>
+            </a:fontRef>
+          </p:style>
+          <p:txBody>
+            <a:bodyPr lIns="91392" tIns="45697" rIns="91392" bIns="45697" rtlCol="0" anchor="ctr"/>
+            <a:lstStyle/>
+            <a:p>
+              <a:pPr algn="ctr" defTabSz="914400"/>
+              <a:r>
+                <a:rPr lang="en-US" sz="2400" b="1" dirty="0">
+                  <a:solidFill>
+                    <a:srgbClr val="000090"/>
+                  </a:solidFill>
+                </a:rPr>
+                <a:t>Large-Scale</a:t>
+              </a:r>
+            </a:p>
+            <a:p>
+              <a:pPr algn="ctr" defTabSz="914400"/>
+              <a:r>
+                <a:rPr lang="en-US" sz="2400" b="1" dirty="0">
+                  <a:solidFill>
+                    <a:srgbClr val="000090"/>
+                  </a:solidFill>
+                </a:rPr>
+                <a:t>Numerical </a:t>
+              </a:r>
+            </a:p>
+            <a:p>
+              <a:pPr algn="ctr" defTabSz="914400"/>
+              <a:r>
+                <a:rPr lang="en-US" sz="2400" b="1" dirty="0">
+                  <a:solidFill>
+                    <a:srgbClr val="000090"/>
+                  </a:solidFill>
+                </a:rPr>
+                <a:t>Simulation</a:t>
+              </a:r>
+            </a:p>
+          </p:txBody>
+        </p:sp>
+        <p:sp>
+          <p:nvSpPr>
+            <p:cNvPr id="7" name="Oval 6"/>
+            <p:cNvSpPr/>
+            <p:nvPr/>
+          </p:nvSpPr>
+          <p:spPr>
+            <a:xfrm>
+              <a:off x="3687035" y="1769063"/>
+              <a:ext cx="2993465" cy="2876667"/>
+            </a:xfrm>
+            <a:prstGeom prst="ellipse">
+              <a:avLst/>
+            </a:prstGeom>
+            <a:solidFill>
+              <a:srgbClr val="D3DBDF"/>
+            </a:solidFill>
+            <a:ln>
+              <a:noFill/>
+            </a:ln>
+            <a:effectLst/>
+          </p:spPr>
+          <p:style>
+            <a:lnRef idx="1">
+              <a:schemeClr val="accent1"/>
+            </a:lnRef>
+            <a:fillRef idx="3">
+              <a:schemeClr val="accent1"/>
+            </a:fillRef>
+            <a:effectRef idx="2">
+              <a:schemeClr val="accent1"/>
+            </a:effectRef>
+            <a:fontRef idx="minor">
+              <a:schemeClr val="lt1"/>
+            </a:fontRef>
+          </p:style>
+          <p:txBody>
+            <a:bodyPr lIns="91392" tIns="45697" rIns="91392" bIns="45697" rtlCol="0" anchor="ctr"/>
+            <a:lstStyle/>
+            <a:p>
+              <a:pPr algn="ctr" defTabSz="914400"/>
+              <a:r>
+                <a:rPr lang="en-US" sz="2400" b="1" dirty="0">
+                  <a:solidFill>
+                    <a:srgbClr val="000090"/>
+                  </a:solidFill>
+                </a:rPr>
+                <a:t>Scalable </a:t>
+              </a:r>
+            </a:p>
+            <a:p>
+              <a:pPr algn="ctr" defTabSz="914400"/>
+              <a:r>
+                <a:rPr lang="en-US" sz="2400" b="1" dirty="0">
+                  <a:solidFill>
+                    <a:srgbClr val="000090"/>
+                  </a:solidFill>
+                </a:rPr>
+                <a:t>Data Analytics</a:t>
+              </a:r>
+            </a:p>
+            <a:p>
+              <a:pPr algn="ctr" defTabSz="914400"/>
+              <a:endParaRPr lang="en-US" sz="2400" b="1" dirty="0">
+                <a:solidFill>
+                  <a:prstClr val="white"/>
+                </a:solidFill>
+              </a:endParaRPr>
+            </a:p>
+          </p:txBody>
+        </p:sp>
+      </p:grpSp>
+      <p:sp>
+        <p:nvSpPr>
+          <p:cNvPr id="10" name="TextBox 9"/>
+          <p:cNvSpPr txBox="1"/>
+          <p:nvPr/>
+        </p:nvSpPr>
+        <p:spPr>
+          <a:xfrm>
+            <a:off x="6293098" y="1569171"/>
+            <a:ext cx="2850919" cy="923283"/>
+          </a:xfrm>
+          <a:prstGeom prst="rect">
+            <a:avLst/>
+          </a:prstGeom>
+          <a:noFill/>
+          <a:ln>
+            <a:noFill/>
+          </a:ln>
+        </p:spPr>
+        <p:txBody>
+          <a:bodyPr wrap="square" lIns="91392" tIns="45697" rIns="91392" bIns="45697" rtlCol="0">
+            <a:spAutoFit/>
+          </a:bodyPr>
+          <a:lstStyle/>
+          <a:p>
+            <a:pPr algn="ctr" defTabSz="914400"/>
+            <a:r>
+              <a:rPr lang="en-US" b="1" dirty="0">
+                <a:solidFill>
+                  <a:srgbClr val="008000"/>
+                </a:solidFill>
+              </a:rPr>
+              <a:t>CORAL Supercomputers</a:t>
+            </a:r>
+          </a:p>
+          <a:p>
+            <a:pPr algn="ctr" defTabSz="914400"/>
+            <a:r>
+              <a:rPr lang="en-US" b="1" dirty="0">
+                <a:solidFill>
+                  <a:srgbClr val="008000"/>
+                </a:solidFill>
+              </a:rPr>
+              <a:t>and Exascale Systems</a:t>
+            </a:r>
+          </a:p>
+        </p:txBody>
+      </p:sp>
+      <p:cxnSp>
+        <p:nvCxnSpPr>
+          <p:cNvPr id="11" name="Straight Arrow Connector 10"/>
+          <p:cNvCxnSpPr/>
+          <p:nvPr/>
+        </p:nvCxnSpPr>
+        <p:spPr>
+          <a:xfrm flipH="1">
+            <a:off x="6168355" y="2294546"/>
+            <a:ext cx="1438826" cy="1189742"/>
+          </a:xfrm>
+          <a:prstGeom prst="straightConnector1">
+            <a:avLst/>
+          </a:prstGeom>
+          <a:ln>
+            <a:solidFill>
+              <a:srgbClr val="008000"/>
+            </a:solidFill>
+            <a:tailEnd type="arrow"/>
+          </a:ln>
+        </p:spPr>
+        <p:style>
+          <a:lnRef idx="2">
+            <a:schemeClr val="accent1"/>
+          </a:lnRef>
+          <a:fillRef idx="0">
+            <a:schemeClr val="accent1"/>
+          </a:fillRef>
+          <a:effectRef idx="1">
+            <a:schemeClr val="accent1"/>
+          </a:effectRef>
+          <a:fontRef idx="minor">
+            <a:schemeClr val="tx1"/>
+          </a:fontRef>
+        </p:style>
+      </p:cxnSp>
+      <p:sp>
+        <p:nvSpPr>
+          <p:cNvPr id="12" name="Rectangle 11"/>
+          <p:cNvSpPr/>
+          <p:nvPr/>
+        </p:nvSpPr>
+        <p:spPr>
+          <a:xfrm>
+            <a:off x="1762387" y="1807636"/>
+            <a:ext cx="2125230" cy="1545237"/>
+          </a:xfrm>
+          <a:prstGeom prst="rect">
+            <a:avLst/>
+          </a:prstGeom>
+          <a:noFill/>
+          <a:ln w="28575" cmpd="sng">
+            <a:solidFill>
+              <a:srgbClr val="FF0000"/>
+            </a:solidFill>
+          </a:ln>
+        </p:spPr>
+        <p:style>
+          <a:lnRef idx="1">
+            <a:schemeClr val="accent1"/>
+          </a:lnRef>
+          <a:fillRef idx="3">
+            <a:schemeClr val="accent1"/>
+          </a:fillRef>
+          <a:effectRef idx="2">
+            <a:schemeClr val="accent1"/>
+          </a:effectRef>
+          <a:fontRef idx="minor">
+            <a:schemeClr val="lt1"/>
+          </a:fontRef>
+        </p:style>
+        <p:txBody>
+          <a:bodyPr lIns="91392" tIns="45697" rIns="91392" bIns="45697" rtlCol="0" anchor="ctr"/>
+          <a:lstStyle/>
+          <a:p>
+            <a:pPr algn="ctr" defTabSz="914400"/>
+            <a:endParaRPr lang="en-US">
+              <a:solidFill>
+                <a:prstClr val="white"/>
+              </a:solidFill>
+            </a:endParaRPr>
+          </a:p>
+        </p:txBody>
+      </p:sp>
+      <p:sp>
+        <p:nvSpPr>
+          <p:cNvPr id="13" name="TextBox 12"/>
+          <p:cNvSpPr txBox="1"/>
+          <p:nvPr/>
+        </p:nvSpPr>
+        <p:spPr>
+          <a:xfrm>
+            <a:off x="301004" y="1105428"/>
+            <a:ext cx="1351620" cy="923283"/>
+          </a:xfrm>
+          <a:prstGeom prst="rect">
+            <a:avLst/>
+          </a:prstGeom>
+          <a:solidFill>
+            <a:schemeClr val="bg1"/>
+          </a:solidFill>
+        </p:spPr>
+        <p:txBody>
+          <a:bodyPr wrap="none" lIns="91392" tIns="45697" rIns="91392" bIns="45697" rtlCol="0">
+            <a:spAutoFit/>
+          </a:bodyPr>
+          <a:lstStyle/>
+          <a:p>
+            <a:pPr algn="ctr" defTabSz="914400"/>
+            <a:r>
+              <a:rPr lang="en-US" b="1">
+                <a:solidFill>
+                  <a:srgbClr val="FF0000"/>
+                </a:solidFill>
+              </a:rPr>
+              <a:t>Traditional</a:t>
+            </a:r>
+          </a:p>
+          <a:p>
+            <a:pPr algn="ctr" defTabSz="914400"/>
+            <a:r>
+              <a:rPr lang="en-US" b="1">
+                <a:solidFill>
+                  <a:srgbClr val="FF0000"/>
+                </a:solidFill>
+              </a:rPr>
+              <a:t>HPC</a:t>
+            </a:r>
+          </a:p>
+          <a:p>
+            <a:pPr algn="ctr" defTabSz="914400"/>
+            <a:r>
+              <a:rPr lang="en-US" b="1">
+                <a:solidFill>
+                  <a:srgbClr val="FF0000"/>
+                </a:solidFill>
+              </a:rPr>
+              <a:t>Systems</a:t>
+            </a:r>
+          </a:p>
+        </p:txBody>
+      </p:sp>
+      <p:cxnSp>
+        <p:nvCxnSpPr>
+          <p:cNvPr id="14" name="Straight Arrow Connector 13"/>
+          <p:cNvCxnSpPr/>
+          <p:nvPr/>
+        </p:nvCxnSpPr>
+        <p:spPr>
+          <a:xfrm>
+            <a:off x="984865" y="1807635"/>
+            <a:ext cx="777524" cy="592827"/>
+          </a:xfrm>
+          <a:prstGeom prst="straightConnector1">
+            <a:avLst/>
+          </a:prstGeom>
+          <a:ln>
+            <a:solidFill>
+              <a:srgbClr val="FF0000"/>
+            </a:solidFill>
+            <a:tailEnd type="arrow"/>
+          </a:ln>
+        </p:spPr>
+        <p:style>
+          <a:lnRef idx="2">
+            <a:schemeClr val="accent1"/>
+          </a:lnRef>
+          <a:fillRef idx="0">
+            <a:schemeClr val="accent1"/>
+          </a:fillRef>
+          <a:effectRef idx="1">
+            <a:schemeClr val="accent1"/>
+          </a:effectRef>
+          <a:fontRef idx="minor">
+            <a:schemeClr val="tx1"/>
+          </a:fontRef>
+        </p:style>
+      </p:cxnSp>
+      <p:sp>
+        <p:nvSpPr>
+          <p:cNvPr id="15" name="Rectangle 14"/>
+          <p:cNvSpPr/>
+          <p:nvPr/>
+        </p:nvSpPr>
+        <p:spPr>
+          <a:xfrm>
+            <a:off x="1854438" y="1399460"/>
+            <a:ext cx="4313917" cy="2789201"/>
+          </a:xfrm>
+          <a:prstGeom prst="rect">
+            <a:avLst/>
+          </a:prstGeom>
+          <a:noFill/>
+          <a:ln w="38100" cmpd="sng">
+            <a:solidFill>
+              <a:srgbClr val="008000"/>
+            </a:solidFill>
+          </a:ln>
+        </p:spPr>
+        <p:style>
+          <a:lnRef idx="1">
+            <a:schemeClr val="accent1"/>
+          </a:lnRef>
+          <a:fillRef idx="3">
+            <a:schemeClr val="accent1"/>
+          </a:fillRef>
+          <a:effectRef idx="2">
+            <a:schemeClr val="accent1"/>
+          </a:effectRef>
+          <a:fontRef idx="minor">
+            <a:schemeClr val="lt1"/>
+          </a:fontRef>
+        </p:style>
+        <p:txBody>
+          <a:bodyPr lIns="91392" tIns="45697" rIns="91392" bIns="45697" rtlCol="0" anchor="ctr"/>
+          <a:lstStyle/>
+          <a:p>
+            <a:pPr algn="ctr" defTabSz="914400"/>
+            <a:endParaRPr lang="en-US">
+              <a:solidFill>
+                <a:srgbClr val="008000"/>
+              </a:solidFill>
+            </a:endParaRPr>
+          </a:p>
+        </p:txBody>
+      </p:sp>
+    </p:spTree>
+    <p:extLst>
+      <p:ext uri="{BB962C8B-B14F-4D97-AF65-F5344CB8AC3E}">
+        <p14:creationId xmlns:p14="http://schemas.microsoft.com/office/powerpoint/2010/main" val="3405923211"/>
+      </p:ext>
+    </p:extLst>
+  </p:cSld>
+  <p:clrMapOvr>
+    <a:masterClrMapping/>
+  </p:clrMapOvr>
+  <mc:AlternateContent xmlns:mc="http://schemas.openxmlformats.org/markup-compatibility/2006" xmlns:p14="http://schemas.microsoft.com/office/powerpoint/2010/main">
+    <mc:Choice Requires="p14">
+      <p:transition p14:dur="250">
+        <p:fade/>
+      </p:transition>
+    </mc:Choice>
+    <mc:Fallback xmlns="">
+      <p:transition>
+        <p:fade/>
+      </p:transition>
+    </mc:Fallback>
+  </mc:AlternateContent>
+  <p:timing>
+    <p:tnLst>
+      <p:par>
+        <p:cTn id="1" dur="indefinite" restart="never" nodeType="tmRoot"/>
+      </p:par>
+    </p:tnLst>
+  </p:timing>
+</p:sld>
+</file>
+
+<file path=ppt/slides/slide13.xml><?xml version="1.0" encoding="utf-8"?>
+<p:sld xmlns:a="http://schemas.openxmlformats.org/drawingml/2006/main" xmlns:r="http://schemas.openxmlformats.org/officeDocument/2006/relationships" xmlns:p="http://schemas.openxmlformats.org/presentationml/2006/main">
+  <p:cSld>
+    <p:spTree>
+      <p:nvGrpSpPr>
+        <p:cNvPr id="1" name=""/>
+        <p:cNvGrpSpPr/>
+        <p:nvPr/>
+      </p:nvGrpSpPr>
+      <p:grpSpPr>
+        <a:xfrm>
+          <a:off x="0" y="0"/>
+          <a:ext cx="0" cy="0"/>
+          <a:chOff x="0" y="0"/>
+          <a:chExt cx="0" cy="0"/>
+        </a:xfrm>
+      </p:grpSpPr>
+      <p:sp>
+        <p:nvSpPr>
+          <p:cNvPr id="3" name="Text Placeholder 2"/>
+          <p:cNvSpPr>
+            <a:spLocks noGrp="1"/>
+          </p:cNvSpPr>
+          <p:nvPr>
+            <p:ph type="body" sz="quarter" idx="10"/>
+          </p:nvPr>
+        </p:nvSpPr>
+        <p:spPr/>
+        <p:txBody>
+          <a:bodyPr/>
+          <a:lstStyle/>
+          <a:p>
+            <a:r>
+              <a:rPr lang="en-US" dirty="0" smtClean="0"/>
+              <a:t>HYPERPARAMETER OPTIMIZATION</a:t>
+            </a:r>
+          </a:p>
+          <a:p>
+            <a:endParaRPr lang="en-US" dirty="0"/>
+          </a:p>
+        </p:txBody>
+      </p:sp>
+    </p:spTree>
+    <p:extLst>
+      <p:ext uri="{BB962C8B-B14F-4D97-AF65-F5344CB8AC3E}">
+        <p14:creationId xmlns:p14="http://schemas.microsoft.com/office/powerpoint/2010/main" val="1929049466"/>
+      </p:ext>
+    </p:extLst>
+  </p:cSld>
+  <p:clrMapOvr>
+    <a:masterClrMapping/>
+  </p:clrMapOvr>
+  <mc:AlternateContent xmlns:mc="http://schemas.openxmlformats.org/markup-compatibility/2006" xmlns:p14="http://schemas.microsoft.com/office/powerpoint/2010/main">
+    <mc:Choice Requires="p14">
+      <p:transition p14:dur="250">
+        <p:fade/>
+      </p:transition>
+    </mc:Choice>
+    <mc:Fallback xmlns="">
+      <p:transition>
+        <p:fade/>
+      </p:transition>
+    </mc:Fallback>
+  </mc:AlternateContent>
+  <p:timing>
+    <p:tnLst>
+      <p:par>
+        <p:cTn id="1" dur="indefinite" restart="never" nodeType="tmRoot"/>
+      </p:par>
+    </p:tnLst>
+  </p:timing>
+</p:sld>
+</file>
+
+<file path=ppt/slides/slide14.xml><?xml version="1.0" encoding="utf-8"?>
+<p:sld xmlns:a="http://schemas.openxmlformats.org/drawingml/2006/main" xmlns:r="http://schemas.openxmlformats.org/officeDocument/2006/relationships" xmlns:p="http://schemas.openxmlformats.org/presentationml/2006/main">
+  <p:cSld>
+    <p:spTree>
+      <p:nvGrpSpPr>
+        <p:cNvPr id="1" name=""/>
+        <p:cNvGrpSpPr/>
+        <p:nvPr/>
+      </p:nvGrpSpPr>
+      <p:grpSpPr>
+        <a:xfrm>
+          <a:off x="0" y="0"/>
+          <a:ext cx="0" cy="0"/>
+          <a:chOff x="0" y="0"/>
+          <a:chExt cx="0" cy="0"/>
+        </a:xfrm>
+      </p:grpSpPr>
+      <p:sp>
+        <p:nvSpPr>
+          <p:cNvPr id="2" name="Title 1"/>
+          <p:cNvSpPr>
+            <a:spLocks noGrp="1"/>
+          </p:cNvSpPr>
+          <p:nvPr>
+            <p:ph type="title"/>
+          </p:nvPr>
+        </p:nvSpPr>
+        <p:spPr/>
+        <p:txBody>
+          <a:bodyPr/>
+          <a:lstStyle/>
+          <a:p>
+            <a:r>
+              <a:rPr lang="en-US" dirty="0" smtClean="0"/>
+              <a:t>WHAT IS HYPERPARAMETER OPTIMIZATION	</a:t>
+            </a:r>
+            <a:endParaRPr lang="en-US" dirty="0"/>
+          </a:p>
+        </p:txBody>
+      </p:sp>
+      <p:sp>
+        <p:nvSpPr>
+          <p:cNvPr id="3" name="Content Placeholder 2"/>
+          <p:cNvSpPr>
+            <a:spLocks noGrp="1"/>
+          </p:cNvSpPr>
+          <p:nvPr>
+            <p:ph idx="1"/>
+          </p:nvPr>
+        </p:nvSpPr>
+        <p:spPr/>
+        <p:txBody>
+          <a:bodyPr/>
+          <a:lstStyle/>
+          <a:p>
+            <a:r>
+              <a:rPr lang="en-US" dirty="0" smtClean="0"/>
+              <a:t>Neural networks have a large number of possible configuration parameters, called </a:t>
+            </a:r>
+            <a:r>
+              <a:rPr lang="en-US" i="1" dirty="0" smtClean="0"/>
+              <a:t>hyperparameters</a:t>
+            </a:r>
+          </a:p>
+          <a:p>
+            <a:pPr lvl="1"/>
+            <a:r>
+              <a:rPr lang="en-US" dirty="0" smtClean="0"/>
+              <a:t>Avoids collision with NN </a:t>
+            </a:r>
+            <a:r>
+              <a:rPr lang="en-US" i="1" dirty="0" smtClean="0"/>
+              <a:t>weights</a:t>
+            </a:r>
+            <a:r>
+              <a:rPr lang="en-US" dirty="0" smtClean="0"/>
+              <a:t>, which are sometimes called </a:t>
+            </a:r>
+            <a:r>
+              <a:rPr lang="en-US" i="1" dirty="0" smtClean="0"/>
+              <a:t>parameters</a:t>
+            </a:r>
+            <a:endParaRPr lang="en-US" dirty="0"/>
+          </a:p>
+          <a:p>
+            <a:r>
+              <a:rPr lang="en-US" dirty="0" smtClean="0"/>
+              <a:t>Applying optimization can automate part of the design of the neural network</a:t>
+            </a:r>
+          </a:p>
+          <a:p>
+            <a:endParaRPr lang="en-US" dirty="0" smtClean="0"/>
+          </a:p>
+          <a:p>
+            <a:r>
+              <a:rPr lang="en-US" dirty="0" smtClean="0"/>
+              <a:t>In the cancer Pilot 1 autoencoder shown, </a:t>
+            </a:r>
+            <a:br>
+              <a:rPr lang="en-US" dirty="0" smtClean="0"/>
+            </a:br>
+            <a:r>
+              <a:rPr lang="en-US" dirty="0" smtClean="0"/>
+              <a:t>the system can determine</a:t>
+            </a:r>
+          </a:p>
+          <a:p>
+            <a:pPr lvl="1"/>
+            <a:r>
+              <a:rPr lang="en-US" dirty="0" smtClean="0"/>
+              <a:t>How many neurons to put in each layer</a:t>
+            </a:r>
+          </a:p>
+          <a:p>
+            <a:pPr lvl="1"/>
+            <a:r>
+              <a:rPr lang="en-US" dirty="0" smtClean="0"/>
+              <a:t>What activation function to use</a:t>
+            </a:r>
+          </a:p>
+          <a:p>
+            <a:pPr lvl="1"/>
+            <a:r>
+              <a:rPr lang="en-US" dirty="0" smtClean="0"/>
+              <a:t>What batch size to use</a:t>
+            </a:r>
+          </a:p>
+          <a:p>
+            <a:pPr lvl="1"/>
+            <a:r>
+              <a:rPr lang="en-US" dirty="0" smtClean="0"/>
+              <a:t>Etc.</a:t>
+            </a:r>
+            <a:endParaRPr lang="en-US" dirty="0"/>
+          </a:p>
+          <a:p>
+            <a:endParaRPr lang="en-US" dirty="0"/>
+          </a:p>
+        </p:txBody>
+      </p:sp>
+      <p:sp>
+        <p:nvSpPr>
+          <p:cNvPr id="4" name="Text Placeholder 3"/>
+          <p:cNvSpPr>
+            <a:spLocks noGrp="1"/>
+          </p:cNvSpPr>
+          <p:nvPr>
+            <p:ph type="body" sz="quarter" idx="12"/>
+          </p:nvPr>
+        </p:nvSpPr>
+        <p:spPr/>
+        <p:txBody>
+          <a:bodyPr/>
+          <a:lstStyle/>
+          <a:p>
+            <a:r>
+              <a:rPr lang="en-US" dirty="0" smtClean="0"/>
+              <a:t>Hyperparameter optimization = HPO</a:t>
+            </a:r>
+            <a:endParaRPr lang="en-US" dirty="0"/>
+          </a:p>
+        </p:txBody>
+      </p:sp>
+      <p:sp>
+        <p:nvSpPr>
+          <p:cNvPr id="5" name="Slide Number Placeholder 4"/>
+          <p:cNvSpPr>
+            <a:spLocks noGrp="1"/>
+          </p:cNvSpPr>
+          <p:nvPr>
+            <p:ph type="sldNum" sz="quarter" idx="13"/>
+          </p:nvPr>
+        </p:nvSpPr>
+        <p:spPr/>
+        <p:txBody>
+          <a:bodyPr/>
+          <a:lstStyle/>
+          <a:p>
+            <a:fld id="{AEFAAC5A-9C4F-4278-920D-DF2BAB595749}" type="slidenum">
+              <a:rPr lang="en-US" smtClean="0"/>
+              <a:pPr/>
+              <a:t>14</a:t>
+            </a:fld>
+            <a:endParaRPr lang="en-US" dirty="0"/>
+          </a:p>
+        </p:txBody>
+      </p:sp>
+      <p:pic>
+        <p:nvPicPr>
+          <p:cNvPr id="6" name="Picture 5"/>
+          <p:cNvPicPr>
+            <a:picLocks noChangeAspect="1"/>
+          </p:cNvPicPr>
+          <p:nvPr/>
+        </p:nvPicPr>
+        <p:blipFill rotWithShape="1">
+          <a:blip r:embed="rId2"/>
+          <a:srcRect l="6305" t="8047" r="6484" b="7458"/>
+          <a:stretch/>
+        </p:blipFill>
+        <p:spPr>
+          <a:xfrm>
+            <a:off x="5808015" y="2775692"/>
+            <a:ext cx="3186917" cy="2307767"/>
+          </a:xfrm>
+          <a:prstGeom prst="rect">
+            <a:avLst/>
+          </a:prstGeom>
+        </p:spPr>
+      </p:pic>
+    </p:spTree>
+    <p:extLst>
+      <p:ext uri="{BB962C8B-B14F-4D97-AF65-F5344CB8AC3E}">
+        <p14:creationId xmlns:p14="http://schemas.microsoft.com/office/powerpoint/2010/main" val="3563808561"/>
+      </p:ext>
+    </p:extLst>
+  </p:cSld>
+  <p:clrMapOvr>
+    <a:masterClrMapping/>
+  </p:clrMapOvr>
+  <mc:AlternateContent xmlns:mc="http://schemas.openxmlformats.org/markup-compatibility/2006" xmlns:p14="http://schemas.microsoft.com/office/powerpoint/2010/main">
+    <mc:Choice Requires="p14">
+      <p:transition p14:dur="250">
+        <p:fade/>
+      </p:transition>
+    </mc:Choice>
+    <mc:Fallback xmlns="">
+      <p:transition>
+        <p:fade/>
+      </p:transition>
+    </mc:Fallback>
+  </mc:AlternateContent>
+</p:sld>
+</file>
+
+<file path=ppt/slides/slide15.xml><?xml version="1.0" encoding="utf-8"?>
+<p:sld xmlns:a="http://schemas.openxmlformats.org/drawingml/2006/main" xmlns:r="http://schemas.openxmlformats.org/officeDocument/2006/relationships" xmlns:p="http://schemas.openxmlformats.org/presentationml/2006/main">
+  <p:cSld>
+    <p:spTree>
+      <p:nvGrpSpPr>
+        <p:cNvPr id="1" name=""/>
+        <p:cNvGrpSpPr/>
+        <p:nvPr/>
+      </p:nvGrpSpPr>
+      <p:grpSpPr>
+        <a:xfrm>
+          <a:off x="0" y="0"/>
+          <a:ext cx="0" cy="0"/>
+          <a:chOff x="0" y="0"/>
+          <a:chExt cx="0" cy="0"/>
+        </a:xfrm>
+      </p:grpSpPr>
+      <p:sp>
+        <p:nvSpPr>
+          <p:cNvPr id="2" name="Title 1"/>
+          <p:cNvSpPr>
+            <a:spLocks noGrp="1"/>
+          </p:cNvSpPr>
+          <p:nvPr>
+            <p:ph type="title"/>
+          </p:nvPr>
+        </p:nvSpPr>
+        <p:spPr/>
+        <p:txBody>
+          <a:bodyPr/>
+          <a:lstStyle/>
+          <a:p>
+            <a:r>
+              <a:rPr lang="en-US" dirty="0" smtClean="0"/>
+              <a:t>Mathematical expression for </a:t>
+            </a:r>
+            <a:r>
+              <a:rPr lang="en-US" dirty="0" err="1" smtClean="0"/>
+              <a:t>hpo</a:t>
+            </a:r>
+            <a:endParaRPr lang="en-US" dirty="0"/>
+          </a:p>
+        </p:txBody>
+      </p:sp>
+      <p:sp>
+        <p:nvSpPr>
+          <p:cNvPr id="3" name="Content Placeholder 2"/>
+          <p:cNvSpPr>
+            <a:spLocks noGrp="1"/>
+          </p:cNvSpPr>
+          <p:nvPr>
+            <p:ph idx="1"/>
+          </p:nvPr>
+        </p:nvSpPr>
+        <p:spPr/>
+        <p:txBody>
+          <a:bodyPr/>
+          <a:lstStyle/>
+          <a:p>
+            <a:r>
+              <a:rPr lang="en-US" dirty="0"/>
+              <a:t>For a given problem:</a:t>
+            </a:r>
+          </a:p>
+          <a:p>
+            <a:pPr lvl="1"/>
+            <a:r>
+              <a:rPr lang="en-US" dirty="0"/>
+              <a:t>A loss function </a:t>
+            </a:r>
+            <a:r>
+              <a:rPr lang="en-US" b="1" i="1" dirty="0"/>
+              <a:t>F</a:t>
+            </a:r>
+            <a:r>
+              <a:rPr lang="en-US" dirty="0"/>
+              <a:t> is determined on a given NN (usually accuracy)</a:t>
+            </a:r>
+          </a:p>
+          <a:p>
+            <a:pPr lvl="1"/>
+            <a:r>
+              <a:rPr lang="en-US" dirty="0"/>
+              <a:t>The hyperparameter optimization problem is to minimize </a:t>
+            </a:r>
+            <a:r>
+              <a:rPr lang="en-US" b="1" i="1" dirty="0"/>
+              <a:t>F(p)</a:t>
+            </a:r>
+            <a:r>
+              <a:rPr lang="en-US" dirty="0"/>
+              <a:t>, </a:t>
+            </a:r>
+          </a:p>
+          <a:p>
+            <a:pPr lvl="2"/>
+            <a:r>
+              <a:rPr lang="en-US" dirty="0"/>
+              <a:t>for all hyperparameter sets </a:t>
+            </a:r>
+            <a:r>
+              <a:rPr lang="en-US" b="1" i="1" dirty="0"/>
+              <a:t>p</a:t>
+            </a:r>
+            <a:r>
+              <a:rPr lang="en-US" dirty="0"/>
+              <a:t> in the valid parameter space </a:t>
+            </a:r>
+            <a:r>
+              <a:rPr lang="en-US" b="1" i="1" dirty="0"/>
+              <a:t>P</a:t>
+            </a:r>
+            <a:r>
+              <a:rPr lang="en-US" dirty="0"/>
+              <a:t>, </a:t>
+            </a:r>
+          </a:p>
+          <a:p>
+            <a:pPr lvl="2"/>
+            <a:r>
+              <a:rPr lang="en-US" dirty="0"/>
+              <a:t>however, </a:t>
+            </a:r>
+            <a:r>
+              <a:rPr lang="en-US" b="1" i="1" dirty="0"/>
+              <a:t>P</a:t>
+            </a:r>
+            <a:r>
+              <a:rPr lang="en-US" dirty="0"/>
+              <a:t> is large and </a:t>
+            </a:r>
+            <a:r>
+              <a:rPr lang="en-US" b="1" i="1" dirty="0"/>
+              <a:t>F</a:t>
+            </a:r>
+            <a:r>
+              <a:rPr lang="en-US" dirty="0"/>
+              <a:t> is expensive.  </a:t>
+            </a:r>
+          </a:p>
+          <a:p>
+            <a:pPr lvl="2"/>
+            <a:r>
+              <a:rPr lang="en-US" b="1" i="1" dirty="0"/>
+              <a:t>P</a:t>
+            </a:r>
+            <a:r>
+              <a:rPr lang="en-US" dirty="0"/>
+              <a:t> is the cross product of all valid network settings, </a:t>
+            </a:r>
+          </a:p>
+          <a:p>
+            <a:pPr lvl="3"/>
+            <a:r>
+              <a:rPr lang="en-US" dirty="0"/>
+              <a:t>some of which may be categorical, some integer, some continuous.  </a:t>
+            </a:r>
+          </a:p>
+          <a:p>
+            <a:pPr lvl="2"/>
+            <a:r>
+              <a:rPr lang="en-US" dirty="0"/>
+              <a:t>Evaluating </a:t>
+            </a:r>
+            <a:r>
+              <a:rPr lang="en-US" b="1" i="1" dirty="0"/>
+              <a:t>F</a:t>
+            </a:r>
+            <a:r>
+              <a:rPr lang="en-US" dirty="0"/>
+              <a:t> involves training the network on a training data set and applying it to the validation </a:t>
+            </a:r>
+            <a:r>
+              <a:rPr lang="en-US" dirty="0" smtClean="0"/>
+              <a:t>set</a:t>
+            </a:r>
+          </a:p>
+          <a:p>
+            <a:r>
+              <a:rPr lang="en-US" dirty="0" smtClean="0"/>
+              <a:t>We can use a generic, previously developed method to optimize </a:t>
+            </a:r>
+            <a:r>
+              <a:rPr lang="en-US" b="1" i="1" dirty="0" smtClean="0"/>
+              <a:t>F</a:t>
+            </a:r>
+            <a:r>
+              <a:rPr lang="en-US" dirty="0" smtClean="0"/>
+              <a:t> !</a:t>
+            </a:r>
+          </a:p>
+          <a:p>
+            <a:r>
+              <a:rPr lang="en-US" dirty="0" smtClean="0"/>
+              <a:t>These methods require and can use large compute resources</a:t>
+            </a:r>
+            <a:endParaRPr lang="en-US" dirty="0"/>
+          </a:p>
+        </p:txBody>
+      </p:sp>
+      <p:sp>
+        <p:nvSpPr>
+          <p:cNvPr id="4" name="Text Placeholder 3"/>
+          <p:cNvSpPr>
+            <a:spLocks noGrp="1"/>
+          </p:cNvSpPr>
+          <p:nvPr>
+            <p:ph type="body" sz="quarter" idx="12"/>
+          </p:nvPr>
+        </p:nvSpPr>
+        <p:spPr/>
+        <p:txBody>
+          <a:bodyPr/>
+          <a:lstStyle/>
+          <a:p>
+            <a:endParaRPr lang="en-US"/>
+          </a:p>
+        </p:txBody>
+      </p:sp>
+      <p:sp>
+        <p:nvSpPr>
+          <p:cNvPr id="5" name="Slide Number Placeholder 4"/>
+          <p:cNvSpPr>
+            <a:spLocks noGrp="1"/>
+          </p:cNvSpPr>
+          <p:nvPr>
+            <p:ph type="sldNum" sz="quarter" idx="13"/>
+          </p:nvPr>
+        </p:nvSpPr>
+        <p:spPr/>
+        <p:txBody>
+          <a:bodyPr/>
+          <a:lstStyle/>
+          <a:p>
+            <a:fld id="{AEFAAC5A-9C4F-4278-920D-DF2BAB595749}" type="slidenum">
+              <a:rPr lang="en-US" smtClean="0"/>
+              <a:pPr/>
+              <a:t>15</a:t>
+            </a:fld>
+            <a:endParaRPr lang="en-US" dirty="0"/>
+          </a:p>
+        </p:txBody>
+      </p:sp>
+    </p:spTree>
+    <p:extLst>
+      <p:ext uri="{BB962C8B-B14F-4D97-AF65-F5344CB8AC3E}">
+        <p14:creationId xmlns:p14="http://schemas.microsoft.com/office/powerpoint/2010/main" val="87294180"/>
+      </p:ext>
+    </p:extLst>
+  </p:cSld>
+  <p:clrMapOvr>
+    <a:masterClrMapping/>
+  </p:clrMapOvr>
+  <mc:AlternateContent xmlns:mc="http://schemas.openxmlformats.org/markup-compatibility/2006" xmlns:p14="http://schemas.microsoft.com/office/powerpoint/2010/main">
+    <mc:Choice Requires="p14">
+      <p:transition p14:dur="250">
+        <p:fade/>
+      </p:transition>
+    </mc:Choice>
+    <mc:Fallback xmlns="">
+      <p:transition>
+        <p:fade/>
+      </p:transition>
+    </mc:Fallback>
+  </mc:AlternateContent>
+</p:sld>
+</file>
+
+<file path=ppt/slides/slide16.xml><?xml version="1.0" encoding="utf-8"?>
+<p:sld xmlns:a="http://schemas.openxmlformats.org/drawingml/2006/main" xmlns:r="http://schemas.openxmlformats.org/officeDocument/2006/relationships" xmlns:p="http://schemas.openxmlformats.org/presentationml/2006/main">
+  <p:cSld>
+    <p:spTree>
+      <p:nvGrpSpPr>
+        <p:cNvPr id="1" name=""/>
+        <p:cNvGrpSpPr/>
+        <p:nvPr/>
+      </p:nvGrpSpPr>
+      <p:grpSpPr>
+        <a:xfrm>
+          <a:off x="0" y="0"/>
+          <a:ext cx="0" cy="0"/>
+          <a:chOff x="0" y="0"/>
+          <a:chExt cx="0" cy="0"/>
+        </a:xfrm>
+      </p:grpSpPr>
+      <p:sp>
+        <p:nvSpPr>
+          <p:cNvPr id="2" name="Title 1"/>
+          <p:cNvSpPr>
+            <a:spLocks noGrp="1"/>
+          </p:cNvSpPr>
+          <p:nvPr>
+            <p:ph type="title"/>
+          </p:nvPr>
+        </p:nvSpPr>
+        <p:spPr/>
+        <p:txBody>
+          <a:bodyPr/>
+          <a:lstStyle/>
+          <a:p>
+            <a:r>
+              <a:rPr lang="en-US" dirty="0" smtClean="0"/>
+              <a:t>BASIC STRATEGIES </a:t>
+            </a:r>
+            <a:endParaRPr lang="en-US" dirty="0"/>
+          </a:p>
+        </p:txBody>
+      </p:sp>
+      <p:sp>
+        <p:nvSpPr>
+          <p:cNvPr id="3" name="Content Placeholder 2"/>
+          <p:cNvSpPr>
+            <a:spLocks noGrp="1"/>
+          </p:cNvSpPr>
+          <p:nvPr>
+            <p:ph idx="1"/>
+          </p:nvPr>
+        </p:nvSpPr>
+        <p:spPr/>
+        <p:txBody>
+          <a:bodyPr/>
+          <a:lstStyle/>
+          <a:p>
+            <a:r>
+              <a:rPr lang="en-US" dirty="0" smtClean="0"/>
+              <a:t>Grid search</a:t>
+            </a:r>
+          </a:p>
+          <a:p>
+            <a:pPr marL="0" indent="0">
+              <a:buNone/>
+            </a:pPr>
+            <a:endParaRPr lang="en-US" dirty="0" smtClean="0"/>
+          </a:p>
+          <a:p>
+            <a:r>
+              <a:rPr lang="en-US" dirty="0" smtClean="0"/>
+              <a:t>Random search</a:t>
+            </a:r>
+          </a:p>
+          <a:p>
+            <a:pPr marL="0" indent="0">
+              <a:buNone/>
+            </a:pPr>
+            <a:endParaRPr lang="en-US" dirty="0" smtClean="0"/>
+          </a:p>
+          <a:p>
+            <a:r>
+              <a:rPr lang="en-US" dirty="0" smtClean="0"/>
+              <a:t>Generic optimization</a:t>
+            </a:r>
+          </a:p>
+          <a:p>
+            <a:pPr lvl="1"/>
+            <a:r>
+              <a:rPr lang="en-US" dirty="0" smtClean="0"/>
+              <a:t>Stochastic gradient descent</a:t>
+            </a:r>
+          </a:p>
+          <a:p>
+            <a:pPr lvl="1"/>
+            <a:r>
+              <a:rPr lang="en-US" dirty="0" smtClean="0"/>
+              <a:t>Evolutionary algorithms</a:t>
+            </a:r>
+          </a:p>
+          <a:p>
+            <a:pPr lvl="1"/>
+            <a:r>
+              <a:rPr lang="en-US" dirty="0" smtClean="0"/>
+              <a:t>Model-based optimization</a:t>
+            </a:r>
+            <a:endParaRPr lang="en-US" dirty="0"/>
+          </a:p>
+          <a:p>
+            <a:r>
+              <a:rPr lang="en-US" dirty="0" smtClean="0"/>
+              <a:t>NN hyperparameter-specific optimization</a:t>
+            </a:r>
+          </a:p>
+          <a:p>
+            <a:pPr lvl="1"/>
+            <a:r>
+              <a:rPr lang="en-US" dirty="0" err="1" smtClean="0"/>
+              <a:t>Hyperopt</a:t>
+            </a:r>
+            <a:r>
+              <a:rPr lang="en-US" dirty="0" smtClean="0"/>
+              <a:t>, NEAT, </a:t>
+            </a:r>
+            <a:r>
+              <a:rPr lang="en-US" dirty="0" err="1" smtClean="0"/>
+              <a:t>Optunity</a:t>
+            </a:r>
+            <a:r>
+              <a:rPr lang="en-US" dirty="0" smtClean="0"/>
+              <a:t>, …</a:t>
+            </a:r>
+          </a:p>
+          <a:p>
+            <a:endParaRPr lang="en-US" dirty="0"/>
+          </a:p>
+        </p:txBody>
+      </p:sp>
+      <p:sp>
+        <p:nvSpPr>
+          <p:cNvPr id="4" name="Text Placeholder 3"/>
+          <p:cNvSpPr>
+            <a:spLocks noGrp="1"/>
+          </p:cNvSpPr>
+          <p:nvPr>
+            <p:ph type="body" sz="quarter" idx="12"/>
+          </p:nvPr>
+        </p:nvSpPr>
+        <p:spPr/>
+        <p:txBody>
+          <a:bodyPr/>
+          <a:lstStyle/>
+          <a:p>
+            <a:endParaRPr lang="en-US" dirty="0"/>
+          </a:p>
+        </p:txBody>
+      </p:sp>
+      <p:sp>
+        <p:nvSpPr>
+          <p:cNvPr id="5" name="Slide Number Placeholder 4"/>
+          <p:cNvSpPr>
+            <a:spLocks noGrp="1"/>
+          </p:cNvSpPr>
+          <p:nvPr>
+            <p:ph type="sldNum" sz="quarter" idx="13"/>
+          </p:nvPr>
+        </p:nvSpPr>
+        <p:spPr/>
+        <p:txBody>
+          <a:bodyPr/>
+          <a:lstStyle/>
+          <a:p>
+            <a:fld id="{AEFAAC5A-9C4F-4278-920D-DF2BAB595749}" type="slidenum">
+              <a:rPr lang="en-US" smtClean="0"/>
+              <a:pPr/>
+              <a:t>16</a:t>
+            </a:fld>
+            <a:endParaRPr lang="en-US" dirty="0"/>
+          </a:p>
+        </p:txBody>
+      </p:sp>
+    </p:spTree>
+    <p:extLst>
+      <p:ext uri="{BB962C8B-B14F-4D97-AF65-F5344CB8AC3E}">
+        <p14:creationId xmlns:p14="http://schemas.microsoft.com/office/powerpoint/2010/main" val="2547909509"/>
+      </p:ext>
+    </p:extLst>
+  </p:cSld>
+  <p:clrMapOvr>
+    <a:masterClrMapping/>
+  </p:clrMapOvr>
+  <mc:AlternateContent xmlns:mc="http://schemas.openxmlformats.org/markup-compatibility/2006" xmlns:p14="http://schemas.microsoft.com/office/powerpoint/2010/main">
+    <mc:Choice Requires="p14">
+      <p:transition p14:dur="250">
+        <p:fade/>
+      </p:transition>
+    </mc:Choice>
+    <mc:Fallback xmlns="">
+      <p:transition>
+        <p:fade/>
+      </p:transition>
+    </mc:Fallback>
+  </mc:AlternateContent>
+</p:sld>
+</file>
+
+<file path=ppt/slides/slide17.xml><?xml version="1.0" encoding="utf-8"?>
+<p:sld xmlns:a="http://schemas.openxmlformats.org/drawingml/2006/main" xmlns:r="http://schemas.openxmlformats.org/officeDocument/2006/relationships" xmlns:p="http://schemas.openxmlformats.org/presentationml/2006/main">
+  <p:cSld>
+    <p:spTree>
+      <p:nvGrpSpPr>
+        <p:cNvPr id="1" name=""/>
+        <p:cNvGrpSpPr/>
+        <p:nvPr/>
+      </p:nvGrpSpPr>
+      <p:grpSpPr>
+        <a:xfrm>
+          <a:off x="0" y="0"/>
+          <a:ext cx="0" cy="0"/>
+          <a:chOff x="0" y="0"/>
+          <a:chExt cx="0" cy="0"/>
+        </a:xfrm>
+      </p:grpSpPr>
+      <p:sp>
+        <p:nvSpPr>
+          <p:cNvPr id="2" name="Title 1"/>
+          <p:cNvSpPr>
+            <a:spLocks noGrp="1"/>
+          </p:cNvSpPr>
+          <p:nvPr>
+            <p:ph type="title"/>
+          </p:nvPr>
+        </p:nvSpPr>
+        <p:spPr>
+          <a:xfrm>
+            <a:off x="457201" y="154254"/>
+            <a:ext cx="8372901" cy="621711"/>
+          </a:xfrm>
+        </p:spPr>
+        <p:txBody>
+          <a:bodyPr/>
+          <a:lstStyle/>
+          <a:p>
+            <a:r>
+              <a:rPr lang="en-US" dirty="0" smtClean="0"/>
+              <a:t>Candle Hyperparameter learning</a:t>
+            </a:r>
+            <a:endParaRPr lang="en-US" dirty="0"/>
+          </a:p>
+        </p:txBody>
+      </p:sp>
+      <p:sp>
+        <p:nvSpPr>
+          <p:cNvPr id="5" name="Slide Number Placeholder 4"/>
+          <p:cNvSpPr>
+            <a:spLocks noGrp="1"/>
+          </p:cNvSpPr>
+          <p:nvPr>
+            <p:ph type="sldNum" sz="quarter" idx="13"/>
+          </p:nvPr>
+        </p:nvSpPr>
+        <p:spPr/>
+        <p:txBody>
+          <a:bodyPr/>
+          <a:lstStyle/>
+          <a:p>
+            <a:fld id="{AEFAAC5A-9C4F-4278-920D-DF2BAB595749}" type="slidenum">
+              <a:rPr lang="en-US" smtClean="0"/>
+              <a:pPr/>
+              <a:t>17</a:t>
+            </a:fld>
+            <a:endParaRPr lang="en-US" dirty="0"/>
+          </a:p>
+        </p:txBody>
+      </p:sp>
+      <p:pic>
+        <p:nvPicPr>
+          <p:cNvPr id="8" name="Picture 7"/>
+          <p:cNvPicPr>
+            <a:picLocks noChangeAspect="1"/>
+          </p:cNvPicPr>
+          <p:nvPr/>
+        </p:nvPicPr>
+        <p:blipFill>
+          <a:blip r:embed="rId2"/>
+          <a:stretch>
+            <a:fillRect/>
+          </a:stretch>
+        </p:blipFill>
+        <p:spPr>
+          <a:xfrm>
+            <a:off x="3965284" y="1114924"/>
+            <a:ext cx="4846207" cy="2864534"/>
+          </a:xfrm>
+          <a:prstGeom prst="rect">
+            <a:avLst/>
+          </a:prstGeom>
+        </p:spPr>
+      </p:pic>
+      <p:sp>
+        <p:nvSpPr>
+          <p:cNvPr id="10" name="Rectangle 9"/>
+          <p:cNvSpPr/>
+          <p:nvPr/>
+        </p:nvSpPr>
+        <p:spPr>
+          <a:xfrm>
+            <a:off x="789709" y="4116618"/>
+            <a:ext cx="8021782" cy="738664"/>
+          </a:xfrm>
+          <a:prstGeom prst="rect">
+            <a:avLst/>
+          </a:prstGeom>
+        </p:spPr>
+        <p:txBody>
+          <a:bodyPr wrap="square">
+            <a:spAutoFit/>
+          </a:bodyPr>
+          <a:lstStyle/>
+          <a:p>
+            <a:r>
+              <a:rPr lang="en-US" sz="1400" dirty="0">
+                <a:solidFill>
+                  <a:srgbClr val="000000"/>
+                </a:solidFill>
+              </a:rPr>
+              <a:t>Predicting Tumor Cell Line Response to Drug Pairs with Deep Learning, F. Xia, M. Shukla, T. </a:t>
+            </a:r>
+            <a:r>
+              <a:rPr lang="en-US" sz="1400" dirty="0" err="1">
+                <a:solidFill>
+                  <a:srgbClr val="000000"/>
+                </a:solidFill>
+              </a:rPr>
+              <a:t>Brettin</a:t>
+            </a:r>
+            <a:r>
+              <a:rPr lang="en-US" sz="1400" dirty="0">
+                <a:solidFill>
+                  <a:srgbClr val="000000"/>
+                </a:solidFill>
+              </a:rPr>
+              <a:t>, C. Garcia-Cardona, J. Cohn, J. Allen, S. </a:t>
+            </a:r>
+            <a:r>
+              <a:rPr lang="en-US" sz="1400" dirty="0" err="1">
+                <a:solidFill>
+                  <a:srgbClr val="000000"/>
+                </a:solidFill>
+              </a:rPr>
+              <a:t>Maslov</a:t>
+            </a:r>
+            <a:r>
+              <a:rPr lang="en-US" sz="1400" dirty="0">
+                <a:solidFill>
+                  <a:srgbClr val="000000"/>
+                </a:solidFill>
+              </a:rPr>
+              <a:t>, Y. </a:t>
+            </a:r>
+            <a:r>
+              <a:rPr lang="en-US" sz="1400" dirty="0" err="1">
+                <a:solidFill>
+                  <a:srgbClr val="000000"/>
+                </a:solidFill>
+              </a:rPr>
+              <a:t>Evrard</a:t>
+            </a:r>
+            <a:r>
+              <a:rPr lang="en-US" sz="1400" dirty="0">
+                <a:solidFill>
+                  <a:srgbClr val="000000"/>
+                </a:solidFill>
+              </a:rPr>
+              <a:t>, S. </a:t>
+            </a:r>
+            <a:r>
+              <a:rPr lang="en-US" sz="1400" dirty="0" err="1">
+                <a:solidFill>
+                  <a:srgbClr val="000000"/>
+                </a:solidFill>
+              </a:rPr>
+              <a:t>Holbeck</a:t>
+            </a:r>
+            <a:r>
+              <a:rPr lang="en-US" sz="1400" dirty="0">
+                <a:solidFill>
+                  <a:srgbClr val="000000"/>
+                </a:solidFill>
+              </a:rPr>
+              <a:t>, J. </a:t>
+            </a:r>
+            <a:r>
+              <a:rPr lang="en-US" sz="1400" dirty="0" err="1">
+                <a:solidFill>
+                  <a:srgbClr val="000000"/>
+                </a:solidFill>
+              </a:rPr>
+              <a:t>Doroshow</a:t>
+            </a:r>
+            <a:r>
+              <a:rPr lang="en-US" sz="1400" dirty="0">
+                <a:solidFill>
+                  <a:srgbClr val="000000"/>
+                </a:solidFill>
+              </a:rPr>
+              <a:t>, E. Stahlberg, and R. </a:t>
+            </a:r>
+            <a:r>
+              <a:rPr lang="en-US" sz="1400" dirty="0" smtClean="0">
+                <a:solidFill>
+                  <a:srgbClr val="000000"/>
+                </a:solidFill>
+              </a:rPr>
+              <a:t>Stevens (Computational Approaches for Cancer Workshop @ SC 2017)</a:t>
+            </a:r>
+            <a:endParaRPr lang="en-US" sz="1400" dirty="0">
+              <a:solidFill>
+                <a:srgbClr val="000000"/>
+              </a:solidFill>
+            </a:endParaRPr>
+          </a:p>
+        </p:txBody>
+      </p:sp>
+      <p:sp>
+        <p:nvSpPr>
+          <p:cNvPr id="12" name="TextBox 11"/>
+          <p:cNvSpPr txBox="1"/>
+          <p:nvPr/>
+        </p:nvSpPr>
+        <p:spPr>
+          <a:xfrm>
+            <a:off x="457201" y="1153630"/>
+            <a:ext cx="3295402" cy="2585323"/>
+          </a:xfrm>
+          <a:prstGeom prst="rect">
+            <a:avLst/>
+          </a:prstGeom>
+          <a:noFill/>
+        </p:spPr>
+        <p:txBody>
+          <a:bodyPr wrap="square" rtlCol="0">
+            <a:spAutoFit/>
+          </a:bodyPr>
+          <a:lstStyle/>
+          <a:p>
+            <a:pPr marL="117475" indent="-117475">
+              <a:buFont typeface="Arial" charset="0"/>
+              <a:buChar char="•"/>
+            </a:pPr>
+            <a:r>
+              <a:rPr lang="en-US" dirty="0" smtClean="0">
+                <a:solidFill>
+                  <a:srgbClr val="000000"/>
+                </a:solidFill>
+              </a:rPr>
+              <a:t>Search </a:t>
+            </a:r>
+            <a:r>
+              <a:rPr lang="en-US" dirty="0">
+                <a:solidFill>
+                  <a:srgbClr val="000000"/>
+                </a:solidFill>
+              </a:rPr>
+              <a:t>trajectory of </a:t>
+            </a:r>
+            <a:r>
+              <a:rPr lang="en-US" dirty="0" err="1">
+                <a:solidFill>
+                  <a:srgbClr val="000000"/>
+                </a:solidFill>
+              </a:rPr>
+              <a:t>mlrMBO</a:t>
+            </a:r>
+            <a:r>
+              <a:rPr lang="en-US" dirty="0">
+                <a:solidFill>
+                  <a:srgbClr val="000000"/>
+                </a:solidFill>
+              </a:rPr>
+              <a:t> </a:t>
+            </a:r>
+            <a:r>
+              <a:rPr lang="en-US" dirty="0" smtClean="0">
+                <a:solidFill>
+                  <a:srgbClr val="000000"/>
+                </a:solidFill>
+              </a:rPr>
+              <a:t>(R model-based optimization) algorithm</a:t>
+            </a:r>
+          </a:p>
+          <a:p>
+            <a:pPr marL="117475" indent="-117475">
+              <a:buFont typeface="Arial" charset="0"/>
+              <a:buChar char="•"/>
+            </a:pPr>
+            <a:r>
+              <a:rPr lang="en-US" dirty="0" smtClean="0">
+                <a:solidFill>
+                  <a:srgbClr val="000000"/>
+                </a:solidFill>
+              </a:rPr>
+              <a:t>Each iteration does 300 </a:t>
+            </a:r>
+            <a:r>
+              <a:rPr lang="en-US" dirty="0">
+                <a:solidFill>
+                  <a:srgbClr val="000000"/>
+                </a:solidFill>
+              </a:rPr>
+              <a:t>evaluations (batch size</a:t>
+            </a:r>
+            <a:r>
+              <a:rPr lang="en-US" dirty="0" smtClean="0">
+                <a:solidFill>
+                  <a:srgbClr val="000000"/>
+                </a:solidFill>
+              </a:rPr>
+              <a:t>)</a:t>
+            </a:r>
+          </a:p>
+          <a:p>
+            <a:pPr marL="117475" indent="-117475">
+              <a:buFont typeface="Arial" charset="0"/>
+              <a:buChar char="•"/>
+            </a:pPr>
+            <a:r>
+              <a:rPr lang="en-US" dirty="0" smtClean="0">
+                <a:solidFill>
+                  <a:srgbClr val="000000"/>
+                </a:solidFill>
+              </a:rPr>
+              <a:t>Minimum and average performance on validation data set decreases as the ME algorithm learns</a:t>
+            </a:r>
+            <a:endParaRPr lang="en-US" dirty="0">
+              <a:solidFill>
+                <a:srgbClr val="000000"/>
+              </a:solidFill>
+            </a:endParaRPr>
+          </a:p>
+        </p:txBody>
+      </p:sp>
+    </p:spTree>
+    <p:extLst>
+      <p:ext uri="{BB962C8B-B14F-4D97-AF65-F5344CB8AC3E}">
+        <p14:creationId xmlns:p14="http://schemas.microsoft.com/office/powerpoint/2010/main" val="2081675986"/>
+      </p:ext>
+    </p:extLst>
+  </p:cSld>
+  <p:clrMapOvr>
+    <a:masterClrMapping/>
+  </p:clrMapOvr>
+  <mc:AlternateContent xmlns:mc="http://schemas.openxmlformats.org/markup-compatibility/2006" xmlns:p14="http://schemas.microsoft.com/office/powerpoint/2010/main">
+    <mc:Choice Requires="p14">
+      <p:transition p14:dur="250">
+        <p:fade/>
+      </p:transition>
+    </mc:Choice>
+    <mc:Fallback xmlns="">
+      <p:transition>
+        <p:fade/>
+      </p:transition>
+    </mc:Fallback>
+  </mc:AlternateContent>
+  <p:timing>
+    <p:tnLst>
+      <p:par>
+        <p:cTn id="1" dur="indefinite" restart="never" nodeType="tmRoot"/>
+      </p:par>
+    </p:tnLst>
+  </p:timing>
+</p:sld>
+</file>
+
+<file path=ppt/slides/slide18.xml><?xml version="1.0" encoding="utf-8"?>
+<p:sld xmlns:a="http://schemas.openxmlformats.org/drawingml/2006/main" xmlns:r="http://schemas.openxmlformats.org/officeDocument/2006/relationships" xmlns:p="http://schemas.openxmlformats.org/presentationml/2006/main">
+  <p:cSld>
+    <p:spTree>
+      <p:nvGrpSpPr>
+        <p:cNvPr id="1" name=""/>
+        <p:cNvGrpSpPr/>
+        <p:nvPr/>
+      </p:nvGrpSpPr>
+      <p:grpSpPr>
+        <a:xfrm>
+          <a:off x="0" y="0"/>
+          <a:ext cx="0" cy="0"/>
+          <a:chOff x="0" y="0"/>
+          <a:chExt cx="0" cy="0"/>
+        </a:xfrm>
+      </p:grpSpPr>
+      <p:sp>
+        <p:nvSpPr>
+          <p:cNvPr id="3" name="Text Placeholder 2"/>
+          <p:cNvSpPr>
+            <a:spLocks noGrp="1"/>
+          </p:cNvSpPr>
+          <p:nvPr>
+            <p:ph type="body" sz="quarter" idx="10"/>
+          </p:nvPr>
+        </p:nvSpPr>
+        <p:spPr/>
+        <p:txBody>
+          <a:bodyPr/>
+          <a:lstStyle/>
+          <a:p>
+            <a:r>
+              <a:rPr lang="en-US" dirty="0" smtClean="0"/>
+              <a:t>SYSTEMS CHALLENGES</a:t>
+            </a:r>
+          </a:p>
+          <a:p>
+            <a:endParaRPr lang="en-US" dirty="0"/>
+          </a:p>
+        </p:txBody>
+      </p:sp>
+    </p:spTree>
+    <p:extLst>
+      <p:ext uri="{BB962C8B-B14F-4D97-AF65-F5344CB8AC3E}">
+        <p14:creationId xmlns:p14="http://schemas.microsoft.com/office/powerpoint/2010/main" val="704345087"/>
+      </p:ext>
+    </p:extLst>
+  </p:cSld>
+  <p:clrMapOvr>
+    <a:masterClrMapping/>
+  </p:clrMapOvr>
+  <mc:AlternateContent xmlns:mc="http://schemas.openxmlformats.org/markup-compatibility/2006" xmlns:p14="http://schemas.microsoft.com/office/powerpoint/2010/main">
+    <mc:Choice Requires="p14">
+      <p:transition p14:dur="250">
+        <p:fade/>
+      </p:transition>
+    </mc:Choice>
+    <mc:Fallback xmlns="">
+      <p:transition>
+        <p:fade/>
+      </p:transition>
+    </mc:Fallback>
+  </mc:AlternateContent>
+  <p:timing>
+    <p:tnLst>
+      <p:par>
+        <p:cTn id="1" dur="indefinite" restart="never" nodeType="tmRoot"/>
+      </p:par>
+    </p:tnLst>
+  </p:timing>
+</p:sld>
+</file>
+
+<file path=ppt/slides/slide19.xml><?xml version="1.0" encoding="utf-8"?>
+<p:sld xmlns:a="http://schemas.openxmlformats.org/drawingml/2006/main" xmlns:r="http://schemas.openxmlformats.org/officeDocument/2006/relationships" xmlns:p="http://schemas.openxmlformats.org/presentationml/2006/main">
+  <p:cSld>
+    <p:spTree>
+      <p:nvGrpSpPr>
+        <p:cNvPr id="1" name=""/>
+        <p:cNvGrpSpPr/>
+        <p:nvPr/>
+      </p:nvGrpSpPr>
+      <p:grpSpPr>
+        <a:xfrm>
+          <a:off x="0" y="0"/>
+          <a:ext cx="0" cy="0"/>
+          <a:chOff x="0" y="0"/>
+          <a:chExt cx="0" cy="0"/>
+        </a:xfrm>
+      </p:grpSpPr>
+      <p:sp>
+        <p:nvSpPr>
+          <p:cNvPr id="2" name="Title 1"/>
+          <p:cNvSpPr>
+            <a:spLocks noGrp="1"/>
+          </p:cNvSpPr>
+          <p:nvPr>
+            <p:ph type="title"/>
+          </p:nvPr>
+        </p:nvSpPr>
+        <p:spPr/>
+        <p:txBody>
+          <a:bodyPr/>
+          <a:lstStyle/>
+          <a:p>
+            <a:r>
+              <a:rPr lang="en-US" dirty="0" smtClean="0"/>
+              <a:t>WORKFLOW support for ML </a:t>
+            </a:r>
+            <a:r>
+              <a:rPr lang="en-US" dirty="0"/>
+              <a:t>frameworks</a:t>
+            </a:r>
+          </a:p>
+        </p:txBody>
+      </p:sp>
+      <p:sp>
+        <p:nvSpPr>
+          <p:cNvPr id="3" name="Content Placeholder 2"/>
+          <p:cNvSpPr>
+            <a:spLocks noGrp="1"/>
+          </p:cNvSpPr>
+          <p:nvPr>
+            <p:ph idx="1"/>
+          </p:nvPr>
+        </p:nvSpPr>
+        <p:spPr/>
+        <p:txBody>
+          <a:bodyPr/>
+          <a:lstStyle/>
+          <a:p>
+            <a:r>
+              <a:rPr lang="en-US" dirty="0" smtClean="0"/>
+              <a:t>Concurrency:</a:t>
+            </a:r>
+          </a:p>
+          <a:p>
+            <a:pPr lvl="1"/>
+            <a:r>
+              <a:rPr lang="en-US" dirty="0" smtClean="0"/>
+              <a:t>Very fast task distributor</a:t>
+            </a:r>
+          </a:p>
+          <a:p>
+            <a:pPr lvl="1"/>
+            <a:r>
+              <a:rPr lang="en-US" dirty="0" smtClean="0"/>
+              <a:t>Intranode concurrency, accelerators left up to the framework</a:t>
+            </a:r>
+          </a:p>
+          <a:p>
+            <a:pPr lvl="1"/>
+            <a:r>
+              <a:rPr lang="en-US" dirty="0" smtClean="0"/>
+              <a:t>Multinode ML tasks are future work (already basically supported)</a:t>
+            </a:r>
+          </a:p>
+          <a:p>
+            <a:r>
+              <a:rPr lang="en-US" dirty="0" smtClean="0"/>
+              <a:t>Data management:</a:t>
+            </a:r>
+          </a:p>
+          <a:p>
+            <a:pPr lvl="1"/>
+            <a:r>
+              <a:rPr lang="en-US" dirty="0" smtClean="0"/>
+              <a:t>Input staging methods have been developed </a:t>
+            </a:r>
+          </a:p>
+          <a:p>
+            <a:pPr lvl="1"/>
+            <a:r>
+              <a:rPr lang="en-US" dirty="0" smtClean="0"/>
+              <a:t>Intermediate caches via DataSpaces</a:t>
+            </a:r>
+          </a:p>
+          <a:p>
+            <a:r>
+              <a:rPr lang="en-US" dirty="0" smtClean="0"/>
+              <a:t>Software integration:</a:t>
+            </a:r>
+          </a:p>
+          <a:p>
+            <a:pPr lvl="1"/>
+            <a:r>
+              <a:rPr lang="en-US" dirty="0" smtClean="0"/>
+              <a:t>Usually launch frameworks in separate process</a:t>
+            </a:r>
+          </a:p>
+          <a:p>
+            <a:pPr lvl="1"/>
+            <a:r>
+              <a:rPr lang="en-US" dirty="0" smtClean="0"/>
+              <a:t>Launching within process is a configuration challenge</a:t>
+            </a:r>
+          </a:p>
+          <a:p>
+            <a:pPr lvl="1"/>
+            <a:r>
+              <a:rPr lang="en-US" dirty="0" smtClean="0"/>
+              <a:t>Search methods launched within process</a:t>
+            </a:r>
+          </a:p>
+          <a:p>
+            <a:endParaRPr lang="en-US" dirty="0"/>
+          </a:p>
+        </p:txBody>
+      </p:sp>
+      <p:sp>
+        <p:nvSpPr>
+          <p:cNvPr id="4" name="Text Placeholder 3"/>
+          <p:cNvSpPr>
+            <a:spLocks noGrp="1"/>
+          </p:cNvSpPr>
+          <p:nvPr>
+            <p:ph type="body" sz="quarter" idx="12"/>
+          </p:nvPr>
+        </p:nvSpPr>
+        <p:spPr/>
+        <p:txBody>
+          <a:bodyPr/>
+          <a:lstStyle/>
+          <a:p>
+            <a:endParaRPr lang="en-US" dirty="0"/>
+          </a:p>
+        </p:txBody>
+      </p:sp>
+      <p:sp>
+        <p:nvSpPr>
+          <p:cNvPr id="5" name="Slide Number Placeholder 4"/>
+          <p:cNvSpPr>
+            <a:spLocks noGrp="1"/>
+          </p:cNvSpPr>
+          <p:nvPr>
+            <p:ph type="sldNum" sz="quarter" idx="13"/>
+          </p:nvPr>
+        </p:nvSpPr>
+        <p:spPr/>
+        <p:txBody>
+          <a:bodyPr/>
+          <a:lstStyle/>
+          <a:p>
+            <a:fld id="{AEFAAC5A-9C4F-4278-920D-DF2BAB595749}" type="slidenum">
+              <a:rPr lang="en-US" smtClean="0"/>
+              <a:pPr/>
+              <a:t>19</a:t>
+            </a:fld>
+            <a:endParaRPr lang="en-US" dirty="0"/>
+          </a:p>
+        </p:txBody>
+      </p:sp>
+    </p:spTree>
+    <p:extLst>
+      <p:ext uri="{BB962C8B-B14F-4D97-AF65-F5344CB8AC3E}">
+        <p14:creationId xmlns:p14="http://schemas.microsoft.com/office/powerpoint/2010/main" val="71448240"/>
+      </p:ext>
+    </p:extLst>
+  </p:cSld>
+  <p:clrMapOvr>
+    <a:masterClrMapping/>
+  </p:clrMapOvr>
+  <mc:AlternateContent xmlns:mc="http://schemas.openxmlformats.org/markup-compatibility/2006" xmlns:p14="http://schemas.microsoft.com/office/powerpoint/2010/main">
+    <mc:Choice Requires="p14">
+      <p:transition p14:dur="250">
+        <p:fade/>
+      </p:transition>
+    </mc:Choice>
+    <mc:Fallback xmlns="">
+      <p:transition>
+        <p:fade/>
+      </p:transition>
+    </mc:Fallback>
+  </mc:AlternateContent>
+  <p:timing>
+    <p:tnLst>
+      <p:par>
+        <p:cTn id="1" dur="indefinite" restart="never" nodeType="tmRoot"/>
+      </p:par>
+    </p:tnLst>
+  </p:timing>
+</p:sld>
+</file>
+
+<file path=ppt/slides/slide2.xml><?xml version="1.0" encoding="utf-8"?>
+<p:sld xmlns:a="http://schemas.openxmlformats.org/drawingml/2006/main" xmlns:r="http://schemas.openxmlformats.org/officeDocument/2006/relationships" xmlns:p="http://schemas.openxmlformats.org/presentationml/2006/main">
+  <p:cSld>
+    <p:spTree>
+      <p:nvGrpSpPr>
+        <p:cNvPr id="1" name=""/>
+        <p:cNvGrpSpPr/>
+        <p:nvPr/>
+      </p:nvGrpSpPr>
+      <p:grpSpPr>
+        <a:xfrm>
+          <a:off x="0" y="0"/>
+          <a:ext cx="0" cy="0"/>
+          <a:chOff x="0" y="0"/>
+          <a:chExt cx="0" cy="0"/>
+        </a:xfrm>
+      </p:grpSpPr>
+      <p:sp>
+        <p:nvSpPr>
+          <p:cNvPr id="2" name="Title 1"/>
+          <p:cNvSpPr>
+            <a:spLocks noGrp="1"/>
+          </p:cNvSpPr>
+          <p:nvPr>
+            <p:ph type="title"/>
+          </p:nvPr>
+        </p:nvSpPr>
+        <p:spPr/>
+        <p:txBody>
+          <a:bodyPr/>
+          <a:lstStyle/>
+          <a:p>
+            <a:r>
+              <a:rPr lang="en-US" dirty="0" smtClean="0"/>
+              <a:t>OUTLINE</a:t>
+            </a:r>
+            <a:endParaRPr lang="en-US" dirty="0"/>
+          </a:p>
+        </p:txBody>
+      </p:sp>
+      <p:sp>
+        <p:nvSpPr>
+          <p:cNvPr id="3" name="Content Placeholder 2"/>
+          <p:cNvSpPr>
+            <a:spLocks noGrp="1"/>
+          </p:cNvSpPr>
+          <p:nvPr>
+            <p:ph idx="1"/>
+          </p:nvPr>
+        </p:nvSpPr>
+        <p:spPr/>
+        <p:txBody>
+          <a:bodyPr/>
+          <a:lstStyle/>
+          <a:p>
+            <a:r>
+              <a:rPr lang="en-US" dirty="0" smtClean="0"/>
+              <a:t>Overview of CANDLE project</a:t>
+            </a:r>
+          </a:p>
+          <a:p>
+            <a:endParaRPr lang="en-US" dirty="0" smtClean="0"/>
+          </a:p>
+          <a:p>
+            <a:r>
+              <a:rPr lang="en-US" dirty="0" smtClean="0"/>
+              <a:t>Deep learning benchmarks</a:t>
+            </a:r>
+          </a:p>
+          <a:p>
+            <a:pPr lvl="1"/>
+            <a:r>
+              <a:rPr lang="en-US" dirty="0" smtClean="0"/>
+              <a:t>Introduction to neural networks and </a:t>
+            </a:r>
+            <a:r>
+              <a:rPr lang="en-US" dirty="0" err="1" smtClean="0"/>
+              <a:t>Keras</a:t>
+            </a:r>
+            <a:endParaRPr lang="en-US" dirty="0" smtClean="0"/>
+          </a:p>
+          <a:p>
+            <a:pPr lvl="1"/>
+            <a:r>
+              <a:rPr lang="en-US" dirty="0" smtClean="0"/>
+              <a:t>Tutorial: CANDLE Benchmark structure</a:t>
+            </a:r>
+          </a:p>
+          <a:p>
+            <a:pPr lvl="1"/>
+            <a:endParaRPr lang="en-US" dirty="0"/>
+          </a:p>
+          <a:p>
+            <a:r>
+              <a:rPr lang="en-US" dirty="0" smtClean="0"/>
+              <a:t>Overview </a:t>
+            </a:r>
+            <a:r>
+              <a:rPr lang="en-US" dirty="0" smtClean="0"/>
+              <a:t>of hyperparameter </a:t>
+            </a:r>
+            <a:r>
+              <a:rPr lang="en-US" dirty="0" smtClean="0"/>
+              <a:t>optimization</a:t>
+            </a:r>
+          </a:p>
+          <a:p>
+            <a:pPr lvl="1"/>
+            <a:r>
+              <a:rPr lang="en-US" dirty="0" smtClean="0"/>
+              <a:t>Introduction to hyperparameter optimization</a:t>
+            </a:r>
+            <a:endParaRPr lang="en-US" dirty="0" smtClean="0"/>
+          </a:p>
+          <a:p>
+            <a:pPr lvl="1"/>
+            <a:r>
+              <a:rPr lang="en-US" dirty="0" smtClean="0"/>
+              <a:t>Workflow-based solution: </a:t>
+            </a:r>
+            <a:r>
+              <a:rPr lang="en-US" dirty="0" smtClean="0"/>
+              <a:t>EMEWS</a:t>
+            </a:r>
+            <a:endParaRPr lang="en-US" dirty="0"/>
+          </a:p>
+          <a:p>
+            <a:pPr lvl="1"/>
+            <a:r>
+              <a:rPr lang="en-US" dirty="0" smtClean="0"/>
+              <a:t>Machine learning applications in cancer research: </a:t>
+            </a:r>
+            <a:r>
+              <a:rPr lang="en-US" dirty="0" smtClean="0"/>
+              <a:t>CANDLE/Supervisor</a:t>
+            </a:r>
+          </a:p>
+          <a:p>
+            <a:pPr lvl="1"/>
+            <a:r>
+              <a:rPr lang="en-US" dirty="0" smtClean="0"/>
+              <a:t>Tutorial: Hyperparameter </a:t>
+            </a:r>
+            <a:r>
+              <a:rPr lang="en-US" dirty="0" err="1" smtClean="0"/>
+              <a:t>pptimization</a:t>
+            </a:r>
+            <a:r>
+              <a:rPr lang="en-US" dirty="0" smtClean="0"/>
+              <a:t> of a CANDLE Benchmark</a:t>
+            </a:r>
+            <a:endParaRPr lang="en-US" dirty="0" smtClean="0"/>
+          </a:p>
+          <a:p>
+            <a:endParaRPr lang="en-US" dirty="0" smtClean="0"/>
+          </a:p>
+        </p:txBody>
+      </p:sp>
+      <p:sp>
+        <p:nvSpPr>
+          <p:cNvPr id="4" name="Text Placeholder 3"/>
+          <p:cNvSpPr>
+            <a:spLocks noGrp="1"/>
+          </p:cNvSpPr>
+          <p:nvPr>
+            <p:ph type="body" sz="quarter" idx="12"/>
+          </p:nvPr>
+        </p:nvSpPr>
+        <p:spPr/>
+        <p:txBody>
+          <a:bodyPr/>
+          <a:lstStyle/>
+          <a:p>
+            <a:endParaRPr lang="en-US" dirty="0"/>
+          </a:p>
+        </p:txBody>
+      </p:sp>
+      <p:sp>
+        <p:nvSpPr>
+          <p:cNvPr id="5" name="Slide Number Placeholder 4"/>
+          <p:cNvSpPr>
+            <a:spLocks noGrp="1"/>
+          </p:cNvSpPr>
+          <p:nvPr>
+            <p:ph type="sldNum" sz="quarter" idx="13"/>
+          </p:nvPr>
+        </p:nvSpPr>
+        <p:spPr/>
+        <p:txBody>
+          <a:bodyPr/>
+          <a:lstStyle/>
+          <a:p>
+            <a:fld id="{AEFAAC5A-9C4F-4278-920D-DF2BAB595749}" type="slidenum">
+              <a:rPr lang="en-US" smtClean="0"/>
+              <a:pPr/>
+              <a:t>2</a:t>
+            </a:fld>
+            <a:endParaRPr lang="en-US" dirty="0"/>
+          </a:p>
+        </p:txBody>
+      </p:sp>
+    </p:spTree>
+    <p:extLst>
+      <p:ext uri="{BB962C8B-B14F-4D97-AF65-F5344CB8AC3E}">
+        <p14:creationId xmlns:p14="http://schemas.microsoft.com/office/powerpoint/2010/main" val="518016482"/>
+      </p:ext>
+    </p:extLst>
+  </p:cSld>
+  <p:clrMapOvr>
+    <a:masterClrMapping/>
+  </p:clrMapOvr>
+  <mc:AlternateContent xmlns:mc="http://schemas.openxmlformats.org/markup-compatibility/2006" xmlns:p14="http://schemas.microsoft.com/office/powerpoint/2010/main">
+    <mc:Choice Requires="p14">
+      <p:transition p14:dur="250">
+        <p:fade/>
+      </p:transition>
+    </mc:Choice>
+    <mc:Fallback xmlns="">
+      <p:transition>
+        <p:fade/>
+      </p:transition>
+    </mc:Fallback>
+  </mc:AlternateContent>
+  <p:timing>
+    <p:tnLst>
+      <p:par>
+        <p:cTn id="1" dur="indefinite" restart="never" nodeType="tmRoot"/>
+      </p:par>
+    </p:tnLst>
+  </p:timing>
+</p:sld>
+</file>
+
+<file path=ppt/slides/slide20.xml><?xml version="1.0" encoding="utf-8"?>
 <p:sld xmlns:a="http://schemas.openxmlformats.org/drawingml/2006/main" xmlns:r="http://schemas.openxmlformats.org/officeDocument/2006/relationships" xmlns:p="http://schemas.openxmlformats.org/presentationml/2006/main">
   <p:cSld>
     <p:spTree>
@@ -16438,7 +19172,7 @@
 </p:sld>
 </file>
 
-<file path=ppt/slides/slide11.xml><?xml version="1.0" encoding="utf-8"?>
+<file path=ppt/slides/slide21.xml><?xml version="1.0" encoding="utf-8"?>
 <p:sld xmlns:a="http://schemas.openxmlformats.org/drawingml/2006/main" xmlns:r="http://schemas.openxmlformats.org/officeDocument/2006/relationships" xmlns:p="http://schemas.openxmlformats.org/presentationml/2006/main">
   <p:cSld>
     <p:spTree>
@@ -16510,7 +19244,7 @@
 </p:sld>
 </file>
 
-<file path=ppt/slides/slide12.xml><?xml version="1.0" encoding="utf-8"?>
+<file path=ppt/slides/slide22.xml><?xml version="1.0" encoding="utf-8"?>
 <p:sld xmlns:a="http://schemas.openxmlformats.org/drawingml/2006/main" xmlns:r="http://schemas.openxmlformats.org/officeDocument/2006/relationships" xmlns:p="http://schemas.openxmlformats.org/presentationml/2006/main">
   <p:cSld>
     <p:spTree>
@@ -16573,7 +19307,7 @@
             <a:fld id="{AEFAAC5A-9C4F-4278-920D-DF2BAB595749}" type="slidenum">
               <a:rPr lang="en-US" smtClean="0"/>
               <a:pPr/>
-              <a:t>12</a:t>
+              <a:t>22</a:t>
             </a:fld>
             <a:endParaRPr lang="en-US" dirty="0"/>
           </a:p>
@@ -16776,7 +19510,7 @@
 </p:sld>
 </file>
 
-<file path=ppt/slides/slide13.xml><?xml version="1.0" encoding="utf-8"?>
+<file path=ppt/slides/slide23.xml><?xml version="1.0" encoding="utf-8"?>
 <p:sld xmlns:a="http://schemas.openxmlformats.org/drawingml/2006/main" xmlns:r="http://schemas.openxmlformats.org/officeDocument/2006/relationships" xmlns:p="http://schemas.openxmlformats.org/presentationml/2006/main">
   <p:cSld>
     <p:spTree>
@@ -16982,7 +19716,7 @@
             <a:fld id="{AEFAAC5A-9C4F-4278-920D-DF2BAB595749}" type="slidenum">
               <a:rPr lang="en-US" smtClean="0"/>
               <a:pPr/>
-              <a:t>13</a:t>
+              <a:t>23</a:t>
             </a:fld>
             <a:endParaRPr lang="en-US" dirty="0"/>
           </a:p>
@@ -17250,7 +19984,7 @@
 </p:sld>
 </file>
 
-<file path=ppt/slides/slide14.xml><?xml version="1.0" encoding="utf-8"?>
+<file path=ppt/slides/slide24.xml><?xml version="1.0" encoding="utf-8"?>
 <p:sld xmlns:a="http://schemas.openxmlformats.org/drawingml/2006/main" xmlns:r="http://schemas.openxmlformats.org/officeDocument/2006/relationships" xmlns:p="http://schemas.openxmlformats.org/presentationml/2006/main">
   <p:cSld>
     <p:spTree>
@@ -17526,7 +20260,7 @@
             <a:fld id="{AEFAAC5A-9C4F-4278-920D-DF2BAB595749}" type="slidenum">
               <a:rPr lang="en-US" smtClean="0"/>
               <a:pPr/>
-              <a:t>14</a:t>
+              <a:t>24</a:t>
             </a:fld>
             <a:endParaRPr lang="en-US" dirty="0"/>
           </a:p>
@@ -17564,7 +20298,7 @@
 </p:sld>
 </file>
 
-<file path=ppt/slides/slide15.xml><?xml version="1.0" encoding="utf-8"?>
+<file path=ppt/slides/slide25.xml><?xml version="1.0" encoding="utf-8"?>
 <p:sld xmlns:a="http://schemas.openxmlformats.org/drawingml/2006/main" xmlns:r="http://schemas.openxmlformats.org/officeDocument/2006/relationships" xmlns:p="http://schemas.openxmlformats.org/presentationml/2006/main">
   <p:cSld>
     <p:spTree>
@@ -17733,7 +20467,7 @@
             <a:fld id="{AEFAAC5A-9C4F-4278-920D-DF2BAB595749}" type="slidenum">
               <a:rPr lang="en-US" smtClean="0"/>
               <a:pPr/>
-              <a:t>15</a:t>
+              <a:t>25</a:t>
             </a:fld>
             <a:endParaRPr lang="en-US" dirty="0"/>
           </a:p>
@@ -17764,7 +20498,2110 @@
 </p:sld>
 </file>
 
-<file path=ppt/slides/slide16.xml><?xml version="1.0" encoding="utf-8"?>
+<file path=ppt/slides/slide26.xml><?xml version="1.0" encoding="utf-8"?>
+<p:sld xmlns:a="http://schemas.openxmlformats.org/drawingml/2006/main" xmlns:r="http://schemas.openxmlformats.org/officeDocument/2006/relationships" xmlns:p="http://schemas.openxmlformats.org/presentationml/2006/main">
+  <p:cSld>
+    <p:spTree>
+      <p:nvGrpSpPr>
+        <p:cNvPr id="1" name=""/>
+        <p:cNvGrpSpPr/>
+        <p:nvPr/>
+      </p:nvGrpSpPr>
+      <p:grpSpPr>
+        <a:xfrm>
+          <a:off x="0" y="0"/>
+          <a:ext cx="0" cy="0"/>
+          <a:chOff x="0" y="0"/>
+          <a:chExt cx="0" cy="0"/>
+        </a:xfrm>
+      </p:grpSpPr>
+      <p:sp>
+        <p:nvSpPr>
+          <p:cNvPr id="3" name="Text Placeholder 2"/>
+          <p:cNvSpPr>
+            <a:spLocks noGrp="1"/>
+          </p:cNvSpPr>
+          <p:nvPr>
+            <p:ph type="body" sz="quarter" idx="10"/>
+          </p:nvPr>
+        </p:nvSpPr>
+        <p:spPr/>
+        <p:txBody>
+          <a:bodyPr/>
+          <a:lstStyle/>
+          <a:p>
+            <a:r>
+              <a:rPr lang="en-US" dirty="0" smtClean="0"/>
+              <a:t>FUTURE WORK</a:t>
+            </a:r>
+            <a:endParaRPr lang="en-US" dirty="0"/>
+          </a:p>
+        </p:txBody>
+      </p:sp>
+    </p:spTree>
+    <p:extLst>
+      <p:ext uri="{BB962C8B-B14F-4D97-AF65-F5344CB8AC3E}">
+        <p14:creationId xmlns:p14="http://schemas.microsoft.com/office/powerpoint/2010/main" val="3093645142"/>
+      </p:ext>
+    </p:extLst>
+  </p:cSld>
+  <p:clrMapOvr>
+    <a:masterClrMapping/>
+  </p:clrMapOvr>
+  <mc:AlternateContent xmlns:mc="http://schemas.openxmlformats.org/markup-compatibility/2006" xmlns:p14="http://schemas.microsoft.com/office/powerpoint/2010/main">
+    <mc:Choice Requires="p14">
+      <p:transition p14:dur="250">
+        <p:fade/>
+      </p:transition>
+    </mc:Choice>
+    <mc:Fallback xmlns="">
+      <p:transition>
+        <p:fade/>
+      </p:transition>
+    </mc:Fallback>
+  </mc:AlternateContent>
+  <p:timing>
+    <p:tnLst>
+      <p:par>
+        <p:cTn id="1" dur="indefinite" restart="never" nodeType="tmRoot"/>
+      </p:par>
+    </p:tnLst>
+  </p:timing>
+</p:sld>
+</file>
+
+<file path=ppt/slides/slide27.xml><?xml version="1.0" encoding="utf-8"?>
+<p:sld xmlns:a="http://schemas.openxmlformats.org/drawingml/2006/main" xmlns:r="http://schemas.openxmlformats.org/officeDocument/2006/relationships" xmlns:p="http://schemas.openxmlformats.org/presentationml/2006/main">
+  <p:cSld>
+    <p:spTree>
+      <p:nvGrpSpPr>
+        <p:cNvPr id="1" name=""/>
+        <p:cNvGrpSpPr/>
+        <p:nvPr/>
+      </p:nvGrpSpPr>
+      <p:grpSpPr>
+        <a:xfrm>
+          <a:off x="0" y="0"/>
+          <a:ext cx="0" cy="0"/>
+          <a:chOff x="0" y="0"/>
+          <a:chExt cx="0" cy="0"/>
+        </a:xfrm>
+      </p:grpSpPr>
+      <p:sp>
+        <p:nvSpPr>
+          <p:cNvPr id="2" name="Title 1"/>
+          <p:cNvSpPr>
+            <a:spLocks noGrp="1"/>
+          </p:cNvSpPr>
+          <p:nvPr>
+            <p:ph type="title"/>
+          </p:nvPr>
+        </p:nvSpPr>
+        <p:spPr/>
+        <p:txBody>
+          <a:bodyPr/>
+          <a:lstStyle/>
+          <a:p>
+            <a:r>
+              <a:rPr lang="en-US" dirty="0" smtClean="0"/>
+              <a:t>Directions for future work</a:t>
+            </a:r>
+            <a:endParaRPr lang="en-US" dirty="0"/>
+          </a:p>
+        </p:txBody>
+      </p:sp>
+      <p:sp>
+        <p:nvSpPr>
+          <p:cNvPr id="3" name="Content Placeholder 2"/>
+          <p:cNvSpPr>
+            <a:spLocks noGrp="1"/>
+          </p:cNvSpPr>
+          <p:nvPr>
+            <p:ph idx="1"/>
+          </p:nvPr>
+        </p:nvSpPr>
+        <p:spPr/>
+        <p:txBody>
+          <a:bodyPr/>
+          <a:lstStyle/>
+          <a:p>
+            <a:r>
+              <a:rPr lang="en-US" dirty="0" smtClean="0"/>
+              <a:t>General training workflows have been addressed by CANDLE</a:t>
+            </a:r>
+          </a:p>
+          <a:p>
+            <a:r>
+              <a:rPr lang="en-US" dirty="0" smtClean="0"/>
+              <a:t>Tighter integration between workflow system and ML systems</a:t>
+            </a:r>
+          </a:p>
+          <a:p>
+            <a:pPr lvl="1"/>
+            <a:r>
+              <a:rPr lang="en-US" dirty="0" smtClean="0"/>
+              <a:t>What to run</a:t>
+            </a:r>
+          </a:p>
+          <a:p>
+            <a:pPr lvl="1"/>
+            <a:r>
+              <a:rPr lang="en-US" dirty="0" smtClean="0"/>
+              <a:t>Where to run</a:t>
+            </a:r>
+          </a:p>
+          <a:p>
+            <a:pPr lvl="1"/>
+            <a:r>
+              <a:rPr lang="en-US" dirty="0" smtClean="0"/>
+              <a:t>Priority </a:t>
+            </a:r>
+          </a:p>
+          <a:p>
+            <a:pPr lvl="1"/>
+            <a:r>
+              <a:rPr lang="en-US" dirty="0" smtClean="0"/>
+              <a:t>How to run</a:t>
+            </a:r>
+          </a:p>
+          <a:p>
+            <a:pPr lvl="1"/>
+            <a:endParaRPr lang="en-US" dirty="0" smtClean="0"/>
+          </a:p>
+          <a:p>
+            <a:r>
+              <a:rPr lang="en-US" dirty="0" smtClean="0"/>
+              <a:t>Integration with experimental and sensor-driven workflows</a:t>
+            </a:r>
+          </a:p>
+          <a:p>
+            <a:r>
+              <a:rPr lang="en-US" dirty="0" smtClean="0"/>
+              <a:t>Integration with coupled simulation-analysis-learning workflows</a:t>
+            </a:r>
+          </a:p>
+          <a:p>
+            <a:endParaRPr lang="en-US" dirty="0"/>
+          </a:p>
+        </p:txBody>
+      </p:sp>
+      <p:sp>
+        <p:nvSpPr>
+          <p:cNvPr id="4" name="Text Placeholder 3"/>
+          <p:cNvSpPr>
+            <a:spLocks noGrp="1"/>
+          </p:cNvSpPr>
+          <p:nvPr>
+            <p:ph type="body" sz="quarter" idx="12"/>
+          </p:nvPr>
+        </p:nvSpPr>
+        <p:spPr/>
+        <p:txBody>
+          <a:bodyPr/>
+          <a:lstStyle/>
+          <a:p>
+            <a:endParaRPr lang="en-US" dirty="0"/>
+          </a:p>
+        </p:txBody>
+      </p:sp>
+      <p:sp>
+        <p:nvSpPr>
+          <p:cNvPr id="5" name="Slide Number Placeholder 4"/>
+          <p:cNvSpPr>
+            <a:spLocks noGrp="1"/>
+          </p:cNvSpPr>
+          <p:nvPr>
+            <p:ph type="sldNum" sz="quarter" idx="13"/>
+          </p:nvPr>
+        </p:nvSpPr>
+        <p:spPr/>
+        <p:txBody>
+          <a:bodyPr/>
+          <a:lstStyle/>
+          <a:p>
+            <a:fld id="{AEFAAC5A-9C4F-4278-920D-DF2BAB595749}" type="slidenum">
+              <a:rPr lang="en-US" smtClean="0"/>
+              <a:pPr/>
+              <a:t>27</a:t>
+            </a:fld>
+            <a:endParaRPr lang="en-US" dirty="0"/>
+          </a:p>
+        </p:txBody>
+      </p:sp>
+    </p:spTree>
+    <p:extLst>
+      <p:ext uri="{BB962C8B-B14F-4D97-AF65-F5344CB8AC3E}">
+        <p14:creationId xmlns:p14="http://schemas.microsoft.com/office/powerpoint/2010/main" val="208296944"/>
+      </p:ext>
+    </p:extLst>
+  </p:cSld>
+  <p:clrMapOvr>
+    <a:masterClrMapping/>
+  </p:clrMapOvr>
+  <mc:AlternateContent xmlns:mc="http://schemas.openxmlformats.org/markup-compatibility/2006" xmlns:p14="http://schemas.microsoft.com/office/powerpoint/2010/main">
+    <mc:Choice Requires="p14">
+      <p:transition p14:dur="250">
+        <p:fade/>
+      </p:transition>
+    </mc:Choice>
+    <mc:Fallback xmlns="">
+      <p:transition>
+        <p:fade/>
+      </p:transition>
+    </mc:Fallback>
+  </mc:AlternateContent>
+  <p:timing>
+    <p:tnLst>
+      <p:par>
+        <p:cTn id="1" dur="indefinite" restart="never" nodeType="tmRoot"/>
+      </p:par>
+    </p:tnLst>
+  </p:timing>
+</p:sld>
+</file>
+
+<file path=ppt/slides/slide28.xml><?xml version="1.0" encoding="utf-8"?>
+<p:sld xmlns:a="http://schemas.openxmlformats.org/drawingml/2006/main" xmlns:r="http://schemas.openxmlformats.org/officeDocument/2006/relationships" xmlns:p="http://schemas.openxmlformats.org/presentationml/2006/main">
+  <p:cSld>
+    <p:spTree>
+      <p:nvGrpSpPr>
+        <p:cNvPr id="1" name=""/>
+        <p:cNvGrpSpPr/>
+        <p:nvPr/>
+      </p:nvGrpSpPr>
+      <p:grpSpPr>
+        <a:xfrm>
+          <a:off x="0" y="0"/>
+          <a:ext cx="0" cy="0"/>
+          <a:chOff x="0" y="0"/>
+          <a:chExt cx="0" cy="0"/>
+        </a:xfrm>
+      </p:grpSpPr>
+      <p:sp>
+        <p:nvSpPr>
+          <p:cNvPr id="2" name="Title 1"/>
+          <p:cNvSpPr>
+            <a:spLocks noGrp="1"/>
+          </p:cNvSpPr>
+          <p:nvPr>
+            <p:ph type="title"/>
+          </p:nvPr>
+        </p:nvSpPr>
+        <p:spPr/>
+        <p:txBody>
+          <a:bodyPr/>
+          <a:lstStyle/>
+          <a:p>
+            <a:r>
+              <a:rPr lang="en-US" dirty="0" smtClean="0"/>
+              <a:t>Idealized ML Supercomputer</a:t>
+            </a:r>
+            <a:endParaRPr lang="en-US" dirty="0"/>
+          </a:p>
+        </p:txBody>
+      </p:sp>
+      <p:sp>
+        <p:nvSpPr>
+          <p:cNvPr id="3" name="Content Placeholder 2"/>
+          <p:cNvSpPr>
+            <a:spLocks noGrp="1"/>
+          </p:cNvSpPr>
+          <p:nvPr>
+            <p:ph idx="1"/>
+          </p:nvPr>
+        </p:nvSpPr>
+        <p:spPr>
+          <a:xfrm>
+            <a:off x="457201" y="1408346"/>
+            <a:ext cx="4178743" cy="3636840"/>
+          </a:xfrm>
+        </p:spPr>
+        <p:txBody>
+          <a:bodyPr/>
+          <a:lstStyle/>
+          <a:p>
+            <a:r>
+              <a:rPr lang="en-US" dirty="0" smtClean="0"/>
+              <a:t>Varying compute node accelerators:</a:t>
+            </a:r>
+            <a:br>
+              <a:rPr lang="en-US" dirty="0" smtClean="0"/>
+            </a:br>
+            <a:r>
+              <a:rPr lang="en-US" dirty="0" smtClean="0"/>
+              <a:t>accessible in shared modes, </a:t>
+            </a:r>
+            <a:br>
+              <a:rPr lang="en-US" dirty="0" smtClean="0"/>
+            </a:br>
+            <a:r>
+              <a:rPr lang="en-US" dirty="0" smtClean="0"/>
+              <a:t>capable of RDMA communication</a:t>
+            </a:r>
+          </a:p>
+          <a:p>
+            <a:r>
+              <a:rPr lang="en-US" dirty="0" smtClean="0"/>
+              <a:t>Varying networks with placement groups (cheaper?)</a:t>
+            </a:r>
+          </a:p>
+          <a:p>
+            <a:r>
+              <a:rPr lang="en-US" dirty="0" smtClean="0"/>
+              <a:t>Fast, direct external connections to external supercomputers and data streams</a:t>
+            </a:r>
+          </a:p>
+          <a:p>
+            <a:r>
+              <a:rPr lang="en-US" dirty="0" smtClean="0"/>
+              <a:t>Workflow-optimized data movement, task assignment to resources</a:t>
+            </a:r>
+          </a:p>
+          <a:p>
+            <a:r>
+              <a:rPr lang="en-US" dirty="0" smtClean="0"/>
+              <a:t>Scheduler features for bursty workloads, resource assignment</a:t>
+            </a:r>
+          </a:p>
+          <a:p>
+            <a:endParaRPr lang="en-US" dirty="0"/>
+          </a:p>
+        </p:txBody>
+      </p:sp>
+      <p:sp>
+        <p:nvSpPr>
+          <p:cNvPr id="4" name="Text Placeholder 3"/>
+          <p:cNvSpPr>
+            <a:spLocks noGrp="1"/>
+          </p:cNvSpPr>
+          <p:nvPr>
+            <p:ph type="body" sz="quarter" idx="12"/>
+          </p:nvPr>
+        </p:nvSpPr>
+        <p:spPr/>
+        <p:txBody>
+          <a:bodyPr/>
+          <a:lstStyle/>
+          <a:p>
+            <a:r>
+              <a:rPr lang="en-US" dirty="0" smtClean="0"/>
+              <a:t>Embracing heterogeneity</a:t>
+            </a:r>
+            <a:endParaRPr lang="en-US" dirty="0"/>
+          </a:p>
+        </p:txBody>
+      </p:sp>
+      <p:sp>
+        <p:nvSpPr>
+          <p:cNvPr id="5" name="Slide Number Placeholder 4"/>
+          <p:cNvSpPr>
+            <a:spLocks noGrp="1"/>
+          </p:cNvSpPr>
+          <p:nvPr>
+            <p:ph type="sldNum" sz="quarter" idx="13"/>
+          </p:nvPr>
+        </p:nvSpPr>
+        <p:spPr/>
+        <p:txBody>
+          <a:bodyPr/>
+          <a:lstStyle/>
+          <a:p>
+            <a:fld id="{AEFAAC5A-9C4F-4278-920D-DF2BAB595749}" type="slidenum">
+              <a:rPr lang="en-US" smtClean="0"/>
+              <a:pPr/>
+              <a:t>28</a:t>
+            </a:fld>
+            <a:endParaRPr lang="en-US" dirty="0"/>
+          </a:p>
+        </p:txBody>
+      </p:sp>
+      <p:sp>
+        <p:nvSpPr>
+          <p:cNvPr id="7" name="Rectangle 6"/>
+          <p:cNvSpPr/>
+          <p:nvPr/>
+        </p:nvSpPr>
+        <p:spPr>
+          <a:xfrm>
+            <a:off x="4635944" y="1393979"/>
+            <a:ext cx="2321169" cy="2346747"/>
+          </a:xfrm>
+          <a:prstGeom prst="rect">
+            <a:avLst/>
+          </a:prstGeom>
+          <a:solidFill>
+            <a:schemeClr val="tx2">
+              <a:lumMod val="20000"/>
+              <a:lumOff val="80000"/>
+            </a:schemeClr>
+          </a:solidFill>
+          <a:ln w="12700">
+            <a:solidFill>
+              <a:schemeClr val="tx2"/>
+            </a:solidFill>
+          </a:ln>
+          <a:effectLst>
+            <a:outerShdw blurRad="50800" dist="38100" dir="2700000" algn="tl" rotWithShape="0">
+              <a:prstClr val="black">
+                <a:alpha val="40000"/>
+              </a:prstClr>
+            </a:outerShdw>
+          </a:effectLst>
+        </p:spPr>
+        <p:style>
+          <a:lnRef idx="1">
+            <a:schemeClr val="accent1"/>
+          </a:lnRef>
+          <a:fillRef idx="3">
+            <a:schemeClr val="accent1"/>
+          </a:fillRef>
+          <a:effectRef idx="2">
+            <a:schemeClr val="accent1"/>
+          </a:effectRef>
+          <a:fontRef idx="minor">
+            <a:schemeClr val="lt1"/>
+          </a:fontRef>
+        </p:style>
+        <p:txBody>
+          <a:bodyPr rtlCol="0" anchor="ctr"/>
+          <a:lstStyle/>
+          <a:p>
+            <a:pPr algn="ctr"/>
+            <a:endParaRPr lang="en-US" dirty="0" smtClean="0"/>
+          </a:p>
+          <a:p>
+            <a:pPr algn="ctr"/>
+            <a:r>
+              <a:rPr lang="en-US" sz="5400" dirty="0" smtClean="0">
+                <a:solidFill>
+                  <a:schemeClr val="tx1"/>
+                </a:solidFill>
+              </a:rPr>
+              <a:t>…</a:t>
+            </a:r>
+            <a:endParaRPr lang="en-US" sz="5400" dirty="0">
+              <a:solidFill>
+                <a:schemeClr val="tx1"/>
+              </a:solidFill>
+            </a:endParaRPr>
+          </a:p>
+        </p:txBody>
+      </p:sp>
+      <p:sp>
+        <p:nvSpPr>
+          <p:cNvPr id="9" name="Rectangle 8"/>
+          <p:cNvSpPr/>
+          <p:nvPr/>
+        </p:nvSpPr>
+        <p:spPr>
+          <a:xfrm>
+            <a:off x="4788345" y="1483502"/>
+            <a:ext cx="1944964" cy="517947"/>
+          </a:xfrm>
+          <a:prstGeom prst="rect">
+            <a:avLst/>
+          </a:prstGeom>
+          <a:solidFill>
+            <a:schemeClr val="tx2">
+              <a:lumMod val="40000"/>
+              <a:lumOff val="60000"/>
+            </a:schemeClr>
+          </a:solidFill>
+          <a:ln w="12700">
+            <a:solidFill>
+              <a:schemeClr val="tx2"/>
+            </a:solidFill>
+          </a:ln>
+          <a:effectLst>
+            <a:outerShdw blurRad="50800" dist="38100" dir="2700000" algn="tl" rotWithShape="0">
+              <a:prstClr val="black">
+                <a:alpha val="40000"/>
+              </a:prstClr>
+            </a:outerShdw>
+          </a:effectLst>
+        </p:spPr>
+        <p:style>
+          <a:lnRef idx="1">
+            <a:schemeClr val="accent1"/>
+          </a:lnRef>
+          <a:fillRef idx="3">
+            <a:schemeClr val="accent1"/>
+          </a:fillRef>
+          <a:effectRef idx="2">
+            <a:schemeClr val="accent1"/>
+          </a:effectRef>
+          <a:fontRef idx="minor">
+            <a:schemeClr val="lt1"/>
+          </a:fontRef>
+        </p:style>
+        <p:txBody>
+          <a:bodyPr rtlCol="0" anchor="ctr"/>
+          <a:lstStyle/>
+          <a:p>
+            <a:r>
+              <a:rPr lang="en-US" dirty="0" smtClean="0">
+                <a:solidFill>
+                  <a:schemeClr val="tx1"/>
+                </a:solidFill>
+              </a:rPr>
+              <a:t>Node 0: </a:t>
+            </a:r>
+            <a:endParaRPr lang="en-US" dirty="0">
+              <a:solidFill>
+                <a:schemeClr val="tx1"/>
+              </a:solidFill>
+            </a:endParaRPr>
+          </a:p>
+        </p:txBody>
+      </p:sp>
+      <p:sp>
+        <p:nvSpPr>
+          <p:cNvPr id="10" name="Rectangle 9"/>
+          <p:cNvSpPr/>
+          <p:nvPr/>
+        </p:nvSpPr>
+        <p:spPr>
+          <a:xfrm>
+            <a:off x="4788877" y="2077116"/>
+            <a:ext cx="1944964" cy="517947"/>
+          </a:xfrm>
+          <a:prstGeom prst="rect">
+            <a:avLst/>
+          </a:prstGeom>
+          <a:solidFill>
+            <a:schemeClr val="tx2">
+              <a:lumMod val="40000"/>
+              <a:lumOff val="60000"/>
+            </a:schemeClr>
+          </a:solidFill>
+          <a:ln w="12700">
+            <a:solidFill>
+              <a:schemeClr val="tx2"/>
+            </a:solidFill>
+          </a:ln>
+          <a:effectLst>
+            <a:outerShdw blurRad="50800" dist="38100" dir="2700000" algn="tl" rotWithShape="0">
+              <a:prstClr val="black">
+                <a:alpha val="40000"/>
+              </a:prstClr>
+            </a:outerShdw>
+          </a:effectLst>
+        </p:spPr>
+        <p:style>
+          <a:lnRef idx="1">
+            <a:schemeClr val="accent1"/>
+          </a:lnRef>
+          <a:fillRef idx="3">
+            <a:schemeClr val="accent1"/>
+          </a:fillRef>
+          <a:effectRef idx="2">
+            <a:schemeClr val="accent1"/>
+          </a:effectRef>
+          <a:fontRef idx="minor">
+            <a:schemeClr val="lt1"/>
+          </a:fontRef>
+        </p:style>
+        <p:txBody>
+          <a:bodyPr rtlCol="0" anchor="ctr"/>
+          <a:lstStyle/>
+          <a:p>
+            <a:r>
+              <a:rPr lang="en-US" dirty="0" smtClean="0">
+                <a:solidFill>
+                  <a:schemeClr val="tx1"/>
+                </a:solidFill>
+              </a:rPr>
+              <a:t>Node 1: </a:t>
+            </a:r>
+            <a:endParaRPr lang="en-US" dirty="0">
+              <a:solidFill>
+                <a:schemeClr val="tx1"/>
+              </a:solidFill>
+            </a:endParaRPr>
+          </a:p>
+        </p:txBody>
+      </p:sp>
+      <p:sp>
+        <p:nvSpPr>
+          <p:cNvPr id="11" name="Rectangle 10"/>
+          <p:cNvSpPr/>
+          <p:nvPr/>
+        </p:nvSpPr>
+        <p:spPr>
+          <a:xfrm>
+            <a:off x="5850880" y="1559170"/>
+            <a:ext cx="812091" cy="346364"/>
+          </a:xfrm>
+          <a:prstGeom prst="rect">
+            <a:avLst/>
+          </a:prstGeom>
+          <a:solidFill>
+            <a:schemeClr val="tx2">
+              <a:lumMod val="60000"/>
+              <a:lumOff val="40000"/>
+            </a:schemeClr>
+          </a:solidFill>
+          <a:ln w="12700">
+            <a:solidFill>
+              <a:schemeClr val="tx2"/>
+            </a:solidFill>
+          </a:ln>
+          <a:effectLst>
+            <a:outerShdw blurRad="50800" dist="38100" dir="2700000" algn="tl" rotWithShape="0">
+              <a:prstClr val="black">
+                <a:alpha val="40000"/>
+              </a:prstClr>
+            </a:outerShdw>
+          </a:effectLst>
+        </p:spPr>
+        <p:style>
+          <a:lnRef idx="1">
+            <a:schemeClr val="accent1"/>
+          </a:lnRef>
+          <a:fillRef idx="3">
+            <a:schemeClr val="accent1"/>
+          </a:fillRef>
+          <a:effectRef idx="2">
+            <a:schemeClr val="accent1"/>
+          </a:effectRef>
+          <a:fontRef idx="minor">
+            <a:schemeClr val="lt1"/>
+          </a:fontRef>
+        </p:style>
+        <p:txBody>
+          <a:bodyPr rtlCol="0" anchor="ctr"/>
+          <a:lstStyle/>
+          <a:p>
+            <a:pPr algn="ctr"/>
+            <a:r>
+              <a:rPr lang="en-US" dirty="0" smtClean="0">
+                <a:solidFill>
+                  <a:schemeClr val="tx1"/>
+                </a:solidFill>
+              </a:rPr>
+              <a:t>GPU</a:t>
+            </a:r>
+            <a:endParaRPr lang="en-US" dirty="0">
+              <a:solidFill>
+                <a:schemeClr val="tx1"/>
+              </a:solidFill>
+            </a:endParaRPr>
+          </a:p>
+        </p:txBody>
+      </p:sp>
+      <p:sp>
+        <p:nvSpPr>
+          <p:cNvPr id="12" name="Rectangle 11"/>
+          <p:cNvSpPr/>
+          <p:nvPr/>
+        </p:nvSpPr>
+        <p:spPr>
+          <a:xfrm>
+            <a:off x="5850880" y="2162907"/>
+            <a:ext cx="812091" cy="346364"/>
+          </a:xfrm>
+          <a:prstGeom prst="rect">
+            <a:avLst/>
+          </a:prstGeom>
+          <a:solidFill>
+            <a:schemeClr val="tx2">
+              <a:lumMod val="60000"/>
+              <a:lumOff val="40000"/>
+            </a:schemeClr>
+          </a:solidFill>
+          <a:ln w="12700">
+            <a:solidFill>
+              <a:schemeClr val="tx2"/>
+            </a:solidFill>
+          </a:ln>
+          <a:effectLst>
+            <a:outerShdw blurRad="50800" dist="38100" dir="2700000" algn="tl" rotWithShape="0">
+              <a:prstClr val="black">
+                <a:alpha val="40000"/>
+              </a:prstClr>
+            </a:outerShdw>
+          </a:effectLst>
+        </p:spPr>
+        <p:style>
+          <a:lnRef idx="1">
+            <a:schemeClr val="accent1"/>
+          </a:lnRef>
+          <a:fillRef idx="3">
+            <a:schemeClr val="accent1"/>
+          </a:fillRef>
+          <a:effectRef idx="2">
+            <a:schemeClr val="accent1"/>
+          </a:effectRef>
+          <a:fontRef idx="minor">
+            <a:schemeClr val="lt1"/>
+          </a:fontRef>
+        </p:style>
+        <p:txBody>
+          <a:bodyPr rtlCol="0" anchor="ctr"/>
+          <a:lstStyle/>
+          <a:p>
+            <a:pPr algn="ctr"/>
+            <a:r>
+              <a:rPr lang="en-US" dirty="0" smtClean="0">
+                <a:solidFill>
+                  <a:schemeClr val="tx1"/>
+                </a:solidFill>
+              </a:rPr>
+              <a:t>FPGA</a:t>
+            </a:r>
+            <a:endParaRPr lang="en-US" dirty="0">
+              <a:solidFill>
+                <a:schemeClr val="tx1"/>
+              </a:solidFill>
+            </a:endParaRPr>
+          </a:p>
+        </p:txBody>
+      </p:sp>
+      <p:sp>
+        <p:nvSpPr>
+          <p:cNvPr id="16" name="Flowchart: Magnetic Disk 15"/>
+          <p:cNvSpPr/>
+          <p:nvPr/>
+        </p:nvSpPr>
+        <p:spPr>
+          <a:xfrm>
+            <a:off x="4898115" y="3261126"/>
+            <a:ext cx="1835194" cy="377270"/>
+          </a:xfrm>
+          <a:prstGeom prst="flowChartMagneticDisk">
+            <a:avLst/>
+          </a:prstGeom>
+          <a:solidFill>
+            <a:schemeClr val="tx2">
+              <a:lumMod val="20000"/>
+              <a:lumOff val="80000"/>
+            </a:schemeClr>
+          </a:solidFill>
+          <a:ln w="12700">
+            <a:solidFill>
+              <a:schemeClr val="tx2"/>
+            </a:solidFill>
+          </a:ln>
+          <a:effectLst>
+            <a:outerShdw blurRad="50800" dist="38100" dir="2700000" algn="tl" rotWithShape="0">
+              <a:prstClr val="black">
+                <a:alpha val="40000"/>
+              </a:prstClr>
+            </a:outerShdw>
+          </a:effectLst>
+        </p:spPr>
+        <p:style>
+          <a:lnRef idx="1">
+            <a:schemeClr val="accent1"/>
+          </a:lnRef>
+          <a:fillRef idx="3">
+            <a:schemeClr val="accent1"/>
+          </a:fillRef>
+          <a:effectRef idx="2">
+            <a:schemeClr val="accent1"/>
+          </a:effectRef>
+          <a:fontRef idx="minor">
+            <a:schemeClr val="lt1"/>
+          </a:fontRef>
+        </p:style>
+        <p:txBody>
+          <a:bodyPr rot="0" spcFirstLastPara="0" vertOverflow="overflow" horzOverflow="overflow" vert="horz" wrap="square" lIns="91440" tIns="45720" rIns="91440" bIns="45720" numCol="1" spcCol="0" rtlCol="0" fromWordArt="0" anchor="ctr" anchorCtr="0" forceAA="0" compatLnSpc="1">
+            <a:prstTxWarp prst="textNoShape">
+              <a:avLst/>
+            </a:prstTxWarp>
+            <a:noAutofit/>
+          </a:bodyPr>
+          <a:lstStyle/>
+          <a:p>
+            <a:pPr algn="ctr"/>
+            <a:endParaRPr lang="en-US" dirty="0" smtClean="0">
+              <a:solidFill>
+                <a:schemeClr val="tx1"/>
+              </a:solidFill>
+            </a:endParaRPr>
+          </a:p>
+        </p:txBody>
+      </p:sp>
+      <p:sp>
+        <p:nvSpPr>
+          <p:cNvPr id="17" name="Flowchart: Magnetic Disk 16"/>
+          <p:cNvSpPr/>
+          <p:nvPr/>
+        </p:nvSpPr>
+        <p:spPr>
+          <a:xfrm>
+            <a:off x="4788877" y="3152420"/>
+            <a:ext cx="1757928" cy="377270"/>
+          </a:xfrm>
+          <a:prstGeom prst="flowChartMagneticDisk">
+            <a:avLst/>
+          </a:prstGeom>
+          <a:solidFill>
+            <a:schemeClr val="tx2">
+              <a:lumMod val="20000"/>
+              <a:lumOff val="80000"/>
+            </a:schemeClr>
+          </a:solidFill>
+          <a:ln w="12700">
+            <a:solidFill>
+              <a:schemeClr val="tx2"/>
+            </a:solidFill>
+          </a:ln>
+          <a:effectLst>
+            <a:outerShdw blurRad="50800" dist="38100" dir="2700000" algn="tl" rotWithShape="0">
+              <a:prstClr val="black">
+                <a:alpha val="40000"/>
+              </a:prstClr>
+            </a:outerShdw>
+          </a:effectLst>
+        </p:spPr>
+        <p:style>
+          <a:lnRef idx="1">
+            <a:schemeClr val="accent1"/>
+          </a:lnRef>
+          <a:fillRef idx="3">
+            <a:schemeClr val="accent1"/>
+          </a:fillRef>
+          <a:effectRef idx="2">
+            <a:schemeClr val="accent1"/>
+          </a:effectRef>
+          <a:fontRef idx="minor">
+            <a:schemeClr val="lt1"/>
+          </a:fontRef>
+        </p:style>
+        <p:txBody>
+          <a:bodyPr rot="0" spcFirstLastPara="0" vertOverflow="overflow" horzOverflow="overflow" vert="horz" wrap="square" lIns="91440" tIns="45720" rIns="91440" bIns="45720" numCol="1" spcCol="0" rtlCol="0" fromWordArt="0" anchor="ctr" anchorCtr="0" forceAA="0" compatLnSpc="1">
+            <a:prstTxWarp prst="textNoShape">
+              <a:avLst/>
+            </a:prstTxWarp>
+            <a:noAutofit/>
+          </a:bodyPr>
+          <a:lstStyle/>
+          <a:p>
+            <a:pPr algn="ctr"/>
+            <a:r>
+              <a:rPr lang="en-US" sz="1400" dirty="0" smtClean="0">
+                <a:solidFill>
+                  <a:schemeClr val="tx1"/>
+                </a:solidFill>
+              </a:rPr>
+              <a:t>Caches &amp; staging</a:t>
+            </a:r>
+          </a:p>
+        </p:txBody>
+      </p:sp>
+      <p:sp>
+        <p:nvSpPr>
+          <p:cNvPr id="19" name="Left Arrow 18"/>
+          <p:cNvSpPr/>
+          <p:nvPr/>
+        </p:nvSpPr>
+        <p:spPr>
+          <a:xfrm rot="5400000">
+            <a:off x="5525829" y="3716751"/>
+            <a:ext cx="418832" cy="179044"/>
+          </a:xfrm>
+          <a:prstGeom prst="leftArrow">
+            <a:avLst/>
+          </a:prstGeom>
+          <a:solidFill>
+            <a:schemeClr val="bg1"/>
+          </a:solidFill>
+          <a:ln w="12700">
+            <a:solidFill>
+              <a:schemeClr val="tx2"/>
+            </a:solidFill>
+          </a:ln>
+          <a:effectLst>
+            <a:outerShdw blurRad="50800" dist="38100" dir="2700000" algn="tl" rotWithShape="0">
+              <a:prstClr val="black">
+                <a:alpha val="40000"/>
+              </a:prstClr>
+            </a:outerShdw>
+          </a:effectLst>
+        </p:spPr>
+        <p:style>
+          <a:lnRef idx="1">
+            <a:schemeClr val="accent1"/>
+          </a:lnRef>
+          <a:fillRef idx="3">
+            <a:schemeClr val="accent1"/>
+          </a:fillRef>
+          <a:effectRef idx="2">
+            <a:schemeClr val="accent1"/>
+          </a:effectRef>
+          <a:fontRef idx="minor">
+            <a:schemeClr val="lt1"/>
+          </a:fontRef>
+        </p:style>
+        <p:txBody>
+          <a:bodyPr rot="0" spcFirstLastPara="0" vertOverflow="overflow" horzOverflow="overflow" vert="horz" wrap="square" lIns="91440" tIns="45720" rIns="91440" bIns="45720" numCol="1" spcCol="0" rtlCol="0" fromWordArt="0" anchor="ctr" anchorCtr="0" forceAA="0" compatLnSpc="1">
+            <a:prstTxWarp prst="textNoShape">
+              <a:avLst/>
+            </a:prstTxWarp>
+            <a:noAutofit/>
+          </a:bodyPr>
+          <a:lstStyle/>
+          <a:p>
+            <a:pPr algn="ctr"/>
+            <a:endParaRPr lang="en-US" dirty="0" smtClean="0">
+              <a:solidFill>
+                <a:schemeClr val="tx1"/>
+              </a:solidFill>
+            </a:endParaRPr>
+          </a:p>
+        </p:txBody>
+      </p:sp>
+      <p:sp>
+        <p:nvSpPr>
+          <p:cNvPr id="20" name="Left Arrow 19"/>
+          <p:cNvSpPr/>
+          <p:nvPr/>
+        </p:nvSpPr>
+        <p:spPr>
+          <a:xfrm rot="5400000">
+            <a:off x="5833283" y="3716751"/>
+            <a:ext cx="418832" cy="179044"/>
+          </a:xfrm>
+          <a:prstGeom prst="leftArrow">
+            <a:avLst/>
+          </a:prstGeom>
+          <a:solidFill>
+            <a:schemeClr val="bg1"/>
+          </a:solidFill>
+          <a:ln w="12700">
+            <a:solidFill>
+              <a:schemeClr val="tx2"/>
+            </a:solidFill>
+          </a:ln>
+          <a:effectLst>
+            <a:outerShdw blurRad="50800" dist="38100" dir="2700000" algn="tl" rotWithShape="0">
+              <a:prstClr val="black">
+                <a:alpha val="40000"/>
+              </a:prstClr>
+            </a:outerShdw>
+          </a:effectLst>
+        </p:spPr>
+        <p:style>
+          <a:lnRef idx="1">
+            <a:schemeClr val="accent1"/>
+          </a:lnRef>
+          <a:fillRef idx="3">
+            <a:schemeClr val="accent1"/>
+          </a:fillRef>
+          <a:effectRef idx="2">
+            <a:schemeClr val="accent1"/>
+          </a:effectRef>
+          <a:fontRef idx="minor">
+            <a:schemeClr val="lt1"/>
+          </a:fontRef>
+        </p:style>
+        <p:txBody>
+          <a:bodyPr rot="0" spcFirstLastPara="0" vertOverflow="overflow" horzOverflow="overflow" vert="horz" wrap="square" lIns="91440" tIns="45720" rIns="91440" bIns="45720" numCol="1" spcCol="0" rtlCol="0" fromWordArt="0" anchor="ctr" anchorCtr="0" forceAA="0" compatLnSpc="1">
+            <a:prstTxWarp prst="textNoShape">
+              <a:avLst/>
+            </a:prstTxWarp>
+            <a:noAutofit/>
+          </a:bodyPr>
+          <a:lstStyle/>
+          <a:p>
+            <a:pPr algn="ctr"/>
+            <a:endParaRPr lang="en-US" dirty="0" smtClean="0">
+              <a:solidFill>
+                <a:schemeClr val="tx1"/>
+              </a:solidFill>
+            </a:endParaRPr>
+          </a:p>
+        </p:txBody>
+      </p:sp>
+      <p:sp>
+        <p:nvSpPr>
+          <p:cNvPr id="21" name="Left Arrow 20"/>
+          <p:cNvSpPr/>
+          <p:nvPr/>
+        </p:nvSpPr>
+        <p:spPr>
+          <a:xfrm rot="5400000">
+            <a:off x="5243409" y="3716751"/>
+            <a:ext cx="418832" cy="179044"/>
+          </a:xfrm>
+          <a:prstGeom prst="leftArrow">
+            <a:avLst/>
+          </a:prstGeom>
+          <a:solidFill>
+            <a:schemeClr val="bg1"/>
+          </a:solidFill>
+          <a:ln w="12700">
+            <a:solidFill>
+              <a:schemeClr val="tx2"/>
+            </a:solidFill>
+          </a:ln>
+          <a:effectLst>
+            <a:outerShdw blurRad="50800" dist="38100" dir="2700000" algn="tl" rotWithShape="0">
+              <a:prstClr val="black">
+                <a:alpha val="40000"/>
+              </a:prstClr>
+            </a:outerShdw>
+          </a:effectLst>
+        </p:spPr>
+        <p:style>
+          <a:lnRef idx="1">
+            <a:schemeClr val="accent1"/>
+          </a:lnRef>
+          <a:fillRef idx="3">
+            <a:schemeClr val="accent1"/>
+          </a:fillRef>
+          <a:effectRef idx="2">
+            <a:schemeClr val="accent1"/>
+          </a:effectRef>
+          <a:fontRef idx="minor">
+            <a:schemeClr val="lt1"/>
+          </a:fontRef>
+        </p:style>
+        <p:txBody>
+          <a:bodyPr rot="0" spcFirstLastPara="0" vertOverflow="overflow" horzOverflow="overflow" vert="horz" wrap="square" lIns="91440" tIns="45720" rIns="91440" bIns="45720" numCol="1" spcCol="0" rtlCol="0" fromWordArt="0" anchor="ctr" anchorCtr="0" forceAA="0" compatLnSpc="1">
+            <a:prstTxWarp prst="textNoShape">
+              <a:avLst/>
+            </a:prstTxWarp>
+            <a:noAutofit/>
+          </a:bodyPr>
+          <a:lstStyle/>
+          <a:p>
+            <a:pPr algn="ctr"/>
+            <a:endParaRPr lang="en-US" dirty="0" smtClean="0">
+              <a:solidFill>
+                <a:schemeClr val="tx1"/>
+              </a:solidFill>
+            </a:endParaRPr>
+          </a:p>
+        </p:txBody>
+      </p:sp>
+      <p:sp>
+        <p:nvSpPr>
+          <p:cNvPr id="18" name="Flowchart: Magnetic Disk 17"/>
+          <p:cNvSpPr/>
+          <p:nvPr/>
+        </p:nvSpPr>
+        <p:spPr>
+          <a:xfrm>
+            <a:off x="4635943" y="3880338"/>
+            <a:ext cx="4380166" cy="563773"/>
+          </a:xfrm>
+          <a:prstGeom prst="flowChartMagneticDisk">
+            <a:avLst/>
+          </a:prstGeom>
+          <a:solidFill>
+            <a:schemeClr val="tx2">
+              <a:lumMod val="20000"/>
+              <a:lumOff val="80000"/>
+            </a:schemeClr>
+          </a:solidFill>
+          <a:ln w="12700">
+            <a:solidFill>
+              <a:schemeClr val="tx2"/>
+            </a:solidFill>
+          </a:ln>
+          <a:effectLst>
+            <a:outerShdw blurRad="50800" dist="38100" dir="2700000" algn="tl" rotWithShape="0">
+              <a:prstClr val="black">
+                <a:alpha val="40000"/>
+              </a:prstClr>
+            </a:outerShdw>
+          </a:effectLst>
+        </p:spPr>
+        <p:style>
+          <a:lnRef idx="1">
+            <a:schemeClr val="accent1"/>
+          </a:lnRef>
+          <a:fillRef idx="3">
+            <a:schemeClr val="accent1"/>
+          </a:fillRef>
+          <a:effectRef idx="2">
+            <a:schemeClr val="accent1"/>
+          </a:effectRef>
+          <a:fontRef idx="minor">
+            <a:schemeClr val="lt1"/>
+          </a:fontRef>
+        </p:style>
+        <p:txBody>
+          <a:bodyPr rot="0" spcFirstLastPara="0" vertOverflow="overflow" horzOverflow="overflow" vert="horz" wrap="square" lIns="91440" tIns="45720" rIns="91440" bIns="45720" numCol="1" spcCol="0" rtlCol="0" fromWordArt="0" anchor="ctr" anchorCtr="0" forceAA="0" compatLnSpc="1">
+            <a:prstTxWarp prst="textNoShape">
+              <a:avLst/>
+            </a:prstTxWarp>
+            <a:noAutofit/>
+          </a:bodyPr>
+          <a:lstStyle/>
+          <a:p>
+            <a:pPr algn="ctr"/>
+            <a:r>
+              <a:rPr lang="en-US" sz="1400" dirty="0" smtClean="0">
+                <a:solidFill>
+                  <a:schemeClr val="tx1"/>
+                </a:solidFill>
+              </a:rPr>
+              <a:t>“Normal” PFS</a:t>
+            </a:r>
+          </a:p>
+        </p:txBody>
+      </p:sp>
+      <p:sp>
+        <p:nvSpPr>
+          <p:cNvPr id="22" name="Left Arrow 21"/>
+          <p:cNvSpPr/>
+          <p:nvPr/>
+        </p:nvSpPr>
+        <p:spPr>
+          <a:xfrm rot="-5400000">
+            <a:off x="7465729" y="3246492"/>
+            <a:ext cx="1231456" cy="179044"/>
+          </a:xfrm>
+          <a:prstGeom prst="leftArrow">
+            <a:avLst/>
+          </a:prstGeom>
+          <a:solidFill>
+            <a:schemeClr val="bg1"/>
+          </a:solidFill>
+          <a:ln w="12700">
+            <a:solidFill>
+              <a:schemeClr val="tx2"/>
+            </a:solidFill>
+          </a:ln>
+          <a:effectLst>
+            <a:outerShdw blurRad="50800" dist="38100" dir="2700000" algn="tl" rotWithShape="0">
+              <a:prstClr val="black">
+                <a:alpha val="40000"/>
+              </a:prstClr>
+            </a:outerShdw>
+          </a:effectLst>
+        </p:spPr>
+        <p:style>
+          <a:lnRef idx="1">
+            <a:schemeClr val="accent1"/>
+          </a:lnRef>
+          <a:fillRef idx="3">
+            <a:schemeClr val="accent1"/>
+          </a:fillRef>
+          <a:effectRef idx="2">
+            <a:schemeClr val="accent1"/>
+          </a:effectRef>
+          <a:fontRef idx="minor">
+            <a:schemeClr val="lt1"/>
+          </a:fontRef>
+        </p:style>
+        <p:txBody>
+          <a:bodyPr rot="0" spcFirstLastPara="0" vertOverflow="overflow" horzOverflow="overflow" vert="horz" wrap="square" lIns="91440" tIns="45720" rIns="91440" bIns="45720" numCol="1" spcCol="0" rtlCol="0" fromWordArt="0" anchor="ctr" anchorCtr="0" forceAA="0" compatLnSpc="1">
+            <a:prstTxWarp prst="textNoShape">
+              <a:avLst/>
+            </a:prstTxWarp>
+            <a:noAutofit/>
+          </a:bodyPr>
+          <a:lstStyle/>
+          <a:p>
+            <a:pPr algn="ctr"/>
+            <a:endParaRPr lang="en-US" dirty="0" smtClean="0">
+              <a:solidFill>
+                <a:schemeClr val="tx1"/>
+              </a:solidFill>
+            </a:endParaRPr>
+          </a:p>
+        </p:txBody>
+      </p:sp>
+      <p:sp>
+        <p:nvSpPr>
+          <p:cNvPr id="23" name="Left Arrow 22"/>
+          <p:cNvSpPr/>
+          <p:nvPr/>
+        </p:nvSpPr>
+        <p:spPr>
+          <a:xfrm rot="-5400000">
+            <a:off x="7773183" y="3246492"/>
+            <a:ext cx="1231456" cy="179044"/>
+          </a:xfrm>
+          <a:prstGeom prst="leftArrow">
+            <a:avLst/>
+          </a:prstGeom>
+          <a:solidFill>
+            <a:schemeClr val="bg1"/>
+          </a:solidFill>
+          <a:ln w="12700">
+            <a:solidFill>
+              <a:schemeClr val="tx2"/>
+            </a:solidFill>
+          </a:ln>
+          <a:effectLst>
+            <a:outerShdw blurRad="50800" dist="38100" dir="2700000" algn="tl" rotWithShape="0">
+              <a:prstClr val="black">
+                <a:alpha val="40000"/>
+              </a:prstClr>
+            </a:outerShdw>
+          </a:effectLst>
+        </p:spPr>
+        <p:style>
+          <a:lnRef idx="1">
+            <a:schemeClr val="accent1"/>
+          </a:lnRef>
+          <a:fillRef idx="3">
+            <a:schemeClr val="accent1"/>
+          </a:fillRef>
+          <a:effectRef idx="2">
+            <a:schemeClr val="accent1"/>
+          </a:effectRef>
+          <a:fontRef idx="minor">
+            <a:schemeClr val="lt1"/>
+          </a:fontRef>
+        </p:style>
+        <p:txBody>
+          <a:bodyPr rot="0" spcFirstLastPara="0" vertOverflow="overflow" horzOverflow="overflow" vert="horz" wrap="square" lIns="91440" tIns="45720" rIns="91440" bIns="45720" numCol="1" spcCol="0" rtlCol="0" fromWordArt="0" anchor="ctr" anchorCtr="0" forceAA="0" compatLnSpc="1">
+            <a:prstTxWarp prst="textNoShape">
+              <a:avLst/>
+            </a:prstTxWarp>
+            <a:noAutofit/>
+          </a:bodyPr>
+          <a:lstStyle/>
+          <a:p>
+            <a:pPr algn="ctr"/>
+            <a:endParaRPr lang="en-US" dirty="0" smtClean="0">
+              <a:solidFill>
+                <a:schemeClr val="tx1"/>
+              </a:solidFill>
+            </a:endParaRPr>
+          </a:p>
+        </p:txBody>
+      </p:sp>
+      <p:sp>
+        <p:nvSpPr>
+          <p:cNvPr id="24" name="Left Arrow 23"/>
+          <p:cNvSpPr/>
+          <p:nvPr/>
+        </p:nvSpPr>
+        <p:spPr>
+          <a:xfrm rot="-5400000">
+            <a:off x="7183309" y="3246492"/>
+            <a:ext cx="1231456" cy="179044"/>
+          </a:xfrm>
+          <a:prstGeom prst="leftArrow">
+            <a:avLst/>
+          </a:prstGeom>
+          <a:solidFill>
+            <a:schemeClr val="bg1"/>
+          </a:solidFill>
+          <a:ln w="12700">
+            <a:solidFill>
+              <a:schemeClr val="tx2"/>
+            </a:solidFill>
+          </a:ln>
+          <a:effectLst>
+            <a:outerShdw blurRad="50800" dist="38100" dir="2700000" algn="tl" rotWithShape="0">
+              <a:prstClr val="black">
+                <a:alpha val="40000"/>
+              </a:prstClr>
+            </a:outerShdw>
+          </a:effectLst>
+        </p:spPr>
+        <p:style>
+          <a:lnRef idx="1">
+            <a:schemeClr val="accent1"/>
+          </a:lnRef>
+          <a:fillRef idx="3">
+            <a:schemeClr val="accent1"/>
+          </a:fillRef>
+          <a:effectRef idx="2">
+            <a:schemeClr val="accent1"/>
+          </a:effectRef>
+          <a:fontRef idx="minor">
+            <a:schemeClr val="lt1"/>
+          </a:fontRef>
+        </p:style>
+        <p:txBody>
+          <a:bodyPr rot="0" spcFirstLastPara="0" vertOverflow="overflow" horzOverflow="overflow" vert="horz" wrap="square" lIns="91440" tIns="45720" rIns="91440" bIns="45720" numCol="1" spcCol="0" rtlCol="0" fromWordArt="0" anchor="ctr" anchorCtr="0" forceAA="0" compatLnSpc="1">
+            <a:prstTxWarp prst="textNoShape">
+              <a:avLst/>
+            </a:prstTxWarp>
+            <a:noAutofit/>
+          </a:bodyPr>
+          <a:lstStyle/>
+          <a:p>
+            <a:pPr algn="ctr"/>
+            <a:endParaRPr lang="en-US" dirty="0" smtClean="0">
+              <a:solidFill>
+                <a:schemeClr val="tx1"/>
+              </a:solidFill>
+            </a:endParaRPr>
+          </a:p>
+        </p:txBody>
+      </p:sp>
+      <p:sp>
+        <p:nvSpPr>
+          <p:cNvPr id="13" name="Rectangle 12"/>
+          <p:cNvSpPr/>
+          <p:nvPr/>
+        </p:nvSpPr>
+        <p:spPr>
+          <a:xfrm>
+            <a:off x="7179849" y="2077116"/>
+            <a:ext cx="1836260" cy="723634"/>
+          </a:xfrm>
+          <a:prstGeom prst="rect">
+            <a:avLst/>
+          </a:prstGeom>
+          <a:solidFill>
+            <a:schemeClr val="tx2">
+              <a:lumMod val="20000"/>
+              <a:lumOff val="80000"/>
+            </a:schemeClr>
+          </a:solidFill>
+          <a:ln w="12700">
+            <a:solidFill>
+              <a:schemeClr val="tx2"/>
+            </a:solidFill>
+          </a:ln>
+          <a:effectLst>
+            <a:outerShdw blurRad="50800" dist="38100" dir="2700000" algn="tl" rotWithShape="0">
+              <a:prstClr val="black">
+                <a:alpha val="40000"/>
+              </a:prstClr>
+            </a:outerShdw>
+          </a:effectLst>
+        </p:spPr>
+        <p:style>
+          <a:lnRef idx="1">
+            <a:schemeClr val="accent1"/>
+          </a:lnRef>
+          <a:fillRef idx="3">
+            <a:schemeClr val="accent1"/>
+          </a:fillRef>
+          <a:effectRef idx="2">
+            <a:schemeClr val="accent1"/>
+          </a:effectRef>
+          <a:fontRef idx="minor">
+            <a:schemeClr val="lt1"/>
+          </a:fontRef>
+        </p:style>
+        <p:txBody>
+          <a:bodyPr rtlCol="0" anchor="ctr"/>
+          <a:lstStyle/>
+          <a:p>
+            <a:pPr algn="ctr"/>
+            <a:r>
+              <a:rPr lang="en-US" dirty="0" smtClean="0">
+                <a:solidFill>
+                  <a:schemeClr val="tx1"/>
+                </a:solidFill>
+              </a:rPr>
+              <a:t>“Normal” supercomputer</a:t>
+            </a:r>
+            <a:endParaRPr lang="en-US" dirty="0">
+              <a:solidFill>
+                <a:schemeClr val="tx1"/>
+              </a:solidFill>
+            </a:endParaRPr>
+          </a:p>
+        </p:txBody>
+      </p:sp>
+      <p:sp>
+        <p:nvSpPr>
+          <p:cNvPr id="25" name="Flowchart: Sequential Access Storage 24"/>
+          <p:cNvSpPr/>
+          <p:nvPr/>
+        </p:nvSpPr>
+        <p:spPr>
+          <a:xfrm>
+            <a:off x="7179849" y="1393980"/>
+            <a:ext cx="1836260" cy="607468"/>
+          </a:xfrm>
+          <a:prstGeom prst="flowChartMagneticTape">
+            <a:avLst/>
+          </a:prstGeom>
+          <a:solidFill>
+            <a:schemeClr val="tx2">
+              <a:lumMod val="20000"/>
+              <a:lumOff val="80000"/>
+            </a:schemeClr>
+          </a:solidFill>
+          <a:ln w="12700">
+            <a:solidFill>
+              <a:schemeClr val="tx2"/>
+            </a:solidFill>
+          </a:ln>
+          <a:effectLst>
+            <a:outerShdw blurRad="50800" dist="38100" dir="2700000" algn="tl" rotWithShape="0">
+              <a:prstClr val="black">
+                <a:alpha val="40000"/>
+              </a:prstClr>
+            </a:outerShdw>
+          </a:effectLst>
+        </p:spPr>
+        <p:style>
+          <a:lnRef idx="1">
+            <a:schemeClr val="accent1"/>
+          </a:lnRef>
+          <a:fillRef idx="3">
+            <a:schemeClr val="accent1"/>
+          </a:fillRef>
+          <a:effectRef idx="2">
+            <a:schemeClr val="accent1"/>
+          </a:effectRef>
+          <a:fontRef idx="minor">
+            <a:schemeClr val="lt1"/>
+          </a:fontRef>
+        </p:style>
+        <p:txBody>
+          <a:bodyPr rot="0" spcFirstLastPara="0" vertOverflow="overflow" horzOverflow="overflow" vert="horz" wrap="square" lIns="0" tIns="45720" rIns="0" bIns="45720" numCol="1" spcCol="0" rtlCol="0" fromWordArt="0" anchor="ctr" anchorCtr="0" forceAA="0" compatLnSpc="1">
+            <a:prstTxWarp prst="textNoShape">
+              <a:avLst/>
+            </a:prstTxWarp>
+            <a:noAutofit/>
+          </a:bodyPr>
+          <a:lstStyle/>
+          <a:p>
+            <a:pPr algn="ctr"/>
+            <a:r>
+              <a:rPr lang="en-US" dirty="0" smtClean="0">
+                <a:solidFill>
+                  <a:schemeClr val="tx1"/>
+                </a:solidFill>
+              </a:rPr>
+              <a:t>Experiments</a:t>
+            </a:r>
+          </a:p>
+        </p:txBody>
+      </p:sp>
+      <p:sp>
+        <p:nvSpPr>
+          <p:cNvPr id="27" name="Left-Right Arrow 26"/>
+          <p:cNvSpPr/>
+          <p:nvPr/>
+        </p:nvSpPr>
+        <p:spPr>
+          <a:xfrm>
+            <a:off x="6733841" y="2257063"/>
+            <a:ext cx="702891" cy="181870"/>
+          </a:xfrm>
+          <a:prstGeom prst="leftRightArrow">
+            <a:avLst/>
+          </a:prstGeom>
+          <a:solidFill>
+            <a:schemeClr val="bg1"/>
+          </a:solidFill>
+          <a:ln w="12700">
+            <a:solidFill>
+              <a:schemeClr val="tx2"/>
+            </a:solidFill>
+          </a:ln>
+          <a:effectLst>
+            <a:outerShdw blurRad="50800" dist="38100" dir="2700000" algn="tl" rotWithShape="0">
+              <a:prstClr val="black">
+                <a:alpha val="40000"/>
+              </a:prstClr>
+            </a:outerShdw>
+          </a:effectLst>
+        </p:spPr>
+        <p:style>
+          <a:lnRef idx="1">
+            <a:schemeClr val="accent1"/>
+          </a:lnRef>
+          <a:fillRef idx="3">
+            <a:schemeClr val="accent1"/>
+          </a:fillRef>
+          <a:effectRef idx="2">
+            <a:schemeClr val="accent1"/>
+          </a:effectRef>
+          <a:fontRef idx="minor">
+            <a:schemeClr val="lt1"/>
+          </a:fontRef>
+        </p:style>
+        <p:txBody>
+          <a:bodyPr rot="0" spcFirstLastPara="0" vertOverflow="overflow" horzOverflow="overflow" vert="horz" wrap="square" lIns="91440" tIns="45720" rIns="91440" bIns="45720" numCol="1" spcCol="0" rtlCol="0" fromWordArt="0" anchor="ctr" anchorCtr="0" forceAA="0" compatLnSpc="1">
+            <a:prstTxWarp prst="textNoShape">
+              <a:avLst/>
+            </a:prstTxWarp>
+            <a:noAutofit/>
+          </a:bodyPr>
+          <a:lstStyle/>
+          <a:p>
+            <a:pPr algn="ctr"/>
+            <a:endParaRPr lang="en-US" dirty="0" smtClean="0">
+              <a:solidFill>
+                <a:schemeClr val="tx1"/>
+              </a:solidFill>
+            </a:endParaRPr>
+          </a:p>
+        </p:txBody>
+      </p:sp>
+      <p:sp>
+        <p:nvSpPr>
+          <p:cNvPr id="28" name="Left-Right Arrow 27"/>
+          <p:cNvSpPr/>
+          <p:nvPr/>
+        </p:nvSpPr>
+        <p:spPr>
+          <a:xfrm>
+            <a:off x="6733308" y="1641417"/>
+            <a:ext cx="703425" cy="181870"/>
+          </a:xfrm>
+          <a:prstGeom prst="leftRightArrow">
+            <a:avLst/>
+          </a:prstGeom>
+          <a:solidFill>
+            <a:schemeClr val="bg1"/>
+          </a:solidFill>
+          <a:ln w="12700">
+            <a:solidFill>
+              <a:schemeClr val="tx2"/>
+            </a:solidFill>
+          </a:ln>
+          <a:effectLst>
+            <a:outerShdw blurRad="50800" dist="38100" dir="2700000" algn="tl" rotWithShape="0">
+              <a:prstClr val="black">
+                <a:alpha val="40000"/>
+              </a:prstClr>
+            </a:outerShdw>
+          </a:effectLst>
+        </p:spPr>
+        <p:style>
+          <a:lnRef idx="1">
+            <a:schemeClr val="accent1"/>
+          </a:lnRef>
+          <a:fillRef idx="3">
+            <a:schemeClr val="accent1"/>
+          </a:fillRef>
+          <a:effectRef idx="2">
+            <a:schemeClr val="accent1"/>
+          </a:effectRef>
+          <a:fontRef idx="minor">
+            <a:schemeClr val="lt1"/>
+          </a:fontRef>
+        </p:style>
+        <p:txBody>
+          <a:bodyPr rot="0" spcFirstLastPara="0" vertOverflow="overflow" horzOverflow="overflow" vert="horz" wrap="square" lIns="91440" tIns="45720" rIns="91440" bIns="45720" numCol="1" spcCol="0" rtlCol="0" fromWordArt="0" anchor="ctr" anchorCtr="0" forceAA="0" compatLnSpc="1">
+            <a:prstTxWarp prst="textNoShape">
+              <a:avLst/>
+            </a:prstTxWarp>
+            <a:noAutofit/>
+          </a:bodyPr>
+          <a:lstStyle/>
+          <a:p>
+            <a:pPr algn="ctr"/>
+            <a:endParaRPr lang="en-US" dirty="0" smtClean="0">
+              <a:solidFill>
+                <a:schemeClr val="tx1"/>
+              </a:solidFill>
+            </a:endParaRPr>
+          </a:p>
+        </p:txBody>
+      </p:sp>
+    </p:spTree>
+    <p:extLst>
+      <p:ext uri="{BB962C8B-B14F-4D97-AF65-F5344CB8AC3E}">
+        <p14:creationId xmlns:p14="http://schemas.microsoft.com/office/powerpoint/2010/main" val="4289600282"/>
+      </p:ext>
+    </p:extLst>
+  </p:cSld>
+  <p:clrMapOvr>
+    <a:masterClrMapping/>
+  </p:clrMapOvr>
+  <mc:AlternateContent xmlns:mc="http://schemas.openxmlformats.org/markup-compatibility/2006" xmlns:p14="http://schemas.microsoft.com/office/powerpoint/2010/main">
+    <mc:Choice Requires="p14">
+      <p:transition p14:dur="250">
+        <p:fade/>
+      </p:transition>
+    </mc:Choice>
+    <mc:Fallback xmlns="">
+      <p:transition>
+        <p:fade/>
+      </p:transition>
+    </mc:Fallback>
+  </mc:AlternateContent>
+</p:sld>
+</file>
+
+<file path=ppt/slides/slide29.xml><?xml version="1.0" encoding="utf-8"?>
+<p:sld xmlns:a="http://schemas.openxmlformats.org/drawingml/2006/main" xmlns:r="http://schemas.openxmlformats.org/officeDocument/2006/relationships" xmlns:p="http://schemas.openxmlformats.org/presentationml/2006/main">
+  <p:cSld>
+    <p:spTree>
+      <p:nvGrpSpPr>
+        <p:cNvPr id="1" name=""/>
+        <p:cNvGrpSpPr/>
+        <p:nvPr/>
+      </p:nvGrpSpPr>
+      <p:grpSpPr>
+        <a:xfrm>
+          <a:off x="0" y="0"/>
+          <a:ext cx="0" cy="0"/>
+          <a:chOff x="0" y="0"/>
+          <a:chExt cx="0" cy="0"/>
+        </a:xfrm>
+      </p:grpSpPr>
+      <p:sp>
+        <p:nvSpPr>
+          <p:cNvPr id="2" name="Title 1"/>
+          <p:cNvSpPr>
+            <a:spLocks noGrp="1"/>
+          </p:cNvSpPr>
+          <p:nvPr>
+            <p:ph type="title"/>
+          </p:nvPr>
+        </p:nvSpPr>
+        <p:spPr/>
+        <p:txBody>
+          <a:bodyPr/>
+          <a:lstStyle/>
+          <a:p>
+            <a:r>
+              <a:rPr lang="en-US" dirty="0" smtClean="0"/>
+              <a:t>Thanks</a:t>
+            </a:r>
+            <a:endParaRPr lang="en-US" dirty="0"/>
+          </a:p>
+        </p:txBody>
+      </p:sp>
+      <p:sp>
+        <p:nvSpPr>
+          <p:cNvPr id="3" name="Content Placeholder 2"/>
+          <p:cNvSpPr>
+            <a:spLocks noGrp="1"/>
+          </p:cNvSpPr>
+          <p:nvPr>
+            <p:ph idx="1"/>
+          </p:nvPr>
+        </p:nvSpPr>
+        <p:spPr>
+          <a:xfrm>
+            <a:off x="457201" y="1274996"/>
+            <a:ext cx="8372901" cy="3538423"/>
+          </a:xfrm>
+        </p:spPr>
+        <p:txBody>
+          <a:bodyPr/>
+          <a:lstStyle/>
+          <a:p>
+            <a:r>
+              <a:rPr lang="en-US" dirty="0" smtClean="0"/>
+              <a:t>Thanks to the organizers</a:t>
+            </a:r>
+          </a:p>
+          <a:p>
+            <a:endParaRPr lang="en-US" dirty="0" smtClean="0"/>
+          </a:p>
+          <a:p>
+            <a:r>
+              <a:rPr lang="en-US" dirty="0" smtClean="0"/>
+              <a:t>Code and guides:</a:t>
+            </a:r>
+          </a:p>
+          <a:p>
+            <a:pPr lvl="1"/>
+            <a:r>
+              <a:rPr lang="en-US" dirty="0" smtClean="0"/>
+              <a:t>CANDLE GitHub: https</a:t>
+            </a:r>
+            <a:r>
+              <a:rPr lang="en-US" dirty="0"/>
+              <a:t>://</a:t>
+            </a:r>
+            <a:r>
+              <a:rPr lang="en-US" dirty="0" smtClean="0"/>
+              <a:t>github.com/ECP-CANDLE</a:t>
+            </a:r>
+            <a:endParaRPr lang="en-US" dirty="0"/>
+          </a:p>
+          <a:p>
+            <a:pPr lvl="1"/>
+            <a:r>
+              <a:rPr lang="en-US" dirty="0" smtClean="0"/>
+              <a:t>Swift/T </a:t>
+            </a:r>
+            <a:r>
+              <a:rPr lang="en-US" dirty="0"/>
+              <a:t>Home: http://</a:t>
+            </a:r>
+            <a:r>
+              <a:rPr lang="en-US" dirty="0" smtClean="0"/>
+              <a:t>swift-lang.org/Swift-T</a:t>
+            </a:r>
+          </a:p>
+          <a:p>
+            <a:pPr lvl="1"/>
+            <a:r>
+              <a:rPr lang="en-US" dirty="0"/>
+              <a:t>EMEWS Tutorial</a:t>
+            </a:r>
+            <a:r>
+              <a:rPr lang="en-US"/>
+              <a:t>: </a:t>
+            </a:r>
+            <a:r>
+              <a:rPr lang="en-US" smtClean="0"/>
+              <a:t>http://emews.org</a:t>
+            </a:r>
+            <a:endParaRPr lang="en-US" dirty="0" smtClean="0"/>
+          </a:p>
+          <a:p>
+            <a:endParaRPr lang="en-US" dirty="0"/>
+          </a:p>
+          <a:p>
+            <a:r>
+              <a:rPr lang="en-US" sz="1400" dirty="0"/>
+              <a:t>This research was supported by the Exascale Computing Project (17-SC-20-SC), a joint project of the U.S. Department of Energy’s Office of Science and National Nuclear Security Administration, responsible for delivering a capable exascale ecosystem, including software, applications, and hardware technology, to support the nation’s exascale computing </a:t>
+            </a:r>
+            <a:r>
+              <a:rPr lang="en-US" sz="1400" dirty="0" smtClean="0"/>
+              <a:t>imperative.</a:t>
+            </a:r>
+            <a:endParaRPr lang="en-US" sz="1400" dirty="0"/>
+          </a:p>
+          <a:p>
+            <a:endParaRPr lang="en-US" dirty="0"/>
+          </a:p>
+        </p:txBody>
+      </p:sp>
+      <p:sp>
+        <p:nvSpPr>
+          <p:cNvPr id="4" name="Text Placeholder 3"/>
+          <p:cNvSpPr>
+            <a:spLocks noGrp="1"/>
+          </p:cNvSpPr>
+          <p:nvPr>
+            <p:ph type="body" sz="quarter" idx="12"/>
+          </p:nvPr>
+        </p:nvSpPr>
+        <p:spPr/>
+        <p:txBody>
+          <a:bodyPr/>
+          <a:lstStyle/>
+          <a:p>
+            <a:endParaRPr lang="en-US" dirty="0"/>
+          </a:p>
+        </p:txBody>
+      </p:sp>
+      <p:sp>
+        <p:nvSpPr>
+          <p:cNvPr id="5" name="Slide Number Placeholder 4"/>
+          <p:cNvSpPr>
+            <a:spLocks noGrp="1"/>
+          </p:cNvSpPr>
+          <p:nvPr>
+            <p:ph type="sldNum" sz="quarter" idx="13"/>
+          </p:nvPr>
+        </p:nvSpPr>
+        <p:spPr/>
+        <p:txBody>
+          <a:bodyPr/>
+          <a:lstStyle/>
+          <a:p>
+            <a:fld id="{AEFAAC5A-9C4F-4278-920D-DF2BAB595749}" type="slidenum">
+              <a:rPr lang="en-US" smtClean="0"/>
+              <a:pPr/>
+              <a:t>29</a:t>
+            </a:fld>
+            <a:endParaRPr lang="en-US" dirty="0"/>
+          </a:p>
+        </p:txBody>
+      </p:sp>
+    </p:spTree>
+    <p:extLst>
+      <p:ext uri="{BB962C8B-B14F-4D97-AF65-F5344CB8AC3E}">
+        <p14:creationId xmlns:p14="http://schemas.microsoft.com/office/powerpoint/2010/main" val="3996788430"/>
+      </p:ext>
+    </p:extLst>
+  </p:cSld>
+  <p:clrMapOvr>
+    <a:masterClrMapping/>
+  </p:clrMapOvr>
+  <mc:AlternateContent xmlns:mc="http://schemas.openxmlformats.org/markup-compatibility/2006" xmlns:p14="http://schemas.microsoft.com/office/powerpoint/2010/main">
+    <mc:Choice Requires="p14">
+      <p:transition p14:dur="250">
+        <p:fade/>
+      </p:transition>
+    </mc:Choice>
+    <mc:Fallback xmlns="">
+      <p:transition>
+        <p:fade/>
+      </p:transition>
+    </mc:Fallback>
+  </mc:AlternateContent>
+  <p:timing>
+    <p:tnLst>
+      <p:par>
+        <p:cTn id="1" dur="indefinite" restart="never" nodeType="tmRoot"/>
+      </p:par>
+    </p:tnLst>
+  </p:timing>
+</p:sld>
+</file>
+
+<file path=ppt/slides/slide3.xml><?xml version="1.0" encoding="utf-8"?>
+<p:sld xmlns:a="http://schemas.openxmlformats.org/drawingml/2006/main" xmlns:r="http://schemas.openxmlformats.org/officeDocument/2006/relationships" xmlns:p="http://schemas.openxmlformats.org/presentationml/2006/main">
+  <p:cSld>
+    <p:spTree>
+      <p:nvGrpSpPr>
+        <p:cNvPr id="1" name=""/>
+        <p:cNvGrpSpPr/>
+        <p:nvPr/>
+      </p:nvGrpSpPr>
+      <p:grpSpPr>
+        <a:xfrm>
+          <a:off x="0" y="0"/>
+          <a:ext cx="0" cy="0"/>
+          <a:chOff x="0" y="0"/>
+          <a:chExt cx="0" cy="0"/>
+        </a:xfrm>
+      </p:grpSpPr>
+      <p:sp>
+        <p:nvSpPr>
+          <p:cNvPr id="2" name="Title 1"/>
+          <p:cNvSpPr>
+            <a:spLocks noGrp="1"/>
+          </p:cNvSpPr>
+          <p:nvPr>
+            <p:ph type="title"/>
+          </p:nvPr>
+        </p:nvSpPr>
+        <p:spPr/>
+        <p:txBody>
+          <a:bodyPr/>
+          <a:lstStyle/>
+          <a:p>
+            <a:r>
+              <a:rPr lang="en-US" dirty="0" smtClean="0"/>
+              <a:t>CANDLE TUTORIALS</a:t>
+            </a:r>
+            <a:endParaRPr lang="en-US" dirty="0"/>
+          </a:p>
+        </p:txBody>
+      </p:sp>
+      <p:sp>
+        <p:nvSpPr>
+          <p:cNvPr id="3" name="Content Placeholder 2"/>
+          <p:cNvSpPr>
+            <a:spLocks noGrp="1"/>
+          </p:cNvSpPr>
+          <p:nvPr>
+            <p:ph idx="1"/>
+          </p:nvPr>
+        </p:nvSpPr>
+        <p:spPr/>
+        <p:txBody>
+          <a:bodyPr/>
+          <a:lstStyle/>
+          <a:p>
+            <a:r>
+              <a:rPr lang="en-US" dirty="0" smtClean="0"/>
+              <a:t>May </a:t>
+            </a:r>
+            <a:r>
+              <a:rPr lang="en-US" dirty="0"/>
+              <a:t>be found here: https://</a:t>
+            </a:r>
+            <a:r>
+              <a:rPr lang="en-US" dirty="0" smtClean="0"/>
+              <a:t>github.com/ECP-CANDLE/Tutorials</a:t>
+            </a:r>
+          </a:p>
+          <a:p>
+            <a:endParaRPr lang="en-US" dirty="0"/>
+          </a:p>
+          <a:p>
+            <a:r>
+              <a:rPr lang="en-US" dirty="0" smtClean="0"/>
+              <a:t>See the top-level README to get started with the installation</a:t>
+            </a:r>
+            <a:endParaRPr lang="en-US" dirty="0"/>
+          </a:p>
+        </p:txBody>
+      </p:sp>
+      <p:sp>
+        <p:nvSpPr>
+          <p:cNvPr id="4" name="Text Placeholder 3"/>
+          <p:cNvSpPr>
+            <a:spLocks noGrp="1"/>
+          </p:cNvSpPr>
+          <p:nvPr>
+            <p:ph type="body" sz="quarter" idx="12"/>
+          </p:nvPr>
+        </p:nvSpPr>
+        <p:spPr/>
+        <p:txBody>
+          <a:bodyPr/>
+          <a:lstStyle/>
+          <a:p>
+            <a:endParaRPr lang="en-US"/>
+          </a:p>
+        </p:txBody>
+      </p:sp>
+      <p:sp>
+        <p:nvSpPr>
+          <p:cNvPr id="5" name="Slide Number Placeholder 4"/>
+          <p:cNvSpPr>
+            <a:spLocks noGrp="1"/>
+          </p:cNvSpPr>
+          <p:nvPr>
+            <p:ph type="sldNum" sz="quarter" idx="13"/>
+          </p:nvPr>
+        </p:nvSpPr>
+        <p:spPr/>
+        <p:txBody>
+          <a:bodyPr/>
+          <a:lstStyle/>
+          <a:p>
+            <a:fld id="{AEFAAC5A-9C4F-4278-920D-DF2BAB595749}" type="slidenum">
+              <a:rPr lang="en-US" smtClean="0"/>
+              <a:pPr/>
+              <a:t>3</a:t>
+            </a:fld>
+            <a:endParaRPr lang="en-US" dirty="0"/>
+          </a:p>
+        </p:txBody>
+      </p:sp>
+    </p:spTree>
+    <p:extLst>
+      <p:ext uri="{BB962C8B-B14F-4D97-AF65-F5344CB8AC3E}">
+        <p14:creationId xmlns:p14="http://schemas.microsoft.com/office/powerpoint/2010/main" val="1394169122"/>
+      </p:ext>
+    </p:extLst>
+  </p:cSld>
+  <p:clrMapOvr>
+    <a:masterClrMapping/>
+  </p:clrMapOvr>
+  <mc:AlternateContent xmlns:mc="http://schemas.openxmlformats.org/markup-compatibility/2006" xmlns:p14="http://schemas.microsoft.com/office/powerpoint/2010/main">
+    <mc:Choice Requires="p14">
+      <p:transition p14:dur="250">
+        <p:fade/>
+      </p:transition>
+    </mc:Choice>
+    <mc:Fallback xmlns="">
+      <p:transition>
+        <p:fade/>
+      </p:transition>
+    </mc:Fallback>
+  </mc:AlternateContent>
+</p:sld>
+</file>
+
+<file path=ppt/slides/slide30.xml><?xml version="1.0" encoding="utf-8"?>
+<p:sld xmlns:a="http://schemas.openxmlformats.org/drawingml/2006/main" xmlns:r="http://schemas.openxmlformats.org/officeDocument/2006/relationships" xmlns:p="http://schemas.openxmlformats.org/presentationml/2006/main">
+  <p:cSld>
+    <p:spTree>
+      <p:nvGrpSpPr>
+        <p:cNvPr id="1" name=""/>
+        <p:cNvGrpSpPr/>
+        <p:nvPr/>
+      </p:nvGrpSpPr>
+      <p:grpSpPr>
+        <a:xfrm>
+          <a:off x="0" y="0"/>
+          <a:ext cx="0" cy="0"/>
+          <a:chOff x="0" y="0"/>
+          <a:chExt cx="0" cy="0"/>
+        </a:xfrm>
+      </p:grpSpPr>
+      <p:sp>
+        <p:nvSpPr>
+          <p:cNvPr id="2" name="Title 1"/>
+          <p:cNvSpPr>
+            <a:spLocks noGrp="1"/>
+          </p:cNvSpPr>
+          <p:nvPr>
+            <p:ph type="title"/>
+          </p:nvPr>
+        </p:nvSpPr>
+        <p:spPr/>
+        <p:txBody>
+          <a:bodyPr/>
+          <a:lstStyle/>
+          <a:p>
+            <a:endParaRPr lang="en-US"/>
+          </a:p>
+        </p:txBody>
+      </p:sp>
+      <p:sp>
+        <p:nvSpPr>
+          <p:cNvPr id="3" name="Content Placeholder 2"/>
+          <p:cNvSpPr>
+            <a:spLocks noGrp="1"/>
+          </p:cNvSpPr>
+          <p:nvPr>
+            <p:ph idx="1"/>
+          </p:nvPr>
+        </p:nvSpPr>
+        <p:spPr/>
+        <p:txBody>
+          <a:bodyPr/>
+          <a:lstStyle/>
+          <a:p>
+            <a:endParaRPr lang="en-US"/>
+          </a:p>
+        </p:txBody>
+      </p:sp>
+      <p:sp>
+        <p:nvSpPr>
+          <p:cNvPr id="4" name="Text Placeholder 3"/>
+          <p:cNvSpPr>
+            <a:spLocks noGrp="1"/>
+          </p:cNvSpPr>
+          <p:nvPr>
+            <p:ph type="body" sz="quarter" idx="12"/>
+          </p:nvPr>
+        </p:nvSpPr>
+        <p:spPr/>
+        <p:txBody>
+          <a:bodyPr/>
+          <a:lstStyle/>
+          <a:p>
+            <a:endParaRPr lang="en-US"/>
+          </a:p>
+        </p:txBody>
+      </p:sp>
+      <p:sp>
+        <p:nvSpPr>
+          <p:cNvPr id="5" name="Slide Number Placeholder 4"/>
+          <p:cNvSpPr>
+            <a:spLocks noGrp="1"/>
+          </p:cNvSpPr>
+          <p:nvPr>
+            <p:ph type="sldNum" sz="quarter" idx="13"/>
+          </p:nvPr>
+        </p:nvSpPr>
+        <p:spPr/>
+        <p:txBody>
+          <a:bodyPr/>
+          <a:lstStyle/>
+          <a:p>
+            <a:fld id="{AEFAAC5A-9C4F-4278-920D-DF2BAB595749}" type="slidenum">
+              <a:rPr lang="en-US" smtClean="0"/>
+              <a:pPr/>
+              <a:t>30</a:t>
+            </a:fld>
+            <a:endParaRPr lang="en-US" dirty="0"/>
+          </a:p>
+        </p:txBody>
+      </p:sp>
+    </p:spTree>
+    <p:extLst>
+      <p:ext uri="{BB962C8B-B14F-4D97-AF65-F5344CB8AC3E}">
+        <p14:creationId xmlns:p14="http://schemas.microsoft.com/office/powerpoint/2010/main" val="3901407096"/>
+      </p:ext>
+    </p:extLst>
+  </p:cSld>
+  <p:clrMapOvr>
+    <a:masterClrMapping/>
+  </p:clrMapOvr>
+  <mc:AlternateContent xmlns:mc="http://schemas.openxmlformats.org/markup-compatibility/2006" xmlns:p14="http://schemas.microsoft.com/office/powerpoint/2010/main">
+    <mc:Choice Requires="p14">
+      <p:transition p14:dur="250">
+        <p:fade/>
+      </p:transition>
+    </mc:Choice>
+    <mc:Fallback xmlns="">
+      <p:transition>
+        <p:fade/>
+      </p:transition>
+    </mc:Fallback>
+  </mc:AlternateContent>
+</p:sld>
+</file>
+
+<file path=ppt/slides/slide4.xml><?xml version="1.0" encoding="utf-8"?>
 <p:sld xmlns:a="http://schemas.openxmlformats.org/drawingml/2006/main" xmlns:r="http://schemas.openxmlformats.org/officeDocument/2006/relationships" xmlns:p="http://schemas.openxmlformats.org/presentationml/2006/main">
   <p:cSld>
     <p:spTree>
@@ -17839,7 +22676,7 @@
 </p:sld>
 </file>
 
-<file path=ppt/slides/slide17.xml><?xml version="1.0" encoding="utf-8"?>
+<file path=ppt/slides/slide5.xml><?xml version="1.0" encoding="utf-8"?>
 <p:sld xmlns:a="http://schemas.openxmlformats.org/drawingml/2006/main" xmlns:r="http://schemas.openxmlformats.org/officeDocument/2006/relationships" xmlns:p="http://schemas.openxmlformats.org/presentationml/2006/main">
   <p:cSld>
     <p:spTree>
@@ -18020,7 +22857,7 @@
             <a:fld id="{AEFAAC5A-9C4F-4278-920D-DF2BAB595749}" type="slidenum">
               <a:rPr lang="en-US" smtClean="0"/>
               <a:pPr/>
-              <a:t>17</a:t>
+              <a:t>5</a:t>
             </a:fld>
             <a:endParaRPr lang="en-US" dirty="0"/>
           </a:p>
@@ -18058,7 +22895,7 @@
 </p:sld>
 </file>
 
-<file path=ppt/slides/slide18.xml><?xml version="1.0" encoding="utf-8"?>
+<file path=ppt/slides/slide6.xml><?xml version="1.0" encoding="utf-8"?>
 <p:sld xmlns:a="http://schemas.openxmlformats.org/drawingml/2006/main" xmlns:r="http://schemas.openxmlformats.org/officeDocument/2006/relationships" xmlns:p="http://schemas.openxmlformats.org/presentationml/2006/main">
   <p:cSld>
     <p:spTree>
@@ -18144,7 +22981,7 @@
             <a:fld id="{AEFAAC5A-9C4F-4278-920D-DF2BAB595749}" type="slidenum">
               <a:rPr lang="en-US" smtClean="0"/>
               <a:pPr/>
-              <a:t>18</a:t>
+              <a:t>6</a:t>
             </a:fld>
             <a:endParaRPr lang="en-US" dirty="0"/>
           </a:p>
@@ -18602,7 +23439,7 @@
 </p:sld>
 </file>
 
-<file path=ppt/slides/slide19.xml><?xml version="1.0" encoding="utf-8"?>
+<file path=ppt/slides/slide7.xml><?xml version="1.0" encoding="utf-8"?>
 <p:sld xmlns:a="http://schemas.openxmlformats.org/drawingml/2006/main" xmlns:r="http://schemas.openxmlformats.org/officeDocument/2006/relationships" xmlns:p="http://schemas.openxmlformats.org/presentationml/2006/main">
   <p:cSld>
     <p:spTree>
@@ -18669,7 +23506,7 @@
             <a:fld id="{AEFAAC5A-9C4F-4278-920D-DF2BAB595749}" type="slidenum">
               <a:rPr lang="en-US" smtClean="0"/>
               <a:pPr/>
-              <a:t>19</a:t>
+              <a:t>7</a:t>
             </a:fld>
             <a:endParaRPr lang="en-US" dirty="0"/>
           </a:p>
@@ -20796,7 +25633,7 @@
 </p:sld>
 </file>
 
-<file path=ppt/slides/slide2.xml><?xml version="1.0" encoding="utf-8"?>
+<file path=ppt/slides/slide8.xml><?xml version="1.0" encoding="utf-8"?>
 <p:sld xmlns:a="http://schemas.openxmlformats.org/drawingml/2006/main" xmlns:r="http://schemas.openxmlformats.org/officeDocument/2006/relationships" xmlns:p="http://schemas.openxmlformats.org/presentationml/2006/main">
   <p:cSld>
     <p:spTree>
@@ -20830,79 +25667,8 @@
           <a:p>
             <a:r>
               <a:rPr lang="en-US" dirty="0" smtClean="0"/>
-              <a:t>OUTLINE</a:t>
-            </a:r>
-            <a:endParaRPr lang="en-US" dirty="0"/>
-          </a:p>
-        </p:txBody>
-      </p:sp>
-      <p:sp>
-        <p:nvSpPr>
-          <p:cNvPr id="3" name="Content Placeholder 2"/>
-          <p:cNvSpPr>
-            <a:spLocks noGrp="1"/>
-          </p:cNvSpPr>
-          <p:nvPr>
-            <p:ph idx="1"/>
-          </p:nvPr>
-        </p:nvSpPr>
-        <p:spPr/>
-        <p:txBody>
-          <a:bodyPr/>
-          <a:lstStyle/>
-          <a:p>
-            <a:r>
-              <a:rPr lang="en-US" dirty="0" smtClean="0"/>
-              <a:t>Overview of hyperparameter optimization</a:t>
-            </a:r>
-          </a:p>
-          <a:p>
-            <a:endParaRPr lang="en-US" dirty="0" smtClean="0"/>
-          </a:p>
-          <a:p>
-            <a:r>
-              <a:rPr lang="en-US" dirty="0" smtClean="0"/>
-              <a:t>Workflow-based solution: EMEWS</a:t>
-            </a:r>
-          </a:p>
-          <a:p>
-            <a:endParaRPr lang="en-US" dirty="0"/>
-          </a:p>
-          <a:p>
-            <a:r>
-              <a:rPr lang="en-US" dirty="0" smtClean="0"/>
-              <a:t>Machine learning applications in cancer research: CANDLE</a:t>
-            </a:r>
-          </a:p>
-          <a:p>
-            <a:endParaRPr lang="en-US" dirty="0" smtClean="0"/>
-          </a:p>
-          <a:p>
-            <a:r>
-              <a:rPr lang="en-US" dirty="0" smtClean="0"/>
-              <a:t>Demo and tutorial</a:t>
-            </a:r>
-          </a:p>
-          <a:p>
-            <a:endParaRPr lang="en-US" dirty="0" smtClean="0"/>
-          </a:p>
-        </p:txBody>
-      </p:sp>
-      <p:sp>
-        <p:nvSpPr>
-          <p:cNvPr id="4" name="Text Placeholder 3"/>
-          <p:cNvSpPr>
-            <a:spLocks noGrp="1"/>
-          </p:cNvSpPr>
-          <p:nvPr>
-            <p:ph type="body" sz="quarter" idx="12"/>
-          </p:nvPr>
-        </p:nvSpPr>
-        <p:spPr/>
-        <p:txBody>
-          <a:bodyPr/>
-          <a:lstStyle/>
-          <a:p>
+              <a:t>Parallelism strategies</a:t>
+            </a:r>
             <a:endParaRPr lang="en-US" dirty="0"/>
           </a:p>
         </p:txBody>
@@ -20925,103 +25691,7 @@
             <a:fld id="{AEFAAC5A-9C4F-4278-920D-DF2BAB595749}" type="slidenum">
               <a:rPr lang="en-US" smtClean="0"/>
               <a:pPr/>
-              <a:t>2</a:t>
-            </a:fld>
-            <a:endParaRPr lang="en-US" dirty="0"/>
-          </a:p>
-        </p:txBody>
-      </p:sp>
-    </p:spTree>
-    <p:extLst>
-      <p:ext uri="{BB962C8B-B14F-4D97-AF65-F5344CB8AC3E}">
-        <p14:creationId xmlns:p14="http://schemas.microsoft.com/office/powerpoint/2010/main" val="518016482"/>
-      </p:ext>
-    </p:extLst>
-  </p:cSld>
-  <p:clrMapOvr>
-    <a:masterClrMapping/>
-  </p:clrMapOvr>
-  <mc:AlternateContent xmlns:mc="http://schemas.openxmlformats.org/markup-compatibility/2006" xmlns:p14="http://schemas.microsoft.com/office/powerpoint/2010/main">
-    <mc:Choice Requires="p14">
-      <p:transition p14:dur="250">
-        <p:fade/>
-      </p:transition>
-    </mc:Choice>
-    <mc:Fallback xmlns="">
-      <p:transition>
-        <p:fade/>
-      </p:transition>
-    </mc:Fallback>
-  </mc:AlternateContent>
-  <p:timing>
-    <p:tnLst>
-      <p:par>
-        <p:cTn id="1" dur="indefinite" restart="never" nodeType="tmRoot"/>
-      </p:par>
-    </p:tnLst>
-  </p:timing>
-</p:sld>
-</file>
-
-<file path=ppt/slides/slide20.xml><?xml version="1.0" encoding="utf-8"?>
-<p:sld xmlns:a="http://schemas.openxmlformats.org/drawingml/2006/main" xmlns:r="http://schemas.openxmlformats.org/officeDocument/2006/relationships" xmlns:p="http://schemas.openxmlformats.org/presentationml/2006/main">
-  <p:cSld>
-    <p:spTree>
-      <p:nvGrpSpPr>
-        <p:cNvPr id="1" name=""/>
-        <p:cNvGrpSpPr/>
-        <p:nvPr/>
-      </p:nvGrpSpPr>
-      <p:grpSpPr>
-        <a:xfrm>
-          <a:off x="0" y="0"/>
-          <a:ext cx="0" cy="0"/>
-          <a:chOff x="0" y="0"/>
-          <a:chExt cx="0" cy="0"/>
-        </a:xfrm>
-      </p:grpSpPr>
-      <p:sp>
-        <p:nvSpPr>
-          <p:cNvPr id="2" name="Title 1"/>
-          <p:cNvSpPr>
-            <a:spLocks noGrp="1"/>
-          </p:cNvSpPr>
-          <p:nvPr>
-            <p:ph type="title"/>
-          </p:nvPr>
-        </p:nvSpPr>
-        <p:spPr/>
-        <p:txBody>
-          <a:bodyPr/>
-          <a:lstStyle/>
-          <a:p>
-            <a:r>
-              <a:rPr lang="en-US" dirty="0" smtClean="0"/>
-              <a:t>Parallelism strategies</a:t>
-            </a:r>
-            <a:endParaRPr lang="en-US" dirty="0"/>
-          </a:p>
-        </p:txBody>
-      </p:sp>
-      <p:sp>
-        <p:nvSpPr>
-          <p:cNvPr id="5" name="Slide Number Placeholder 4"/>
-          <p:cNvSpPr>
-            <a:spLocks noGrp="1"/>
-          </p:cNvSpPr>
-          <p:nvPr>
-            <p:ph type="sldNum" sz="quarter" idx="13"/>
-          </p:nvPr>
-        </p:nvSpPr>
-        <p:spPr/>
-        <p:txBody>
-          <a:bodyPr/>
-          <a:lstStyle/>
-          <a:p>
-            <a:fld id="{AEFAAC5A-9C4F-4278-920D-DF2BAB595749}" type="slidenum">
-              <a:rPr lang="en-US" smtClean="0"/>
-              <a:pPr/>
-              <a:t>20</a:t>
+              <a:t>8</a:t>
             </a:fld>
             <a:endParaRPr lang="en-US" dirty="0"/>
           </a:p>
@@ -21930,7 +26600,7 @@
 </p:sld>
 </file>
 
-<file path=ppt/slides/slide21.xml><?xml version="1.0" encoding="utf-8"?>
+<file path=ppt/slides/slide9.xml><?xml version="1.0" encoding="utf-8"?>
 <p:sld xmlns:a="http://schemas.openxmlformats.org/drawingml/2006/main" xmlns:r="http://schemas.openxmlformats.org/officeDocument/2006/relationships" xmlns:p="http://schemas.openxmlformats.org/presentationml/2006/main">
   <p:cSld>
     <p:spTree>
@@ -21993,7 +26663,7 @@
             <a:fld id="{AEFAAC5A-9C4F-4278-920D-DF2BAB595749}" type="slidenum">
               <a:rPr lang="en-US" smtClean="0"/>
               <a:pPr/>
-              <a:t>21</a:t>
+              <a:t>9</a:t>
             </a:fld>
             <a:endParaRPr lang="en-US" dirty="0"/>
           </a:p>
@@ -22199,4438 +26869,6 @@
             </p:seq>
           </p:childTnLst>
         </p:cTn>
-      </p:par>
-    </p:tnLst>
-  </p:timing>
-</p:sld>
-</file>
-
-<file path=ppt/slides/slide22.xml><?xml version="1.0" encoding="utf-8"?>
-<p:sld xmlns:a="http://schemas.openxmlformats.org/drawingml/2006/main" xmlns:r="http://schemas.openxmlformats.org/officeDocument/2006/relationships" xmlns:p="http://schemas.openxmlformats.org/presentationml/2006/main">
-  <p:cSld>
-    <p:spTree>
-      <p:nvGrpSpPr>
-        <p:cNvPr id="1" name=""/>
-        <p:cNvGrpSpPr/>
-        <p:nvPr/>
-      </p:nvGrpSpPr>
-      <p:grpSpPr>
-        <a:xfrm>
-          <a:off x="0" y="0"/>
-          <a:ext cx="0" cy="0"/>
-          <a:chOff x="0" y="0"/>
-          <a:chExt cx="0" cy="0"/>
-        </a:xfrm>
-      </p:grpSpPr>
-      <p:sp>
-        <p:nvSpPr>
-          <p:cNvPr id="2" name="Title 1"/>
-          <p:cNvSpPr>
-            <a:spLocks noGrp="1"/>
-          </p:cNvSpPr>
-          <p:nvPr>
-            <p:ph type="title"/>
-          </p:nvPr>
-        </p:nvSpPr>
-        <p:spPr/>
-        <p:txBody>
-          <a:bodyPr/>
-          <a:lstStyle/>
-          <a:p>
-            <a:r>
-              <a:rPr lang="en-US" dirty="0" smtClean="0"/>
-              <a:t>Load over time for search</a:t>
-            </a:r>
-            <a:endParaRPr lang="en-US" dirty="0"/>
-          </a:p>
-        </p:txBody>
-      </p:sp>
-      <p:sp>
-        <p:nvSpPr>
-          <p:cNvPr id="3" name="Content Placeholder 2"/>
-          <p:cNvSpPr>
-            <a:spLocks noGrp="1"/>
-          </p:cNvSpPr>
-          <p:nvPr>
-            <p:ph idx="1"/>
-          </p:nvPr>
-        </p:nvSpPr>
-        <p:spPr/>
-        <p:txBody>
-          <a:bodyPr/>
-          <a:lstStyle/>
-          <a:p>
-            <a:endParaRPr lang="en-US" dirty="0" smtClean="0"/>
-          </a:p>
-          <a:p>
-            <a:endParaRPr lang="en-US" dirty="0"/>
-          </a:p>
-          <a:p>
-            <a:endParaRPr lang="en-US" dirty="0" smtClean="0"/>
-          </a:p>
-          <a:p>
-            <a:endParaRPr lang="en-US" dirty="0"/>
-          </a:p>
-          <a:p>
-            <a:endParaRPr lang="en-US" dirty="0" smtClean="0"/>
-          </a:p>
-          <a:p>
-            <a:endParaRPr lang="en-US" dirty="0"/>
-          </a:p>
-          <a:p>
-            <a:endParaRPr lang="en-US" dirty="0" smtClean="0"/>
-          </a:p>
-          <a:p>
-            <a:endParaRPr lang="en-US" dirty="0"/>
-          </a:p>
-          <a:p>
-            <a:r>
-              <a:rPr lang="en-US" dirty="0" smtClean="0"/>
-              <a:t>Typical load plot for NT3 workflow on Cori</a:t>
-            </a:r>
-            <a:endParaRPr lang="en-US" dirty="0"/>
-          </a:p>
-        </p:txBody>
-      </p:sp>
-      <p:sp>
-        <p:nvSpPr>
-          <p:cNvPr id="4" name="Text Placeholder 3"/>
-          <p:cNvSpPr>
-            <a:spLocks noGrp="1"/>
-          </p:cNvSpPr>
-          <p:nvPr>
-            <p:ph type="body" sz="quarter" idx="12"/>
-          </p:nvPr>
-        </p:nvSpPr>
-        <p:spPr/>
-        <p:txBody>
-          <a:bodyPr/>
-          <a:lstStyle/>
-          <a:p>
-            <a:endParaRPr lang="en-US"/>
-          </a:p>
-        </p:txBody>
-      </p:sp>
-      <p:sp>
-        <p:nvSpPr>
-          <p:cNvPr id="5" name="Slide Number Placeholder 4"/>
-          <p:cNvSpPr>
-            <a:spLocks noGrp="1"/>
-          </p:cNvSpPr>
-          <p:nvPr>
-            <p:ph type="sldNum" sz="quarter" idx="13"/>
-          </p:nvPr>
-        </p:nvSpPr>
-        <p:spPr/>
-        <p:txBody>
-          <a:bodyPr/>
-          <a:lstStyle/>
-          <a:p>
-            <a:fld id="{AEFAAC5A-9C4F-4278-920D-DF2BAB595749}" type="slidenum">
-              <a:rPr lang="en-US" smtClean="0"/>
-              <a:pPr/>
-              <a:t>22</a:t>
-            </a:fld>
-            <a:endParaRPr lang="en-US" dirty="0"/>
-          </a:p>
-        </p:txBody>
-      </p:sp>
-      <p:pic>
-        <p:nvPicPr>
-          <p:cNvPr id="6146" name="Picture 2" descr="C:\cygwin\home\wozniak\collab\CANDLE-Papers\2017\CAFCW\plots\nt3-loads.png"/>
-          <p:cNvPicPr>
-            <a:picLocks noChangeAspect="1" noChangeArrowheads="1"/>
-          </p:cNvPicPr>
-          <p:nvPr/>
-        </p:nvPicPr>
-        <p:blipFill>
-          <a:blip r:embed="rId2">
-            <a:extLst>
-              <a:ext uri="{28A0092B-C50C-407E-A947-70E740481C1C}">
-                <a14:useLocalDpi xmlns:a14="http://schemas.microsoft.com/office/drawing/2010/main" val="0"/>
-              </a:ext>
-            </a:extLst>
-          </a:blip>
-          <a:srcRect/>
-          <a:stretch>
-            <a:fillRect/>
-          </a:stretch>
-        </p:blipFill>
-        <p:spPr bwMode="auto">
-          <a:xfrm>
-            <a:off x="1161161" y="1280345"/>
-            <a:ext cx="6823608" cy="2558853"/>
-          </a:xfrm>
-          <a:prstGeom prst="rect">
-            <a:avLst/>
-          </a:prstGeom>
-          <a:noFill/>
-          <a:extLst>
-            <a:ext uri="{909E8E84-426E-40DD-AFC4-6F175D3DCCD1}">
-              <a14:hiddenFill xmlns:a14="http://schemas.microsoft.com/office/drawing/2010/main">
-                <a:solidFill>
-                  <a:srgbClr val="FFFFFF"/>
-                </a:solidFill>
-              </a14:hiddenFill>
-            </a:ext>
-          </a:extLst>
-        </p:spPr>
-      </p:pic>
-    </p:spTree>
-    <p:extLst>
-      <p:ext uri="{BB962C8B-B14F-4D97-AF65-F5344CB8AC3E}">
-        <p14:creationId xmlns:p14="http://schemas.microsoft.com/office/powerpoint/2010/main" val="1610988358"/>
-      </p:ext>
-    </p:extLst>
-  </p:cSld>
-  <p:clrMapOvr>
-    <a:masterClrMapping/>
-  </p:clrMapOvr>
-  <mc:AlternateContent xmlns:mc="http://schemas.openxmlformats.org/markup-compatibility/2006" xmlns:p14="http://schemas.microsoft.com/office/powerpoint/2010/main">
-    <mc:Choice Requires="p14">
-      <p:transition p14:dur="250">
-        <p:fade/>
-      </p:transition>
-    </mc:Choice>
-    <mc:Fallback xmlns="">
-      <p:transition>
-        <p:fade/>
-      </p:transition>
-    </mc:Fallback>
-  </mc:AlternateContent>
-  <p:timing>
-    <p:tnLst>
-      <p:par>
-        <p:cTn id="1" dur="indefinite" restart="never" nodeType="tmRoot"/>
-      </p:par>
-    </p:tnLst>
-  </p:timing>
-</p:sld>
-</file>
-
-<file path=ppt/slides/slide23.xml><?xml version="1.0" encoding="utf-8"?>
-<p:sld xmlns:a="http://schemas.openxmlformats.org/drawingml/2006/main" xmlns:r="http://schemas.openxmlformats.org/officeDocument/2006/relationships" xmlns:p="http://schemas.openxmlformats.org/presentationml/2006/main">
-  <p:cSld>
-    <p:spTree>
-      <p:nvGrpSpPr>
-        <p:cNvPr id="1" name=""/>
-        <p:cNvGrpSpPr/>
-        <p:nvPr/>
-      </p:nvGrpSpPr>
-      <p:grpSpPr>
-        <a:xfrm>
-          <a:off x="0" y="0"/>
-          <a:ext cx="0" cy="0"/>
-          <a:chOff x="0" y="0"/>
-          <a:chExt cx="0" cy="0"/>
-        </a:xfrm>
-      </p:grpSpPr>
-      <p:sp>
-        <p:nvSpPr>
-          <p:cNvPr id="2" name="Title 1"/>
-          <p:cNvSpPr>
-            <a:spLocks noGrp="1"/>
-          </p:cNvSpPr>
-          <p:nvPr>
-            <p:ph type="title"/>
-          </p:nvPr>
-        </p:nvSpPr>
-        <p:spPr/>
-        <p:txBody>
-          <a:bodyPr/>
-          <a:lstStyle/>
-          <a:p>
-            <a:r>
-              <a:rPr lang="en-US" dirty="0" smtClean="0"/>
-              <a:t>Ramp up / ramp down</a:t>
-            </a:r>
-            <a:endParaRPr lang="en-US" dirty="0"/>
-          </a:p>
-        </p:txBody>
-      </p:sp>
-      <p:sp>
-        <p:nvSpPr>
-          <p:cNvPr id="3" name="Content Placeholder 2"/>
-          <p:cNvSpPr>
-            <a:spLocks noGrp="1"/>
-          </p:cNvSpPr>
-          <p:nvPr>
-            <p:ph idx="1"/>
-          </p:nvPr>
-        </p:nvSpPr>
-        <p:spPr/>
-        <p:txBody>
-          <a:bodyPr/>
-          <a:lstStyle/>
-          <a:p>
-            <a:endParaRPr lang="en-US" dirty="0" smtClean="0"/>
-          </a:p>
-          <a:p>
-            <a:endParaRPr lang="en-US" dirty="0"/>
-          </a:p>
-          <a:p>
-            <a:endParaRPr lang="en-US" dirty="0" smtClean="0"/>
-          </a:p>
-          <a:p>
-            <a:endParaRPr lang="en-US" dirty="0"/>
-          </a:p>
-          <a:p>
-            <a:endParaRPr lang="en-US" dirty="0" smtClean="0"/>
-          </a:p>
-          <a:p>
-            <a:endParaRPr lang="en-US" dirty="0"/>
-          </a:p>
-          <a:p>
-            <a:endParaRPr lang="en-US" dirty="0" smtClean="0"/>
-          </a:p>
-          <a:p>
-            <a:endParaRPr lang="en-US" dirty="0"/>
-          </a:p>
-          <a:p>
-            <a:endParaRPr lang="en-US" dirty="0" smtClean="0"/>
-          </a:p>
-          <a:p>
-            <a:r>
-              <a:rPr lang="en-US" dirty="0" smtClean="0"/>
-              <a:t>Zoom in on single iteration on Titan</a:t>
-            </a:r>
-            <a:endParaRPr lang="en-US" dirty="0"/>
-          </a:p>
-        </p:txBody>
-      </p:sp>
-      <p:sp>
-        <p:nvSpPr>
-          <p:cNvPr id="4" name="Text Placeholder 3"/>
-          <p:cNvSpPr>
-            <a:spLocks noGrp="1"/>
-          </p:cNvSpPr>
-          <p:nvPr>
-            <p:ph type="body" sz="quarter" idx="12"/>
-          </p:nvPr>
-        </p:nvSpPr>
-        <p:spPr/>
-        <p:txBody>
-          <a:bodyPr/>
-          <a:lstStyle/>
-          <a:p>
-            <a:endParaRPr lang="en-US"/>
-          </a:p>
-        </p:txBody>
-      </p:sp>
-      <p:sp>
-        <p:nvSpPr>
-          <p:cNvPr id="5" name="Slide Number Placeholder 4"/>
-          <p:cNvSpPr>
-            <a:spLocks noGrp="1"/>
-          </p:cNvSpPr>
-          <p:nvPr>
-            <p:ph type="sldNum" sz="quarter" idx="13"/>
-          </p:nvPr>
-        </p:nvSpPr>
-        <p:spPr/>
-        <p:txBody>
-          <a:bodyPr/>
-          <a:lstStyle/>
-          <a:p>
-            <a:fld id="{AEFAAC5A-9C4F-4278-920D-DF2BAB595749}" type="slidenum">
-              <a:rPr lang="en-US" smtClean="0"/>
-              <a:pPr/>
-              <a:t>23</a:t>
-            </a:fld>
-            <a:endParaRPr lang="en-US" dirty="0"/>
-          </a:p>
-        </p:txBody>
-      </p:sp>
-      <p:pic>
-        <p:nvPicPr>
-          <p:cNvPr id="8194" name="Picture 2" descr="C:\cygwin\home\wozniak\collab\CANDLE-Papers\2017\CAFCW\plots\loads\load.png"/>
-          <p:cNvPicPr>
-            <a:picLocks noChangeAspect="1" noChangeArrowheads="1"/>
-          </p:cNvPicPr>
-          <p:nvPr/>
-        </p:nvPicPr>
-        <p:blipFill>
-          <a:blip r:embed="rId2">
-            <a:extLst>
-              <a:ext uri="{28A0092B-C50C-407E-A947-70E740481C1C}">
-                <a14:useLocalDpi xmlns:a14="http://schemas.microsoft.com/office/drawing/2010/main" val="0"/>
-              </a:ext>
-            </a:extLst>
-          </a:blip>
-          <a:srcRect/>
-          <a:stretch>
-            <a:fillRect/>
-          </a:stretch>
-        </p:blipFill>
-        <p:spPr bwMode="auto">
-          <a:xfrm>
-            <a:off x="1159603" y="1382883"/>
-            <a:ext cx="6924718" cy="2596769"/>
-          </a:xfrm>
-          <a:prstGeom prst="rect">
-            <a:avLst/>
-          </a:prstGeom>
-          <a:noFill/>
-          <a:extLst>
-            <a:ext uri="{909E8E84-426E-40DD-AFC4-6F175D3DCCD1}">
-              <a14:hiddenFill xmlns:a14="http://schemas.microsoft.com/office/drawing/2010/main">
-                <a:solidFill>
-                  <a:srgbClr val="FFFFFF"/>
-                </a:solidFill>
-              </a14:hiddenFill>
-            </a:ext>
-          </a:extLst>
-        </p:spPr>
-      </p:pic>
-    </p:spTree>
-    <p:extLst>
-      <p:ext uri="{BB962C8B-B14F-4D97-AF65-F5344CB8AC3E}">
-        <p14:creationId xmlns:p14="http://schemas.microsoft.com/office/powerpoint/2010/main" val="873821462"/>
-      </p:ext>
-    </p:extLst>
-  </p:cSld>
-  <p:clrMapOvr>
-    <a:masterClrMapping/>
-  </p:clrMapOvr>
-  <mc:AlternateContent xmlns:mc="http://schemas.openxmlformats.org/markup-compatibility/2006" xmlns:p14="http://schemas.microsoft.com/office/powerpoint/2010/main">
-    <mc:Choice Requires="p14">
-      <p:transition p14:dur="250">
-        <p:fade/>
-      </p:transition>
-    </mc:Choice>
-    <mc:Fallback xmlns="">
-      <p:transition>
-        <p:fade/>
-      </p:transition>
-    </mc:Fallback>
-  </mc:AlternateContent>
-  <p:timing>
-    <p:tnLst>
-      <p:par>
-        <p:cTn id="1" dur="indefinite" restart="never" nodeType="tmRoot"/>
-      </p:par>
-    </p:tnLst>
-  </p:timing>
-</p:sld>
-</file>
-
-<file path=ppt/slides/slide24.xml><?xml version="1.0" encoding="utf-8"?>
-<p:sld xmlns:a="http://schemas.openxmlformats.org/drawingml/2006/main" xmlns:r="http://schemas.openxmlformats.org/officeDocument/2006/relationships" xmlns:p="http://schemas.openxmlformats.org/presentationml/2006/main">
-  <p:cSld>
-    <p:spTree>
-      <p:nvGrpSpPr>
-        <p:cNvPr id="1" name=""/>
-        <p:cNvGrpSpPr/>
-        <p:nvPr/>
-      </p:nvGrpSpPr>
-      <p:grpSpPr>
-        <a:xfrm>
-          <a:off x="0" y="0"/>
-          <a:ext cx="0" cy="0"/>
-          <a:chOff x="0" y="0"/>
-          <a:chExt cx="0" cy="0"/>
-        </a:xfrm>
-      </p:grpSpPr>
-      <p:sp>
-        <p:nvSpPr>
-          <p:cNvPr id="3" name="Text Placeholder 2"/>
-          <p:cNvSpPr>
-            <a:spLocks noGrp="1"/>
-          </p:cNvSpPr>
-          <p:nvPr>
-            <p:ph type="body" sz="quarter" idx="10"/>
-          </p:nvPr>
-        </p:nvSpPr>
-        <p:spPr/>
-        <p:txBody>
-          <a:bodyPr/>
-          <a:lstStyle/>
-          <a:p>
-            <a:r>
-              <a:rPr lang="en-US" dirty="0" smtClean="0"/>
-              <a:t>FUTURE WORK</a:t>
-            </a:r>
-            <a:endParaRPr lang="en-US" dirty="0"/>
-          </a:p>
-        </p:txBody>
-      </p:sp>
-    </p:spTree>
-    <p:extLst>
-      <p:ext uri="{BB962C8B-B14F-4D97-AF65-F5344CB8AC3E}">
-        <p14:creationId xmlns:p14="http://schemas.microsoft.com/office/powerpoint/2010/main" val="3093645142"/>
-      </p:ext>
-    </p:extLst>
-  </p:cSld>
-  <p:clrMapOvr>
-    <a:masterClrMapping/>
-  </p:clrMapOvr>
-  <mc:AlternateContent xmlns:mc="http://schemas.openxmlformats.org/markup-compatibility/2006" xmlns:p14="http://schemas.microsoft.com/office/powerpoint/2010/main">
-    <mc:Choice Requires="p14">
-      <p:transition p14:dur="250">
-        <p:fade/>
-      </p:transition>
-    </mc:Choice>
-    <mc:Fallback xmlns="">
-      <p:transition>
-        <p:fade/>
-      </p:transition>
-    </mc:Fallback>
-  </mc:AlternateContent>
-  <p:timing>
-    <p:tnLst>
-      <p:par>
-        <p:cTn id="1" dur="indefinite" restart="never" nodeType="tmRoot"/>
-      </p:par>
-    </p:tnLst>
-  </p:timing>
-</p:sld>
-</file>
-
-<file path=ppt/slides/slide25.xml><?xml version="1.0" encoding="utf-8"?>
-<p:sld xmlns:a="http://schemas.openxmlformats.org/drawingml/2006/main" xmlns:r="http://schemas.openxmlformats.org/officeDocument/2006/relationships" xmlns:p="http://schemas.openxmlformats.org/presentationml/2006/main">
-  <p:cSld>
-    <p:spTree>
-      <p:nvGrpSpPr>
-        <p:cNvPr id="1" name=""/>
-        <p:cNvGrpSpPr/>
-        <p:nvPr/>
-      </p:nvGrpSpPr>
-      <p:grpSpPr>
-        <a:xfrm>
-          <a:off x="0" y="0"/>
-          <a:ext cx="0" cy="0"/>
-          <a:chOff x="0" y="0"/>
-          <a:chExt cx="0" cy="0"/>
-        </a:xfrm>
-      </p:grpSpPr>
-      <p:sp>
-        <p:nvSpPr>
-          <p:cNvPr id="2" name="Title 1"/>
-          <p:cNvSpPr>
-            <a:spLocks noGrp="1"/>
-          </p:cNvSpPr>
-          <p:nvPr>
-            <p:ph type="title"/>
-          </p:nvPr>
-        </p:nvSpPr>
-        <p:spPr/>
-        <p:txBody>
-          <a:bodyPr/>
-          <a:lstStyle/>
-          <a:p>
-            <a:r>
-              <a:rPr lang="en-US" dirty="0" smtClean="0"/>
-              <a:t>Driving integration </a:t>
-            </a:r>
-            <a:r>
-              <a:rPr lang="en-US" dirty="0"/>
-              <a:t>of Simulation, Data Analytics and Machine Learning</a:t>
-            </a:r>
-          </a:p>
-        </p:txBody>
-      </p:sp>
-      <p:sp>
-        <p:nvSpPr>
-          <p:cNvPr id="3" name="Content Placeholder 2"/>
-          <p:cNvSpPr>
-            <a:spLocks noGrp="1"/>
-          </p:cNvSpPr>
-          <p:nvPr>
-            <p:ph idx="1"/>
-          </p:nvPr>
-        </p:nvSpPr>
-        <p:spPr/>
-        <p:txBody>
-          <a:bodyPr/>
-          <a:lstStyle/>
-          <a:p>
-            <a:endParaRPr lang="en-US" dirty="0"/>
-          </a:p>
-        </p:txBody>
-      </p:sp>
-      <p:sp>
-        <p:nvSpPr>
-          <p:cNvPr id="4" name="Text Placeholder 3"/>
-          <p:cNvSpPr>
-            <a:spLocks noGrp="1"/>
-          </p:cNvSpPr>
-          <p:nvPr>
-            <p:ph type="body" sz="quarter" idx="12"/>
-          </p:nvPr>
-        </p:nvSpPr>
-        <p:spPr/>
-        <p:txBody>
-          <a:bodyPr/>
-          <a:lstStyle/>
-          <a:p>
-            <a:endParaRPr lang="en-US"/>
-          </a:p>
-        </p:txBody>
-      </p:sp>
-      <p:sp>
-        <p:nvSpPr>
-          <p:cNvPr id="5" name="Slide Number Placeholder 4"/>
-          <p:cNvSpPr>
-            <a:spLocks noGrp="1"/>
-          </p:cNvSpPr>
-          <p:nvPr>
-            <p:ph type="sldNum" sz="quarter" idx="13"/>
-          </p:nvPr>
-        </p:nvSpPr>
-        <p:spPr/>
-        <p:txBody>
-          <a:bodyPr/>
-          <a:lstStyle/>
-          <a:p>
-            <a:fld id="{AEFAAC5A-9C4F-4278-920D-DF2BAB595749}" type="slidenum">
-              <a:rPr lang="en-US" smtClean="0"/>
-              <a:pPr/>
-              <a:t>25</a:t>
-            </a:fld>
-            <a:endParaRPr lang="en-US" dirty="0"/>
-          </a:p>
-        </p:txBody>
-      </p:sp>
-      <p:grpSp>
-        <p:nvGrpSpPr>
-          <p:cNvPr id="6" name="Group 5"/>
-          <p:cNvGrpSpPr/>
-          <p:nvPr/>
-        </p:nvGrpSpPr>
-        <p:grpSpPr>
-          <a:xfrm>
-            <a:off x="1321798" y="1352438"/>
-            <a:ext cx="5358702" cy="3493661"/>
-            <a:chOff x="1321798" y="1769063"/>
-            <a:chExt cx="5358702" cy="4658215"/>
-          </a:xfrm>
-        </p:grpSpPr>
-        <p:sp>
-          <p:nvSpPr>
-            <p:cNvPr id="8" name="Oval 7"/>
-            <p:cNvSpPr/>
-            <p:nvPr/>
-          </p:nvSpPr>
-          <p:spPr>
-            <a:xfrm>
-              <a:off x="2974312" y="3550611"/>
-              <a:ext cx="2993465" cy="2876667"/>
-            </a:xfrm>
-            <a:prstGeom prst="ellipse">
-              <a:avLst/>
-            </a:prstGeom>
-            <a:solidFill>
-              <a:srgbClr val="D3DBDF"/>
-            </a:solidFill>
-            <a:ln>
-              <a:noFill/>
-            </a:ln>
-            <a:effectLst/>
-          </p:spPr>
-          <p:style>
-            <a:lnRef idx="1">
-              <a:schemeClr val="accent1"/>
-            </a:lnRef>
-            <a:fillRef idx="3">
-              <a:schemeClr val="accent1"/>
-            </a:fillRef>
-            <a:effectRef idx="2">
-              <a:schemeClr val="accent1"/>
-            </a:effectRef>
-            <a:fontRef idx="minor">
-              <a:schemeClr val="lt1"/>
-            </a:fontRef>
-          </p:style>
-          <p:txBody>
-            <a:bodyPr lIns="91392" tIns="45697" rIns="91392" bIns="45697" rtlCol="0" anchor="ctr"/>
-            <a:lstStyle/>
-            <a:p>
-              <a:pPr algn="ctr" defTabSz="914400"/>
-              <a:r>
-                <a:rPr lang="en-US" sz="2400" b="1" dirty="0">
-                  <a:solidFill>
-                    <a:srgbClr val="000090"/>
-                  </a:solidFill>
-                </a:rPr>
-                <a:t>Deep</a:t>
-              </a:r>
-            </a:p>
-            <a:p>
-              <a:pPr algn="ctr" defTabSz="914400"/>
-              <a:r>
-                <a:rPr lang="en-US" sz="2400" b="1" dirty="0">
-                  <a:solidFill>
-                    <a:srgbClr val="000090"/>
-                  </a:solidFill>
-                </a:rPr>
-                <a:t>Learning</a:t>
-              </a:r>
-            </a:p>
-          </p:txBody>
-        </p:sp>
-        <p:sp>
-          <p:nvSpPr>
-            <p:cNvPr id="9" name="Oval 8"/>
-            <p:cNvSpPr/>
-            <p:nvPr/>
-          </p:nvSpPr>
-          <p:spPr>
-            <a:xfrm>
-              <a:off x="1321798" y="2018349"/>
-              <a:ext cx="2993465" cy="2876667"/>
-            </a:xfrm>
-            <a:prstGeom prst="ellipse">
-              <a:avLst/>
-            </a:prstGeom>
-            <a:solidFill>
-              <a:srgbClr val="D3DBDF"/>
-            </a:solidFill>
-            <a:ln>
-              <a:noFill/>
-            </a:ln>
-            <a:effectLst/>
-          </p:spPr>
-          <p:style>
-            <a:lnRef idx="1">
-              <a:schemeClr val="accent1"/>
-            </a:lnRef>
-            <a:fillRef idx="3">
-              <a:schemeClr val="accent1"/>
-            </a:fillRef>
-            <a:effectRef idx="2">
-              <a:schemeClr val="accent1"/>
-            </a:effectRef>
-            <a:fontRef idx="minor">
-              <a:schemeClr val="lt1"/>
-            </a:fontRef>
-          </p:style>
-          <p:txBody>
-            <a:bodyPr lIns="91392" tIns="45697" rIns="91392" bIns="45697" rtlCol="0" anchor="ctr"/>
-            <a:lstStyle/>
-            <a:p>
-              <a:pPr algn="ctr" defTabSz="914400"/>
-              <a:r>
-                <a:rPr lang="en-US" sz="2400" b="1" dirty="0">
-                  <a:solidFill>
-                    <a:srgbClr val="000090"/>
-                  </a:solidFill>
-                </a:rPr>
-                <a:t>Large-Scale</a:t>
-              </a:r>
-            </a:p>
-            <a:p>
-              <a:pPr algn="ctr" defTabSz="914400"/>
-              <a:r>
-                <a:rPr lang="en-US" sz="2400" b="1" dirty="0">
-                  <a:solidFill>
-                    <a:srgbClr val="000090"/>
-                  </a:solidFill>
-                </a:rPr>
-                <a:t>Numerical </a:t>
-              </a:r>
-            </a:p>
-            <a:p>
-              <a:pPr algn="ctr" defTabSz="914400"/>
-              <a:r>
-                <a:rPr lang="en-US" sz="2400" b="1" dirty="0">
-                  <a:solidFill>
-                    <a:srgbClr val="000090"/>
-                  </a:solidFill>
-                </a:rPr>
-                <a:t>Simulation</a:t>
-              </a:r>
-            </a:p>
-          </p:txBody>
-        </p:sp>
-        <p:sp>
-          <p:nvSpPr>
-            <p:cNvPr id="7" name="Oval 6"/>
-            <p:cNvSpPr/>
-            <p:nvPr/>
-          </p:nvSpPr>
-          <p:spPr>
-            <a:xfrm>
-              <a:off x="3687035" y="1769063"/>
-              <a:ext cx="2993465" cy="2876667"/>
-            </a:xfrm>
-            <a:prstGeom prst="ellipse">
-              <a:avLst/>
-            </a:prstGeom>
-            <a:solidFill>
-              <a:srgbClr val="D3DBDF"/>
-            </a:solidFill>
-            <a:ln>
-              <a:noFill/>
-            </a:ln>
-            <a:effectLst/>
-          </p:spPr>
-          <p:style>
-            <a:lnRef idx="1">
-              <a:schemeClr val="accent1"/>
-            </a:lnRef>
-            <a:fillRef idx="3">
-              <a:schemeClr val="accent1"/>
-            </a:fillRef>
-            <a:effectRef idx="2">
-              <a:schemeClr val="accent1"/>
-            </a:effectRef>
-            <a:fontRef idx="minor">
-              <a:schemeClr val="lt1"/>
-            </a:fontRef>
-          </p:style>
-          <p:txBody>
-            <a:bodyPr lIns="91392" tIns="45697" rIns="91392" bIns="45697" rtlCol="0" anchor="ctr"/>
-            <a:lstStyle/>
-            <a:p>
-              <a:pPr algn="ctr" defTabSz="914400"/>
-              <a:r>
-                <a:rPr lang="en-US" sz="2400" b="1" dirty="0">
-                  <a:solidFill>
-                    <a:srgbClr val="000090"/>
-                  </a:solidFill>
-                </a:rPr>
-                <a:t>Scalable </a:t>
-              </a:r>
-            </a:p>
-            <a:p>
-              <a:pPr algn="ctr" defTabSz="914400"/>
-              <a:r>
-                <a:rPr lang="en-US" sz="2400" b="1" dirty="0">
-                  <a:solidFill>
-                    <a:srgbClr val="000090"/>
-                  </a:solidFill>
-                </a:rPr>
-                <a:t>Data Analytics</a:t>
-              </a:r>
-            </a:p>
-            <a:p>
-              <a:pPr algn="ctr" defTabSz="914400"/>
-              <a:endParaRPr lang="en-US" sz="2400" b="1" dirty="0">
-                <a:solidFill>
-                  <a:prstClr val="white"/>
-                </a:solidFill>
-              </a:endParaRPr>
-            </a:p>
-          </p:txBody>
-        </p:sp>
-      </p:grpSp>
-      <p:sp>
-        <p:nvSpPr>
-          <p:cNvPr id="10" name="TextBox 9"/>
-          <p:cNvSpPr txBox="1"/>
-          <p:nvPr/>
-        </p:nvSpPr>
-        <p:spPr>
-          <a:xfrm>
-            <a:off x="6293098" y="1569171"/>
-            <a:ext cx="2850919" cy="923283"/>
-          </a:xfrm>
-          <a:prstGeom prst="rect">
-            <a:avLst/>
-          </a:prstGeom>
-          <a:noFill/>
-          <a:ln>
-            <a:noFill/>
-          </a:ln>
-        </p:spPr>
-        <p:txBody>
-          <a:bodyPr wrap="square" lIns="91392" tIns="45697" rIns="91392" bIns="45697" rtlCol="0">
-            <a:spAutoFit/>
-          </a:bodyPr>
-          <a:lstStyle/>
-          <a:p>
-            <a:pPr algn="ctr" defTabSz="914400"/>
-            <a:r>
-              <a:rPr lang="en-US" b="1" dirty="0">
-                <a:solidFill>
-                  <a:srgbClr val="008000"/>
-                </a:solidFill>
-              </a:rPr>
-              <a:t>CORAL Supercomputers</a:t>
-            </a:r>
-          </a:p>
-          <a:p>
-            <a:pPr algn="ctr" defTabSz="914400"/>
-            <a:r>
-              <a:rPr lang="en-US" b="1" dirty="0">
-                <a:solidFill>
-                  <a:srgbClr val="008000"/>
-                </a:solidFill>
-              </a:rPr>
-              <a:t>and Exascale Systems</a:t>
-            </a:r>
-          </a:p>
-        </p:txBody>
-      </p:sp>
-      <p:cxnSp>
-        <p:nvCxnSpPr>
-          <p:cNvPr id="11" name="Straight Arrow Connector 10"/>
-          <p:cNvCxnSpPr/>
-          <p:nvPr/>
-        </p:nvCxnSpPr>
-        <p:spPr>
-          <a:xfrm flipH="1">
-            <a:off x="6168355" y="2294546"/>
-            <a:ext cx="1438826" cy="1189742"/>
-          </a:xfrm>
-          <a:prstGeom prst="straightConnector1">
-            <a:avLst/>
-          </a:prstGeom>
-          <a:ln>
-            <a:solidFill>
-              <a:srgbClr val="008000"/>
-            </a:solidFill>
-            <a:tailEnd type="arrow"/>
-          </a:ln>
-        </p:spPr>
-        <p:style>
-          <a:lnRef idx="2">
-            <a:schemeClr val="accent1"/>
-          </a:lnRef>
-          <a:fillRef idx="0">
-            <a:schemeClr val="accent1"/>
-          </a:fillRef>
-          <a:effectRef idx="1">
-            <a:schemeClr val="accent1"/>
-          </a:effectRef>
-          <a:fontRef idx="minor">
-            <a:schemeClr val="tx1"/>
-          </a:fontRef>
-        </p:style>
-      </p:cxnSp>
-      <p:sp>
-        <p:nvSpPr>
-          <p:cNvPr id="12" name="Rectangle 11"/>
-          <p:cNvSpPr/>
-          <p:nvPr/>
-        </p:nvSpPr>
-        <p:spPr>
-          <a:xfrm>
-            <a:off x="1762387" y="1807636"/>
-            <a:ext cx="2125230" cy="1545237"/>
-          </a:xfrm>
-          <a:prstGeom prst="rect">
-            <a:avLst/>
-          </a:prstGeom>
-          <a:noFill/>
-          <a:ln w="28575" cmpd="sng">
-            <a:solidFill>
-              <a:srgbClr val="FF0000"/>
-            </a:solidFill>
-          </a:ln>
-        </p:spPr>
-        <p:style>
-          <a:lnRef idx="1">
-            <a:schemeClr val="accent1"/>
-          </a:lnRef>
-          <a:fillRef idx="3">
-            <a:schemeClr val="accent1"/>
-          </a:fillRef>
-          <a:effectRef idx="2">
-            <a:schemeClr val="accent1"/>
-          </a:effectRef>
-          <a:fontRef idx="minor">
-            <a:schemeClr val="lt1"/>
-          </a:fontRef>
-        </p:style>
-        <p:txBody>
-          <a:bodyPr lIns="91392" tIns="45697" rIns="91392" bIns="45697" rtlCol="0" anchor="ctr"/>
-          <a:lstStyle/>
-          <a:p>
-            <a:pPr algn="ctr" defTabSz="914400"/>
-            <a:endParaRPr lang="en-US">
-              <a:solidFill>
-                <a:prstClr val="white"/>
-              </a:solidFill>
-            </a:endParaRPr>
-          </a:p>
-        </p:txBody>
-      </p:sp>
-      <p:sp>
-        <p:nvSpPr>
-          <p:cNvPr id="13" name="TextBox 12"/>
-          <p:cNvSpPr txBox="1"/>
-          <p:nvPr/>
-        </p:nvSpPr>
-        <p:spPr>
-          <a:xfrm>
-            <a:off x="301004" y="1105428"/>
-            <a:ext cx="1351620" cy="923283"/>
-          </a:xfrm>
-          <a:prstGeom prst="rect">
-            <a:avLst/>
-          </a:prstGeom>
-          <a:solidFill>
-            <a:schemeClr val="bg1"/>
-          </a:solidFill>
-        </p:spPr>
-        <p:txBody>
-          <a:bodyPr wrap="none" lIns="91392" tIns="45697" rIns="91392" bIns="45697" rtlCol="0">
-            <a:spAutoFit/>
-          </a:bodyPr>
-          <a:lstStyle/>
-          <a:p>
-            <a:pPr algn="ctr" defTabSz="914400"/>
-            <a:r>
-              <a:rPr lang="en-US" b="1">
-                <a:solidFill>
-                  <a:srgbClr val="FF0000"/>
-                </a:solidFill>
-              </a:rPr>
-              <a:t>Traditional</a:t>
-            </a:r>
-          </a:p>
-          <a:p>
-            <a:pPr algn="ctr" defTabSz="914400"/>
-            <a:r>
-              <a:rPr lang="en-US" b="1">
-                <a:solidFill>
-                  <a:srgbClr val="FF0000"/>
-                </a:solidFill>
-              </a:rPr>
-              <a:t>HPC</a:t>
-            </a:r>
-          </a:p>
-          <a:p>
-            <a:pPr algn="ctr" defTabSz="914400"/>
-            <a:r>
-              <a:rPr lang="en-US" b="1">
-                <a:solidFill>
-                  <a:srgbClr val="FF0000"/>
-                </a:solidFill>
-              </a:rPr>
-              <a:t>Systems</a:t>
-            </a:r>
-          </a:p>
-        </p:txBody>
-      </p:sp>
-      <p:cxnSp>
-        <p:nvCxnSpPr>
-          <p:cNvPr id="14" name="Straight Arrow Connector 13"/>
-          <p:cNvCxnSpPr/>
-          <p:nvPr/>
-        </p:nvCxnSpPr>
-        <p:spPr>
-          <a:xfrm>
-            <a:off x="984865" y="1807635"/>
-            <a:ext cx="777524" cy="592827"/>
-          </a:xfrm>
-          <a:prstGeom prst="straightConnector1">
-            <a:avLst/>
-          </a:prstGeom>
-          <a:ln>
-            <a:solidFill>
-              <a:srgbClr val="FF0000"/>
-            </a:solidFill>
-            <a:tailEnd type="arrow"/>
-          </a:ln>
-        </p:spPr>
-        <p:style>
-          <a:lnRef idx="2">
-            <a:schemeClr val="accent1"/>
-          </a:lnRef>
-          <a:fillRef idx="0">
-            <a:schemeClr val="accent1"/>
-          </a:fillRef>
-          <a:effectRef idx="1">
-            <a:schemeClr val="accent1"/>
-          </a:effectRef>
-          <a:fontRef idx="minor">
-            <a:schemeClr val="tx1"/>
-          </a:fontRef>
-        </p:style>
-      </p:cxnSp>
-      <p:sp>
-        <p:nvSpPr>
-          <p:cNvPr id="15" name="Rectangle 14"/>
-          <p:cNvSpPr/>
-          <p:nvPr/>
-        </p:nvSpPr>
-        <p:spPr>
-          <a:xfrm>
-            <a:off x="1854438" y="1399460"/>
-            <a:ext cx="4313917" cy="2789201"/>
-          </a:xfrm>
-          <a:prstGeom prst="rect">
-            <a:avLst/>
-          </a:prstGeom>
-          <a:noFill/>
-          <a:ln w="38100" cmpd="sng">
-            <a:solidFill>
-              <a:srgbClr val="008000"/>
-            </a:solidFill>
-          </a:ln>
-        </p:spPr>
-        <p:style>
-          <a:lnRef idx="1">
-            <a:schemeClr val="accent1"/>
-          </a:lnRef>
-          <a:fillRef idx="3">
-            <a:schemeClr val="accent1"/>
-          </a:fillRef>
-          <a:effectRef idx="2">
-            <a:schemeClr val="accent1"/>
-          </a:effectRef>
-          <a:fontRef idx="minor">
-            <a:schemeClr val="lt1"/>
-          </a:fontRef>
-        </p:style>
-        <p:txBody>
-          <a:bodyPr lIns="91392" tIns="45697" rIns="91392" bIns="45697" rtlCol="0" anchor="ctr"/>
-          <a:lstStyle/>
-          <a:p>
-            <a:pPr algn="ctr" defTabSz="914400"/>
-            <a:endParaRPr lang="en-US">
-              <a:solidFill>
-                <a:srgbClr val="008000"/>
-              </a:solidFill>
-            </a:endParaRPr>
-          </a:p>
-        </p:txBody>
-      </p:sp>
-    </p:spTree>
-    <p:extLst>
-      <p:ext uri="{BB962C8B-B14F-4D97-AF65-F5344CB8AC3E}">
-        <p14:creationId xmlns:p14="http://schemas.microsoft.com/office/powerpoint/2010/main" val="3405923211"/>
-      </p:ext>
-    </p:extLst>
-  </p:cSld>
-  <p:clrMapOvr>
-    <a:masterClrMapping/>
-  </p:clrMapOvr>
-  <mc:AlternateContent xmlns:mc="http://schemas.openxmlformats.org/markup-compatibility/2006" xmlns:p14="http://schemas.microsoft.com/office/powerpoint/2010/main">
-    <mc:Choice Requires="p14">
-      <p:transition p14:dur="250">
-        <p:fade/>
-      </p:transition>
-    </mc:Choice>
-    <mc:Fallback xmlns="">
-      <p:transition>
-        <p:fade/>
-      </p:transition>
-    </mc:Fallback>
-  </mc:AlternateContent>
-  <p:timing>
-    <p:tnLst>
-      <p:par>
-        <p:cTn id="1" dur="indefinite" restart="never" nodeType="tmRoot"/>
-      </p:par>
-    </p:tnLst>
-  </p:timing>
-</p:sld>
-</file>
-
-<file path=ppt/slides/slide26.xml><?xml version="1.0" encoding="utf-8"?>
-<p:sld xmlns:a="http://schemas.openxmlformats.org/drawingml/2006/main" xmlns:r="http://schemas.openxmlformats.org/officeDocument/2006/relationships" xmlns:p="http://schemas.openxmlformats.org/presentationml/2006/main">
-  <p:cSld>
-    <p:spTree>
-      <p:nvGrpSpPr>
-        <p:cNvPr id="1" name=""/>
-        <p:cNvGrpSpPr/>
-        <p:nvPr/>
-      </p:nvGrpSpPr>
-      <p:grpSpPr>
-        <a:xfrm>
-          <a:off x="0" y="0"/>
-          <a:ext cx="0" cy="0"/>
-          <a:chOff x="0" y="0"/>
-          <a:chExt cx="0" cy="0"/>
-        </a:xfrm>
-      </p:grpSpPr>
-      <p:sp>
-        <p:nvSpPr>
-          <p:cNvPr id="2" name="Title 1"/>
-          <p:cNvSpPr>
-            <a:spLocks noGrp="1"/>
-          </p:cNvSpPr>
-          <p:nvPr>
-            <p:ph type="title"/>
-          </p:nvPr>
-        </p:nvSpPr>
-        <p:spPr/>
-        <p:txBody>
-          <a:bodyPr/>
-          <a:lstStyle/>
-          <a:p>
-            <a:r>
-              <a:rPr lang="en-US" dirty="0" smtClean="0"/>
-              <a:t>Directions for future work</a:t>
-            </a:r>
-            <a:endParaRPr lang="en-US" dirty="0"/>
-          </a:p>
-        </p:txBody>
-      </p:sp>
-      <p:sp>
-        <p:nvSpPr>
-          <p:cNvPr id="3" name="Content Placeholder 2"/>
-          <p:cNvSpPr>
-            <a:spLocks noGrp="1"/>
-          </p:cNvSpPr>
-          <p:nvPr>
-            <p:ph idx="1"/>
-          </p:nvPr>
-        </p:nvSpPr>
-        <p:spPr/>
-        <p:txBody>
-          <a:bodyPr/>
-          <a:lstStyle/>
-          <a:p>
-            <a:r>
-              <a:rPr lang="en-US" dirty="0" smtClean="0"/>
-              <a:t>General training workflows have been addressed by CANDLE</a:t>
-            </a:r>
-          </a:p>
-          <a:p>
-            <a:r>
-              <a:rPr lang="en-US" dirty="0" smtClean="0"/>
-              <a:t>Tighter integration between workflow system and ML systems</a:t>
-            </a:r>
-          </a:p>
-          <a:p>
-            <a:pPr lvl="1"/>
-            <a:r>
-              <a:rPr lang="en-US" dirty="0" smtClean="0"/>
-              <a:t>What to run</a:t>
-            </a:r>
-          </a:p>
-          <a:p>
-            <a:pPr lvl="1"/>
-            <a:r>
-              <a:rPr lang="en-US" dirty="0" smtClean="0"/>
-              <a:t>Where to run</a:t>
-            </a:r>
-          </a:p>
-          <a:p>
-            <a:pPr lvl="1"/>
-            <a:r>
-              <a:rPr lang="en-US" dirty="0" smtClean="0"/>
-              <a:t>Priority </a:t>
-            </a:r>
-          </a:p>
-          <a:p>
-            <a:pPr lvl="1"/>
-            <a:r>
-              <a:rPr lang="en-US" dirty="0" smtClean="0"/>
-              <a:t>How to run</a:t>
-            </a:r>
-          </a:p>
-          <a:p>
-            <a:pPr lvl="1"/>
-            <a:endParaRPr lang="en-US" dirty="0" smtClean="0"/>
-          </a:p>
-          <a:p>
-            <a:r>
-              <a:rPr lang="en-US" dirty="0" smtClean="0"/>
-              <a:t>Integration with experimental and sensor-driven workflows</a:t>
-            </a:r>
-          </a:p>
-          <a:p>
-            <a:r>
-              <a:rPr lang="en-US" dirty="0" smtClean="0"/>
-              <a:t>Integration with coupled simulation-analysis-learning workflows</a:t>
-            </a:r>
-          </a:p>
-          <a:p>
-            <a:endParaRPr lang="en-US" dirty="0"/>
-          </a:p>
-        </p:txBody>
-      </p:sp>
-      <p:sp>
-        <p:nvSpPr>
-          <p:cNvPr id="4" name="Text Placeholder 3"/>
-          <p:cNvSpPr>
-            <a:spLocks noGrp="1"/>
-          </p:cNvSpPr>
-          <p:nvPr>
-            <p:ph type="body" sz="quarter" idx="12"/>
-          </p:nvPr>
-        </p:nvSpPr>
-        <p:spPr/>
-        <p:txBody>
-          <a:bodyPr/>
-          <a:lstStyle/>
-          <a:p>
-            <a:endParaRPr lang="en-US" dirty="0"/>
-          </a:p>
-        </p:txBody>
-      </p:sp>
-      <p:sp>
-        <p:nvSpPr>
-          <p:cNvPr id="5" name="Slide Number Placeholder 4"/>
-          <p:cNvSpPr>
-            <a:spLocks noGrp="1"/>
-          </p:cNvSpPr>
-          <p:nvPr>
-            <p:ph type="sldNum" sz="quarter" idx="13"/>
-          </p:nvPr>
-        </p:nvSpPr>
-        <p:spPr/>
-        <p:txBody>
-          <a:bodyPr/>
-          <a:lstStyle/>
-          <a:p>
-            <a:fld id="{AEFAAC5A-9C4F-4278-920D-DF2BAB595749}" type="slidenum">
-              <a:rPr lang="en-US" smtClean="0"/>
-              <a:pPr/>
-              <a:t>26</a:t>
-            </a:fld>
-            <a:endParaRPr lang="en-US" dirty="0"/>
-          </a:p>
-        </p:txBody>
-      </p:sp>
-    </p:spTree>
-    <p:extLst>
-      <p:ext uri="{BB962C8B-B14F-4D97-AF65-F5344CB8AC3E}">
-        <p14:creationId xmlns:p14="http://schemas.microsoft.com/office/powerpoint/2010/main" val="208296944"/>
-      </p:ext>
-    </p:extLst>
-  </p:cSld>
-  <p:clrMapOvr>
-    <a:masterClrMapping/>
-  </p:clrMapOvr>
-  <mc:AlternateContent xmlns:mc="http://schemas.openxmlformats.org/markup-compatibility/2006" xmlns:p14="http://schemas.microsoft.com/office/powerpoint/2010/main">
-    <mc:Choice Requires="p14">
-      <p:transition p14:dur="250">
-        <p:fade/>
-      </p:transition>
-    </mc:Choice>
-    <mc:Fallback xmlns="">
-      <p:transition>
-        <p:fade/>
-      </p:transition>
-    </mc:Fallback>
-  </mc:AlternateContent>
-  <p:timing>
-    <p:tnLst>
-      <p:par>
-        <p:cTn id="1" dur="indefinite" restart="never" nodeType="tmRoot"/>
-      </p:par>
-    </p:tnLst>
-  </p:timing>
-</p:sld>
-</file>
-
-<file path=ppt/slides/slide27.xml><?xml version="1.0" encoding="utf-8"?>
-<p:sld xmlns:a="http://schemas.openxmlformats.org/drawingml/2006/main" xmlns:r="http://schemas.openxmlformats.org/officeDocument/2006/relationships" xmlns:p="http://schemas.openxmlformats.org/presentationml/2006/main">
-  <p:cSld>
-    <p:spTree>
-      <p:nvGrpSpPr>
-        <p:cNvPr id="1" name=""/>
-        <p:cNvGrpSpPr/>
-        <p:nvPr/>
-      </p:nvGrpSpPr>
-      <p:grpSpPr>
-        <a:xfrm>
-          <a:off x="0" y="0"/>
-          <a:ext cx="0" cy="0"/>
-          <a:chOff x="0" y="0"/>
-          <a:chExt cx="0" cy="0"/>
-        </a:xfrm>
-      </p:grpSpPr>
-      <p:sp>
-        <p:nvSpPr>
-          <p:cNvPr id="2" name="Title 1"/>
-          <p:cNvSpPr>
-            <a:spLocks noGrp="1"/>
-          </p:cNvSpPr>
-          <p:nvPr>
-            <p:ph type="title"/>
-          </p:nvPr>
-        </p:nvSpPr>
-        <p:spPr/>
-        <p:txBody>
-          <a:bodyPr/>
-          <a:lstStyle/>
-          <a:p>
-            <a:r>
-              <a:rPr lang="en-US" dirty="0" smtClean="0"/>
-              <a:t>Idealized ML Supercomputer</a:t>
-            </a:r>
-            <a:endParaRPr lang="en-US" dirty="0"/>
-          </a:p>
-        </p:txBody>
-      </p:sp>
-      <p:sp>
-        <p:nvSpPr>
-          <p:cNvPr id="3" name="Content Placeholder 2"/>
-          <p:cNvSpPr>
-            <a:spLocks noGrp="1"/>
-          </p:cNvSpPr>
-          <p:nvPr>
-            <p:ph idx="1"/>
-          </p:nvPr>
-        </p:nvSpPr>
-        <p:spPr>
-          <a:xfrm>
-            <a:off x="457201" y="1408346"/>
-            <a:ext cx="4178743" cy="3636840"/>
-          </a:xfrm>
-        </p:spPr>
-        <p:txBody>
-          <a:bodyPr/>
-          <a:lstStyle/>
-          <a:p>
-            <a:r>
-              <a:rPr lang="en-US" dirty="0" smtClean="0"/>
-              <a:t>Varying compute node accelerators:</a:t>
-            </a:r>
-            <a:br>
-              <a:rPr lang="en-US" dirty="0" smtClean="0"/>
-            </a:br>
-            <a:r>
-              <a:rPr lang="en-US" dirty="0" smtClean="0"/>
-              <a:t>accessible in shared modes, </a:t>
-            </a:r>
-            <a:br>
-              <a:rPr lang="en-US" dirty="0" smtClean="0"/>
-            </a:br>
-            <a:r>
-              <a:rPr lang="en-US" dirty="0" smtClean="0"/>
-              <a:t>capable of RDMA communication</a:t>
-            </a:r>
-          </a:p>
-          <a:p>
-            <a:r>
-              <a:rPr lang="en-US" dirty="0" smtClean="0"/>
-              <a:t>Varying networks with placement groups (cheaper?)</a:t>
-            </a:r>
-          </a:p>
-          <a:p>
-            <a:r>
-              <a:rPr lang="en-US" dirty="0" smtClean="0"/>
-              <a:t>Fast, direct external connections to external supercomputers and data streams</a:t>
-            </a:r>
-          </a:p>
-          <a:p>
-            <a:r>
-              <a:rPr lang="en-US" dirty="0" smtClean="0"/>
-              <a:t>Workflow-optimized data movement, task assignment to resources</a:t>
-            </a:r>
-          </a:p>
-          <a:p>
-            <a:r>
-              <a:rPr lang="en-US" dirty="0" smtClean="0"/>
-              <a:t>Scheduler features for bursty workloads, resource assignment</a:t>
-            </a:r>
-          </a:p>
-          <a:p>
-            <a:endParaRPr lang="en-US" dirty="0"/>
-          </a:p>
-        </p:txBody>
-      </p:sp>
-      <p:sp>
-        <p:nvSpPr>
-          <p:cNvPr id="4" name="Text Placeholder 3"/>
-          <p:cNvSpPr>
-            <a:spLocks noGrp="1"/>
-          </p:cNvSpPr>
-          <p:nvPr>
-            <p:ph type="body" sz="quarter" idx="12"/>
-          </p:nvPr>
-        </p:nvSpPr>
-        <p:spPr/>
-        <p:txBody>
-          <a:bodyPr/>
-          <a:lstStyle/>
-          <a:p>
-            <a:r>
-              <a:rPr lang="en-US" dirty="0" smtClean="0"/>
-              <a:t>Embracing heterogeneity</a:t>
-            </a:r>
-            <a:endParaRPr lang="en-US" dirty="0"/>
-          </a:p>
-        </p:txBody>
-      </p:sp>
-      <p:sp>
-        <p:nvSpPr>
-          <p:cNvPr id="5" name="Slide Number Placeholder 4"/>
-          <p:cNvSpPr>
-            <a:spLocks noGrp="1"/>
-          </p:cNvSpPr>
-          <p:nvPr>
-            <p:ph type="sldNum" sz="quarter" idx="13"/>
-          </p:nvPr>
-        </p:nvSpPr>
-        <p:spPr/>
-        <p:txBody>
-          <a:bodyPr/>
-          <a:lstStyle/>
-          <a:p>
-            <a:fld id="{AEFAAC5A-9C4F-4278-920D-DF2BAB595749}" type="slidenum">
-              <a:rPr lang="en-US" smtClean="0"/>
-              <a:pPr/>
-              <a:t>27</a:t>
-            </a:fld>
-            <a:endParaRPr lang="en-US" dirty="0"/>
-          </a:p>
-        </p:txBody>
-      </p:sp>
-      <p:sp>
-        <p:nvSpPr>
-          <p:cNvPr id="7" name="Rectangle 6"/>
-          <p:cNvSpPr/>
-          <p:nvPr/>
-        </p:nvSpPr>
-        <p:spPr>
-          <a:xfrm>
-            <a:off x="4635944" y="1393979"/>
-            <a:ext cx="2321169" cy="2346747"/>
-          </a:xfrm>
-          <a:prstGeom prst="rect">
-            <a:avLst/>
-          </a:prstGeom>
-          <a:solidFill>
-            <a:schemeClr val="tx2">
-              <a:lumMod val="20000"/>
-              <a:lumOff val="80000"/>
-            </a:schemeClr>
-          </a:solidFill>
-          <a:ln w="12700">
-            <a:solidFill>
-              <a:schemeClr val="tx2"/>
-            </a:solidFill>
-          </a:ln>
-          <a:effectLst>
-            <a:outerShdw blurRad="50800" dist="38100" dir="2700000" algn="tl" rotWithShape="0">
-              <a:prstClr val="black">
-                <a:alpha val="40000"/>
-              </a:prstClr>
-            </a:outerShdw>
-          </a:effectLst>
-        </p:spPr>
-        <p:style>
-          <a:lnRef idx="1">
-            <a:schemeClr val="accent1"/>
-          </a:lnRef>
-          <a:fillRef idx="3">
-            <a:schemeClr val="accent1"/>
-          </a:fillRef>
-          <a:effectRef idx="2">
-            <a:schemeClr val="accent1"/>
-          </a:effectRef>
-          <a:fontRef idx="minor">
-            <a:schemeClr val="lt1"/>
-          </a:fontRef>
-        </p:style>
-        <p:txBody>
-          <a:bodyPr rtlCol="0" anchor="ctr"/>
-          <a:lstStyle/>
-          <a:p>
-            <a:pPr algn="ctr"/>
-            <a:endParaRPr lang="en-US" dirty="0" smtClean="0"/>
-          </a:p>
-          <a:p>
-            <a:pPr algn="ctr"/>
-            <a:r>
-              <a:rPr lang="en-US" sz="5400" dirty="0" smtClean="0">
-                <a:solidFill>
-                  <a:schemeClr val="tx1"/>
-                </a:solidFill>
-              </a:rPr>
-              <a:t>…</a:t>
-            </a:r>
-            <a:endParaRPr lang="en-US" sz="5400" dirty="0">
-              <a:solidFill>
-                <a:schemeClr val="tx1"/>
-              </a:solidFill>
-            </a:endParaRPr>
-          </a:p>
-        </p:txBody>
-      </p:sp>
-      <p:sp>
-        <p:nvSpPr>
-          <p:cNvPr id="9" name="Rectangle 8"/>
-          <p:cNvSpPr/>
-          <p:nvPr/>
-        </p:nvSpPr>
-        <p:spPr>
-          <a:xfrm>
-            <a:off x="4788345" y="1483502"/>
-            <a:ext cx="1944964" cy="517947"/>
-          </a:xfrm>
-          <a:prstGeom prst="rect">
-            <a:avLst/>
-          </a:prstGeom>
-          <a:solidFill>
-            <a:schemeClr val="tx2">
-              <a:lumMod val="40000"/>
-              <a:lumOff val="60000"/>
-            </a:schemeClr>
-          </a:solidFill>
-          <a:ln w="12700">
-            <a:solidFill>
-              <a:schemeClr val="tx2"/>
-            </a:solidFill>
-          </a:ln>
-          <a:effectLst>
-            <a:outerShdw blurRad="50800" dist="38100" dir="2700000" algn="tl" rotWithShape="0">
-              <a:prstClr val="black">
-                <a:alpha val="40000"/>
-              </a:prstClr>
-            </a:outerShdw>
-          </a:effectLst>
-        </p:spPr>
-        <p:style>
-          <a:lnRef idx="1">
-            <a:schemeClr val="accent1"/>
-          </a:lnRef>
-          <a:fillRef idx="3">
-            <a:schemeClr val="accent1"/>
-          </a:fillRef>
-          <a:effectRef idx="2">
-            <a:schemeClr val="accent1"/>
-          </a:effectRef>
-          <a:fontRef idx="minor">
-            <a:schemeClr val="lt1"/>
-          </a:fontRef>
-        </p:style>
-        <p:txBody>
-          <a:bodyPr rtlCol="0" anchor="ctr"/>
-          <a:lstStyle/>
-          <a:p>
-            <a:r>
-              <a:rPr lang="en-US" dirty="0" smtClean="0">
-                <a:solidFill>
-                  <a:schemeClr val="tx1"/>
-                </a:solidFill>
-              </a:rPr>
-              <a:t>Node 0: </a:t>
-            </a:r>
-            <a:endParaRPr lang="en-US" dirty="0">
-              <a:solidFill>
-                <a:schemeClr val="tx1"/>
-              </a:solidFill>
-            </a:endParaRPr>
-          </a:p>
-        </p:txBody>
-      </p:sp>
-      <p:sp>
-        <p:nvSpPr>
-          <p:cNvPr id="10" name="Rectangle 9"/>
-          <p:cNvSpPr/>
-          <p:nvPr/>
-        </p:nvSpPr>
-        <p:spPr>
-          <a:xfrm>
-            <a:off x="4788877" y="2077116"/>
-            <a:ext cx="1944964" cy="517947"/>
-          </a:xfrm>
-          <a:prstGeom prst="rect">
-            <a:avLst/>
-          </a:prstGeom>
-          <a:solidFill>
-            <a:schemeClr val="tx2">
-              <a:lumMod val="40000"/>
-              <a:lumOff val="60000"/>
-            </a:schemeClr>
-          </a:solidFill>
-          <a:ln w="12700">
-            <a:solidFill>
-              <a:schemeClr val="tx2"/>
-            </a:solidFill>
-          </a:ln>
-          <a:effectLst>
-            <a:outerShdw blurRad="50800" dist="38100" dir="2700000" algn="tl" rotWithShape="0">
-              <a:prstClr val="black">
-                <a:alpha val="40000"/>
-              </a:prstClr>
-            </a:outerShdw>
-          </a:effectLst>
-        </p:spPr>
-        <p:style>
-          <a:lnRef idx="1">
-            <a:schemeClr val="accent1"/>
-          </a:lnRef>
-          <a:fillRef idx="3">
-            <a:schemeClr val="accent1"/>
-          </a:fillRef>
-          <a:effectRef idx="2">
-            <a:schemeClr val="accent1"/>
-          </a:effectRef>
-          <a:fontRef idx="minor">
-            <a:schemeClr val="lt1"/>
-          </a:fontRef>
-        </p:style>
-        <p:txBody>
-          <a:bodyPr rtlCol="0" anchor="ctr"/>
-          <a:lstStyle/>
-          <a:p>
-            <a:r>
-              <a:rPr lang="en-US" dirty="0" smtClean="0">
-                <a:solidFill>
-                  <a:schemeClr val="tx1"/>
-                </a:solidFill>
-              </a:rPr>
-              <a:t>Node 1: </a:t>
-            </a:r>
-            <a:endParaRPr lang="en-US" dirty="0">
-              <a:solidFill>
-                <a:schemeClr val="tx1"/>
-              </a:solidFill>
-            </a:endParaRPr>
-          </a:p>
-        </p:txBody>
-      </p:sp>
-      <p:sp>
-        <p:nvSpPr>
-          <p:cNvPr id="11" name="Rectangle 10"/>
-          <p:cNvSpPr/>
-          <p:nvPr/>
-        </p:nvSpPr>
-        <p:spPr>
-          <a:xfrm>
-            <a:off x="5850880" y="1559170"/>
-            <a:ext cx="812091" cy="346364"/>
-          </a:xfrm>
-          <a:prstGeom prst="rect">
-            <a:avLst/>
-          </a:prstGeom>
-          <a:solidFill>
-            <a:schemeClr val="tx2">
-              <a:lumMod val="60000"/>
-              <a:lumOff val="40000"/>
-            </a:schemeClr>
-          </a:solidFill>
-          <a:ln w="12700">
-            <a:solidFill>
-              <a:schemeClr val="tx2"/>
-            </a:solidFill>
-          </a:ln>
-          <a:effectLst>
-            <a:outerShdw blurRad="50800" dist="38100" dir="2700000" algn="tl" rotWithShape="0">
-              <a:prstClr val="black">
-                <a:alpha val="40000"/>
-              </a:prstClr>
-            </a:outerShdw>
-          </a:effectLst>
-        </p:spPr>
-        <p:style>
-          <a:lnRef idx="1">
-            <a:schemeClr val="accent1"/>
-          </a:lnRef>
-          <a:fillRef idx="3">
-            <a:schemeClr val="accent1"/>
-          </a:fillRef>
-          <a:effectRef idx="2">
-            <a:schemeClr val="accent1"/>
-          </a:effectRef>
-          <a:fontRef idx="minor">
-            <a:schemeClr val="lt1"/>
-          </a:fontRef>
-        </p:style>
-        <p:txBody>
-          <a:bodyPr rtlCol="0" anchor="ctr"/>
-          <a:lstStyle/>
-          <a:p>
-            <a:pPr algn="ctr"/>
-            <a:r>
-              <a:rPr lang="en-US" dirty="0" smtClean="0">
-                <a:solidFill>
-                  <a:schemeClr val="tx1"/>
-                </a:solidFill>
-              </a:rPr>
-              <a:t>GPU</a:t>
-            </a:r>
-            <a:endParaRPr lang="en-US" dirty="0">
-              <a:solidFill>
-                <a:schemeClr val="tx1"/>
-              </a:solidFill>
-            </a:endParaRPr>
-          </a:p>
-        </p:txBody>
-      </p:sp>
-      <p:sp>
-        <p:nvSpPr>
-          <p:cNvPr id="12" name="Rectangle 11"/>
-          <p:cNvSpPr/>
-          <p:nvPr/>
-        </p:nvSpPr>
-        <p:spPr>
-          <a:xfrm>
-            <a:off x="5850880" y="2162907"/>
-            <a:ext cx="812091" cy="346364"/>
-          </a:xfrm>
-          <a:prstGeom prst="rect">
-            <a:avLst/>
-          </a:prstGeom>
-          <a:solidFill>
-            <a:schemeClr val="tx2">
-              <a:lumMod val="60000"/>
-              <a:lumOff val="40000"/>
-            </a:schemeClr>
-          </a:solidFill>
-          <a:ln w="12700">
-            <a:solidFill>
-              <a:schemeClr val="tx2"/>
-            </a:solidFill>
-          </a:ln>
-          <a:effectLst>
-            <a:outerShdw blurRad="50800" dist="38100" dir="2700000" algn="tl" rotWithShape="0">
-              <a:prstClr val="black">
-                <a:alpha val="40000"/>
-              </a:prstClr>
-            </a:outerShdw>
-          </a:effectLst>
-        </p:spPr>
-        <p:style>
-          <a:lnRef idx="1">
-            <a:schemeClr val="accent1"/>
-          </a:lnRef>
-          <a:fillRef idx="3">
-            <a:schemeClr val="accent1"/>
-          </a:fillRef>
-          <a:effectRef idx="2">
-            <a:schemeClr val="accent1"/>
-          </a:effectRef>
-          <a:fontRef idx="minor">
-            <a:schemeClr val="lt1"/>
-          </a:fontRef>
-        </p:style>
-        <p:txBody>
-          <a:bodyPr rtlCol="0" anchor="ctr"/>
-          <a:lstStyle/>
-          <a:p>
-            <a:pPr algn="ctr"/>
-            <a:r>
-              <a:rPr lang="en-US" dirty="0" smtClean="0">
-                <a:solidFill>
-                  <a:schemeClr val="tx1"/>
-                </a:solidFill>
-              </a:rPr>
-              <a:t>FPGA</a:t>
-            </a:r>
-            <a:endParaRPr lang="en-US" dirty="0">
-              <a:solidFill>
-                <a:schemeClr val="tx1"/>
-              </a:solidFill>
-            </a:endParaRPr>
-          </a:p>
-        </p:txBody>
-      </p:sp>
-      <p:sp>
-        <p:nvSpPr>
-          <p:cNvPr id="16" name="Flowchart: Magnetic Disk 15"/>
-          <p:cNvSpPr/>
-          <p:nvPr/>
-        </p:nvSpPr>
-        <p:spPr>
-          <a:xfrm>
-            <a:off x="4898115" y="3261126"/>
-            <a:ext cx="1835194" cy="377270"/>
-          </a:xfrm>
-          <a:prstGeom prst="flowChartMagneticDisk">
-            <a:avLst/>
-          </a:prstGeom>
-          <a:solidFill>
-            <a:schemeClr val="tx2">
-              <a:lumMod val="20000"/>
-              <a:lumOff val="80000"/>
-            </a:schemeClr>
-          </a:solidFill>
-          <a:ln w="12700">
-            <a:solidFill>
-              <a:schemeClr val="tx2"/>
-            </a:solidFill>
-          </a:ln>
-          <a:effectLst>
-            <a:outerShdw blurRad="50800" dist="38100" dir="2700000" algn="tl" rotWithShape="0">
-              <a:prstClr val="black">
-                <a:alpha val="40000"/>
-              </a:prstClr>
-            </a:outerShdw>
-          </a:effectLst>
-        </p:spPr>
-        <p:style>
-          <a:lnRef idx="1">
-            <a:schemeClr val="accent1"/>
-          </a:lnRef>
-          <a:fillRef idx="3">
-            <a:schemeClr val="accent1"/>
-          </a:fillRef>
-          <a:effectRef idx="2">
-            <a:schemeClr val="accent1"/>
-          </a:effectRef>
-          <a:fontRef idx="minor">
-            <a:schemeClr val="lt1"/>
-          </a:fontRef>
-        </p:style>
-        <p:txBody>
-          <a:bodyPr rot="0" spcFirstLastPara="0" vertOverflow="overflow" horzOverflow="overflow" vert="horz" wrap="square" lIns="91440" tIns="45720" rIns="91440" bIns="45720" numCol="1" spcCol="0" rtlCol="0" fromWordArt="0" anchor="ctr" anchorCtr="0" forceAA="0" compatLnSpc="1">
-            <a:prstTxWarp prst="textNoShape">
-              <a:avLst/>
-            </a:prstTxWarp>
-            <a:noAutofit/>
-          </a:bodyPr>
-          <a:lstStyle/>
-          <a:p>
-            <a:pPr algn="ctr"/>
-            <a:endParaRPr lang="en-US" dirty="0" smtClean="0">
-              <a:solidFill>
-                <a:schemeClr val="tx1"/>
-              </a:solidFill>
-            </a:endParaRPr>
-          </a:p>
-        </p:txBody>
-      </p:sp>
-      <p:sp>
-        <p:nvSpPr>
-          <p:cNvPr id="17" name="Flowchart: Magnetic Disk 16"/>
-          <p:cNvSpPr/>
-          <p:nvPr/>
-        </p:nvSpPr>
-        <p:spPr>
-          <a:xfrm>
-            <a:off x="4788877" y="3152420"/>
-            <a:ext cx="1757928" cy="377270"/>
-          </a:xfrm>
-          <a:prstGeom prst="flowChartMagneticDisk">
-            <a:avLst/>
-          </a:prstGeom>
-          <a:solidFill>
-            <a:schemeClr val="tx2">
-              <a:lumMod val="20000"/>
-              <a:lumOff val="80000"/>
-            </a:schemeClr>
-          </a:solidFill>
-          <a:ln w="12700">
-            <a:solidFill>
-              <a:schemeClr val="tx2"/>
-            </a:solidFill>
-          </a:ln>
-          <a:effectLst>
-            <a:outerShdw blurRad="50800" dist="38100" dir="2700000" algn="tl" rotWithShape="0">
-              <a:prstClr val="black">
-                <a:alpha val="40000"/>
-              </a:prstClr>
-            </a:outerShdw>
-          </a:effectLst>
-        </p:spPr>
-        <p:style>
-          <a:lnRef idx="1">
-            <a:schemeClr val="accent1"/>
-          </a:lnRef>
-          <a:fillRef idx="3">
-            <a:schemeClr val="accent1"/>
-          </a:fillRef>
-          <a:effectRef idx="2">
-            <a:schemeClr val="accent1"/>
-          </a:effectRef>
-          <a:fontRef idx="minor">
-            <a:schemeClr val="lt1"/>
-          </a:fontRef>
-        </p:style>
-        <p:txBody>
-          <a:bodyPr rot="0" spcFirstLastPara="0" vertOverflow="overflow" horzOverflow="overflow" vert="horz" wrap="square" lIns="91440" tIns="45720" rIns="91440" bIns="45720" numCol="1" spcCol="0" rtlCol="0" fromWordArt="0" anchor="ctr" anchorCtr="0" forceAA="0" compatLnSpc="1">
-            <a:prstTxWarp prst="textNoShape">
-              <a:avLst/>
-            </a:prstTxWarp>
-            <a:noAutofit/>
-          </a:bodyPr>
-          <a:lstStyle/>
-          <a:p>
-            <a:pPr algn="ctr"/>
-            <a:r>
-              <a:rPr lang="en-US" sz="1400" dirty="0" smtClean="0">
-                <a:solidFill>
-                  <a:schemeClr val="tx1"/>
-                </a:solidFill>
-              </a:rPr>
-              <a:t>Caches &amp; staging</a:t>
-            </a:r>
-          </a:p>
-        </p:txBody>
-      </p:sp>
-      <p:sp>
-        <p:nvSpPr>
-          <p:cNvPr id="19" name="Left Arrow 18"/>
-          <p:cNvSpPr/>
-          <p:nvPr/>
-        </p:nvSpPr>
-        <p:spPr>
-          <a:xfrm rot="5400000">
-            <a:off x="5525829" y="3716751"/>
-            <a:ext cx="418832" cy="179044"/>
-          </a:xfrm>
-          <a:prstGeom prst="leftArrow">
-            <a:avLst/>
-          </a:prstGeom>
-          <a:solidFill>
-            <a:schemeClr val="bg1"/>
-          </a:solidFill>
-          <a:ln w="12700">
-            <a:solidFill>
-              <a:schemeClr val="tx2"/>
-            </a:solidFill>
-          </a:ln>
-          <a:effectLst>
-            <a:outerShdw blurRad="50800" dist="38100" dir="2700000" algn="tl" rotWithShape="0">
-              <a:prstClr val="black">
-                <a:alpha val="40000"/>
-              </a:prstClr>
-            </a:outerShdw>
-          </a:effectLst>
-        </p:spPr>
-        <p:style>
-          <a:lnRef idx="1">
-            <a:schemeClr val="accent1"/>
-          </a:lnRef>
-          <a:fillRef idx="3">
-            <a:schemeClr val="accent1"/>
-          </a:fillRef>
-          <a:effectRef idx="2">
-            <a:schemeClr val="accent1"/>
-          </a:effectRef>
-          <a:fontRef idx="minor">
-            <a:schemeClr val="lt1"/>
-          </a:fontRef>
-        </p:style>
-        <p:txBody>
-          <a:bodyPr rot="0" spcFirstLastPara="0" vertOverflow="overflow" horzOverflow="overflow" vert="horz" wrap="square" lIns="91440" tIns="45720" rIns="91440" bIns="45720" numCol="1" spcCol="0" rtlCol="0" fromWordArt="0" anchor="ctr" anchorCtr="0" forceAA="0" compatLnSpc="1">
-            <a:prstTxWarp prst="textNoShape">
-              <a:avLst/>
-            </a:prstTxWarp>
-            <a:noAutofit/>
-          </a:bodyPr>
-          <a:lstStyle/>
-          <a:p>
-            <a:pPr algn="ctr"/>
-            <a:endParaRPr lang="en-US" dirty="0" smtClean="0">
-              <a:solidFill>
-                <a:schemeClr val="tx1"/>
-              </a:solidFill>
-            </a:endParaRPr>
-          </a:p>
-        </p:txBody>
-      </p:sp>
-      <p:sp>
-        <p:nvSpPr>
-          <p:cNvPr id="20" name="Left Arrow 19"/>
-          <p:cNvSpPr/>
-          <p:nvPr/>
-        </p:nvSpPr>
-        <p:spPr>
-          <a:xfrm rot="5400000">
-            <a:off x="5833283" y="3716751"/>
-            <a:ext cx="418832" cy="179044"/>
-          </a:xfrm>
-          <a:prstGeom prst="leftArrow">
-            <a:avLst/>
-          </a:prstGeom>
-          <a:solidFill>
-            <a:schemeClr val="bg1"/>
-          </a:solidFill>
-          <a:ln w="12700">
-            <a:solidFill>
-              <a:schemeClr val="tx2"/>
-            </a:solidFill>
-          </a:ln>
-          <a:effectLst>
-            <a:outerShdw blurRad="50800" dist="38100" dir="2700000" algn="tl" rotWithShape="0">
-              <a:prstClr val="black">
-                <a:alpha val="40000"/>
-              </a:prstClr>
-            </a:outerShdw>
-          </a:effectLst>
-        </p:spPr>
-        <p:style>
-          <a:lnRef idx="1">
-            <a:schemeClr val="accent1"/>
-          </a:lnRef>
-          <a:fillRef idx="3">
-            <a:schemeClr val="accent1"/>
-          </a:fillRef>
-          <a:effectRef idx="2">
-            <a:schemeClr val="accent1"/>
-          </a:effectRef>
-          <a:fontRef idx="minor">
-            <a:schemeClr val="lt1"/>
-          </a:fontRef>
-        </p:style>
-        <p:txBody>
-          <a:bodyPr rot="0" spcFirstLastPara="0" vertOverflow="overflow" horzOverflow="overflow" vert="horz" wrap="square" lIns="91440" tIns="45720" rIns="91440" bIns="45720" numCol="1" spcCol="0" rtlCol="0" fromWordArt="0" anchor="ctr" anchorCtr="0" forceAA="0" compatLnSpc="1">
-            <a:prstTxWarp prst="textNoShape">
-              <a:avLst/>
-            </a:prstTxWarp>
-            <a:noAutofit/>
-          </a:bodyPr>
-          <a:lstStyle/>
-          <a:p>
-            <a:pPr algn="ctr"/>
-            <a:endParaRPr lang="en-US" dirty="0" smtClean="0">
-              <a:solidFill>
-                <a:schemeClr val="tx1"/>
-              </a:solidFill>
-            </a:endParaRPr>
-          </a:p>
-        </p:txBody>
-      </p:sp>
-      <p:sp>
-        <p:nvSpPr>
-          <p:cNvPr id="21" name="Left Arrow 20"/>
-          <p:cNvSpPr/>
-          <p:nvPr/>
-        </p:nvSpPr>
-        <p:spPr>
-          <a:xfrm rot="5400000">
-            <a:off x="5243409" y="3716751"/>
-            <a:ext cx="418832" cy="179044"/>
-          </a:xfrm>
-          <a:prstGeom prst="leftArrow">
-            <a:avLst/>
-          </a:prstGeom>
-          <a:solidFill>
-            <a:schemeClr val="bg1"/>
-          </a:solidFill>
-          <a:ln w="12700">
-            <a:solidFill>
-              <a:schemeClr val="tx2"/>
-            </a:solidFill>
-          </a:ln>
-          <a:effectLst>
-            <a:outerShdw blurRad="50800" dist="38100" dir="2700000" algn="tl" rotWithShape="0">
-              <a:prstClr val="black">
-                <a:alpha val="40000"/>
-              </a:prstClr>
-            </a:outerShdw>
-          </a:effectLst>
-        </p:spPr>
-        <p:style>
-          <a:lnRef idx="1">
-            <a:schemeClr val="accent1"/>
-          </a:lnRef>
-          <a:fillRef idx="3">
-            <a:schemeClr val="accent1"/>
-          </a:fillRef>
-          <a:effectRef idx="2">
-            <a:schemeClr val="accent1"/>
-          </a:effectRef>
-          <a:fontRef idx="minor">
-            <a:schemeClr val="lt1"/>
-          </a:fontRef>
-        </p:style>
-        <p:txBody>
-          <a:bodyPr rot="0" spcFirstLastPara="0" vertOverflow="overflow" horzOverflow="overflow" vert="horz" wrap="square" lIns="91440" tIns="45720" rIns="91440" bIns="45720" numCol="1" spcCol="0" rtlCol="0" fromWordArt="0" anchor="ctr" anchorCtr="0" forceAA="0" compatLnSpc="1">
-            <a:prstTxWarp prst="textNoShape">
-              <a:avLst/>
-            </a:prstTxWarp>
-            <a:noAutofit/>
-          </a:bodyPr>
-          <a:lstStyle/>
-          <a:p>
-            <a:pPr algn="ctr"/>
-            <a:endParaRPr lang="en-US" dirty="0" smtClean="0">
-              <a:solidFill>
-                <a:schemeClr val="tx1"/>
-              </a:solidFill>
-            </a:endParaRPr>
-          </a:p>
-        </p:txBody>
-      </p:sp>
-      <p:sp>
-        <p:nvSpPr>
-          <p:cNvPr id="18" name="Flowchart: Magnetic Disk 17"/>
-          <p:cNvSpPr/>
-          <p:nvPr/>
-        </p:nvSpPr>
-        <p:spPr>
-          <a:xfrm>
-            <a:off x="4635943" y="3880338"/>
-            <a:ext cx="4380166" cy="563773"/>
-          </a:xfrm>
-          <a:prstGeom prst="flowChartMagneticDisk">
-            <a:avLst/>
-          </a:prstGeom>
-          <a:solidFill>
-            <a:schemeClr val="tx2">
-              <a:lumMod val="20000"/>
-              <a:lumOff val="80000"/>
-            </a:schemeClr>
-          </a:solidFill>
-          <a:ln w="12700">
-            <a:solidFill>
-              <a:schemeClr val="tx2"/>
-            </a:solidFill>
-          </a:ln>
-          <a:effectLst>
-            <a:outerShdw blurRad="50800" dist="38100" dir="2700000" algn="tl" rotWithShape="0">
-              <a:prstClr val="black">
-                <a:alpha val="40000"/>
-              </a:prstClr>
-            </a:outerShdw>
-          </a:effectLst>
-        </p:spPr>
-        <p:style>
-          <a:lnRef idx="1">
-            <a:schemeClr val="accent1"/>
-          </a:lnRef>
-          <a:fillRef idx="3">
-            <a:schemeClr val="accent1"/>
-          </a:fillRef>
-          <a:effectRef idx="2">
-            <a:schemeClr val="accent1"/>
-          </a:effectRef>
-          <a:fontRef idx="minor">
-            <a:schemeClr val="lt1"/>
-          </a:fontRef>
-        </p:style>
-        <p:txBody>
-          <a:bodyPr rot="0" spcFirstLastPara="0" vertOverflow="overflow" horzOverflow="overflow" vert="horz" wrap="square" lIns="91440" tIns="45720" rIns="91440" bIns="45720" numCol="1" spcCol="0" rtlCol="0" fromWordArt="0" anchor="ctr" anchorCtr="0" forceAA="0" compatLnSpc="1">
-            <a:prstTxWarp prst="textNoShape">
-              <a:avLst/>
-            </a:prstTxWarp>
-            <a:noAutofit/>
-          </a:bodyPr>
-          <a:lstStyle/>
-          <a:p>
-            <a:pPr algn="ctr"/>
-            <a:r>
-              <a:rPr lang="en-US" sz="1400" dirty="0" smtClean="0">
-                <a:solidFill>
-                  <a:schemeClr val="tx1"/>
-                </a:solidFill>
-              </a:rPr>
-              <a:t>“Normal” PFS</a:t>
-            </a:r>
-          </a:p>
-        </p:txBody>
-      </p:sp>
-      <p:sp>
-        <p:nvSpPr>
-          <p:cNvPr id="22" name="Left Arrow 21"/>
-          <p:cNvSpPr/>
-          <p:nvPr/>
-        </p:nvSpPr>
-        <p:spPr>
-          <a:xfrm rot="-5400000">
-            <a:off x="7465729" y="3246492"/>
-            <a:ext cx="1231456" cy="179044"/>
-          </a:xfrm>
-          <a:prstGeom prst="leftArrow">
-            <a:avLst/>
-          </a:prstGeom>
-          <a:solidFill>
-            <a:schemeClr val="bg1"/>
-          </a:solidFill>
-          <a:ln w="12700">
-            <a:solidFill>
-              <a:schemeClr val="tx2"/>
-            </a:solidFill>
-          </a:ln>
-          <a:effectLst>
-            <a:outerShdw blurRad="50800" dist="38100" dir="2700000" algn="tl" rotWithShape="0">
-              <a:prstClr val="black">
-                <a:alpha val="40000"/>
-              </a:prstClr>
-            </a:outerShdw>
-          </a:effectLst>
-        </p:spPr>
-        <p:style>
-          <a:lnRef idx="1">
-            <a:schemeClr val="accent1"/>
-          </a:lnRef>
-          <a:fillRef idx="3">
-            <a:schemeClr val="accent1"/>
-          </a:fillRef>
-          <a:effectRef idx="2">
-            <a:schemeClr val="accent1"/>
-          </a:effectRef>
-          <a:fontRef idx="minor">
-            <a:schemeClr val="lt1"/>
-          </a:fontRef>
-        </p:style>
-        <p:txBody>
-          <a:bodyPr rot="0" spcFirstLastPara="0" vertOverflow="overflow" horzOverflow="overflow" vert="horz" wrap="square" lIns="91440" tIns="45720" rIns="91440" bIns="45720" numCol="1" spcCol="0" rtlCol="0" fromWordArt="0" anchor="ctr" anchorCtr="0" forceAA="0" compatLnSpc="1">
-            <a:prstTxWarp prst="textNoShape">
-              <a:avLst/>
-            </a:prstTxWarp>
-            <a:noAutofit/>
-          </a:bodyPr>
-          <a:lstStyle/>
-          <a:p>
-            <a:pPr algn="ctr"/>
-            <a:endParaRPr lang="en-US" dirty="0" smtClean="0">
-              <a:solidFill>
-                <a:schemeClr val="tx1"/>
-              </a:solidFill>
-            </a:endParaRPr>
-          </a:p>
-        </p:txBody>
-      </p:sp>
-      <p:sp>
-        <p:nvSpPr>
-          <p:cNvPr id="23" name="Left Arrow 22"/>
-          <p:cNvSpPr/>
-          <p:nvPr/>
-        </p:nvSpPr>
-        <p:spPr>
-          <a:xfrm rot="-5400000">
-            <a:off x="7773183" y="3246492"/>
-            <a:ext cx="1231456" cy="179044"/>
-          </a:xfrm>
-          <a:prstGeom prst="leftArrow">
-            <a:avLst/>
-          </a:prstGeom>
-          <a:solidFill>
-            <a:schemeClr val="bg1"/>
-          </a:solidFill>
-          <a:ln w="12700">
-            <a:solidFill>
-              <a:schemeClr val="tx2"/>
-            </a:solidFill>
-          </a:ln>
-          <a:effectLst>
-            <a:outerShdw blurRad="50800" dist="38100" dir="2700000" algn="tl" rotWithShape="0">
-              <a:prstClr val="black">
-                <a:alpha val="40000"/>
-              </a:prstClr>
-            </a:outerShdw>
-          </a:effectLst>
-        </p:spPr>
-        <p:style>
-          <a:lnRef idx="1">
-            <a:schemeClr val="accent1"/>
-          </a:lnRef>
-          <a:fillRef idx="3">
-            <a:schemeClr val="accent1"/>
-          </a:fillRef>
-          <a:effectRef idx="2">
-            <a:schemeClr val="accent1"/>
-          </a:effectRef>
-          <a:fontRef idx="minor">
-            <a:schemeClr val="lt1"/>
-          </a:fontRef>
-        </p:style>
-        <p:txBody>
-          <a:bodyPr rot="0" spcFirstLastPara="0" vertOverflow="overflow" horzOverflow="overflow" vert="horz" wrap="square" lIns="91440" tIns="45720" rIns="91440" bIns="45720" numCol="1" spcCol="0" rtlCol="0" fromWordArt="0" anchor="ctr" anchorCtr="0" forceAA="0" compatLnSpc="1">
-            <a:prstTxWarp prst="textNoShape">
-              <a:avLst/>
-            </a:prstTxWarp>
-            <a:noAutofit/>
-          </a:bodyPr>
-          <a:lstStyle/>
-          <a:p>
-            <a:pPr algn="ctr"/>
-            <a:endParaRPr lang="en-US" dirty="0" smtClean="0">
-              <a:solidFill>
-                <a:schemeClr val="tx1"/>
-              </a:solidFill>
-            </a:endParaRPr>
-          </a:p>
-        </p:txBody>
-      </p:sp>
-      <p:sp>
-        <p:nvSpPr>
-          <p:cNvPr id="24" name="Left Arrow 23"/>
-          <p:cNvSpPr/>
-          <p:nvPr/>
-        </p:nvSpPr>
-        <p:spPr>
-          <a:xfrm rot="-5400000">
-            <a:off x="7183309" y="3246492"/>
-            <a:ext cx="1231456" cy="179044"/>
-          </a:xfrm>
-          <a:prstGeom prst="leftArrow">
-            <a:avLst/>
-          </a:prstGeom>
-          <a:solidFill>
-            <a:schemeClr val="bg1"/>
-          </a:solidFill>
-          <a:ln w="12700">
-            <a:solidFill>
-              <a:schemeClr val="tx2"/>
-            </a:solidFill>
-          </a:ln>
-          <a:effectLst>
-            <a:outerShdw blurRad="50800" dist="38100" dir="2700000" algn="tl" rotWithShape="0">
-              <a:prstClr val="black">
-                <a:alpha val="40000"/>
-              </a:prstClr>
-            </a:outerShdw>
-          </a:effectLst>
-        </p:spPr>
-        <p:style>
-          <a:lnRef idx="1">
-            <a:schemeClr val="accent1"/>
-          </a:lnRef>
-          <a:fillRef idx="3">
-            <a:schemeClr val="accent1"/>
-          </a:fillRef>
-          <a:effectRef idx="2">
-            <a:schemeClr val="accent1"/>
-          </a:effectRef>
-          <a:fontRef idx="minor">
-            <a:schemeClr val="lt1"/>
-          </a:fontRef>
-        </p:style>
-        <p:txBody>
-          <a:bodyPr rot="0" spcFirstLastPara="0" vertOverflow="overflow" horzOverflow="overflow" vert="horz" wrap="square" lIns="91440" tIns="45720" rIns="91440" bIns="45720" numCol="1" spcCol="0" rtlCol="0" fromWordArt="0" anchor="ctr" anchorCtr="0" forceAA="0" compatLnSpc="1">
-            <a:prstTxWarp prst="textNoShape">
-              <a:avLst/>
-            </a:prstTxWarp>
-            <a:noAutofit/>
-          </a:bodyPr>
-          <a:lstStyle/>
-          <a:p>
-            <a:pPr algn="ctr"/>
-            <a:endParaRPr lang="en-US" dirty="0" smtClean="0">
-              <a:solidFill>
-                <a:schemeClr val="tx1"/>
-              </a:solidFill>
-            </a:endParaRPr>
-          </a:p>
-        </p:txBody>
-      </p:sp>
-      <p:sp>
-        <p:nvSpPr>
-          <p:cNvPr id="13" name="Rectangle 12"/>
-          <p:cNvSpPr/>
-          <p:nvPr/>
-        </p:nvSpPr>
-        <p:spPr>
-          <a:xfrm>
-            <a:off x="7179849" y="2077116"/>
-            <a:ext cx="1836260" cy="723634"/>
-          </a:xfrm>
-          <a:prstGeom prst="rect">
-            <a:avLst/>
-          </a:prstGeom>
-          <a:solidFill>
-            <a:schemeClr val="tx2">
-              <a:lumMod val="20000"/>
-              <a:lumOff val="80000"/>
-            </a:schemeClr>
-          </a:solidFill>
-          <a:ln w="12700">
-            <a:solidFill>
-              <a:schemeClr val="tx2"/>
-            </a:solidFill>
-          </a:ln>
-          <a:effectLst>
-            <a:outerShdw blurRad="50800" dist="38100" dir="2700000" algn="tl" rotWithShape="0">
-              <a:prstClr val="black">
-                <a:alpha val="40000"/>
-              </a:prstClr>
-            </a:outerShdw>
-          </a:effectLst>
-        </p:spPr>
-        <p:style>
-          <a:lnRef idx="1">
-            <a:schemeClr val="accent1"/>
-          </a:lnRef>
-          <a:fillRef idx="3">
-            <a:schemeClr val="accent1"/>
-          </a:fillRef>
-          <a:effectRef idx="2">
-            <a:schemeClr val="accent1"/>
-          </a:effectRef>
-          <a:fontRef idx="minor">
-            <a:schemeClr val="lt1"/>
-          </a:fontRef>
-        </p:style>
-        <p:txBody>
-          <a:bodyPr rtlCol="0" anchor="ctr"/>
-          <a:lstStyle/>
-          <a:p>
-            <a:pPr algn="ctr"/>
-            <a:r>
-              <a:rPr lang="en-US" dirty="0" smtClean="0">
-                <a:solidFill>
-                  <a:schemeClr val="tx1"/>
-                </a:solidFill>
-              </a:rPr>
-              <a:t>“Normal” supercomputer</a:t>
-            </a:r>
-            <a:endParaRPr lang="en-US" dirty="0">
-              <a:solidFill>
-                <a:schemeClr val="tx1"/>
-              </a:solidFill>
-            </a:endParaRPr>
-          </a:p>
-        </p:txBody>
-      </p:sp>
-      <p:sp>
-        <p:nvSpPr>
-          <p:cNvPr id="25" name="Flowchart: Sequential Access Storage 24"/>
-          <p:cNvSpPr/>
-          <p:nvPr/>
-        </p:nvSpPr>
-        <p:spPr>
-          <a:xfrm>
-            <a:off x="7179849" y="1393980"/>
-            <a:ext cx="1836260" cy="607468"/>
-          </a:xfrm>
-          <a:prstGeom prst="flowChartMagneticTape">
-            <a:avLst/>
-          </a:prstGeom>
-          <a:solidFill>
-            <a:schemeClr val="tx2">
-              <a:lumMod val="20000"/>
-              <a:lumOff val="80000"/>
-            </a:schemeClr>
-          </a:solidFill>
-          <a:ln w="12700">
-            <a:solidFill>
-              <a:schemeClr val="tx2"/>
-            </a:solidFill>
-          </a:ln>
-          <a:effectLst>
-            <a:outerShdw blurRad="50800" dist="38100" dir="2700000" algn="tl" rotWithShape="0">
-              <a:prstClr val="black">
-                <a:alpha val="40000"/>
-              </a:prstClr>
-            </a:outerShdw>
-          </a:effectLst>
-        </p:spPr>
-        <p:style>
-          <a:lnRef idx="1">
-            <a:schemeClr val="accent1"/>
-          </a:lnRef>
-          <a:fillRef idx="3">
-            <a:schemeClr val="accent1"/>
-          </a:fillRef>
-          <a:effectRef idx="2">
-            <a:schemeClr val="accent1"/>
-          </a:effectRef>
-          <a:fontRef idx="minor">
-            <a:schemeClr val="lt1"/>
-          </a:fontRef>
-        </p:style>
-        <p:txBody>
-          <a:bodyPr rot="0" spcFirstLastPara="0" vertOverflow="overflow" horzOverflow="overflow" vert="horz" wrap="square" lIns="0" tIns="45720" rIns="0" bIns="45720" numCol="1" spcCol="0" rtlCol="0" fromWordArt="0" anchor="ctr" anchorCtr="0" forceAA="0" compatLnSpc="1">
-            <a:prstTxWarp prst="textNoShape">
-              <a:avLst/>
-            </a:prstTxWarp>
-            <a:noAutofit/>
-          </a:bodyPr>
-          <a:lstStyle/>
-          <a:p>
-            <a:pPr algn="ctr"/>
-            <a:r>
-              <a:rPr lang="en-US" dirty="0" smtClean="0">
-                <a:solidFill>
-                  <a:schemeClr val="tx1"/>
-                </a:solidFill>
-              </a:rPr>
-              <a:t>Experiments</a:t>
-            </a:r>
-          </a:p>
-        </p:txBody>
-      </p:sp>
-      <p:sp>
-        <p:nvSpPr>
-          <p:cNvPr id="27" name="Left-Right Arrow 26"/>
-          <p:cNvSpPr/>
-          <p:nvPr/>
-        </p:nvSpPr>
-        <p:spPr>
-          <a:xfrm>
-            <a:off x="6733841" y="2257063"/>
-            <a:ext cx="702891" cy="181870"/>
-          </a:xfrm>
-          <a:prstGeom prst="leftRightArrow">
-            <a:avLst/>
-          </a:prstGeom>
-          <a:solidFill>
-            <a:schemeClr val="bg1"/>
-          </a:solidFill>
-          <a:ln w="12700">
-            <a:solidFill>
-              <a:schemeClr val="tx2"/>
-            </a:solidFill>
-          </a:ln>
-          <a:effectLst>
-            <a:outerShdw blurRad="50800" dist="38100" dir="2700000" algn="tl" rotWithShape="0">
-              <a:prstClr val="black">
-                <a:alpha val="40000"/>
-              </a:prstClr>
-            </a:outerShdw>
-          </a:effectLst>
-        </p:spPr>
-        <p:style>
-          <a:lnRef idx="1">
-            <a:schemeClr val="accent1"/>
-          </a:lnRef>
-          <a:fillRef idx="3">
-            <a:schemeClr val="accent1"/>
-          </a:fillRef>
-          <a:effectRef idx="2">
-            <a:schemeClr val="accent1"/>
-          </a:effectRef>
-          <a:fontRef idx="minor">
-            <a:schemeClr val="lt1"/>
-          </a:fontRef>
-        </p:style>
-        <p:txBody>
-          <a:bodyPr rot="0" spcFirstLastPara="0" vertOverflow="overflow" horzOverflow="overflow" vert="horz" wrap="square" lIns="91440" tIns="45720" rIns="91440" bIns="45720" numCol="1" spcCol="0" rtlCol="0" fromWordArt="0" anchor="ctr" anchorCtr="0" forceAA="0" compatLnSpc="1">
-            <a:prstTxWarp prst="textNoShape">
-              <a:avLst/>
-            </a:prstTxWarp>
-            <a:noAutofit/>
-          </a:bodyPr>
-          <a:lstStyle/>
-          <a:p>
-            <a:pPr algn="ctr"/>
-            <a:endParaRPr lang="en-US" dirty="0" smtClean="0">
-              <a:solidFill>
-                <a:schemeClr val="tx1"/>
-              </a:solidFill>
-            </a:endParaRPr>
-          </a:p>
-        </p:txBody>
-      </p:sp>
-      <p:sp>
-        <p:nvSpPr>
-          <p:cNvPr id="28" name="Left-Right Arrow 27"/>
-          <p:cNvSpPr/>
-          <p:nvPr/>
-        </p:nvSpPr>
-        <p:spPr>
-          <a:xfrm>
-            <a:off x="6733308" y="1641417"/>
-            <a:ext cx="703425" cy="181870"/>
-          </a:xfrm>
-          <a:prstGeom prst="leftRightArrow">
-            <a:avLst/>
-          </a:prstGeom>
-          <a:solidFill>
-            <a:schemeClr val="bg1"/>
-          </a:solidFill>
-          <a:ln w="12700">
-            <a:solidFill>
-              <a:schemeClr val="tx2"/>
-            </a:solidFill>
-          </a:ln>
-          <a:effectLst>
-            <a:outerShdw blurRad="50800" dist="38100" dir="2700000" algn="tl" rotWithShape="0">
-              <a:prstClr val="black">
-                <a:alpha val="40000"/>
-              </a:prstClr>
-            </a:outerShdw>
-          </a:effectLst>
-        </p:spPr>
-        <p:style>
-          <a:lnRef idx="1">
-            <a:schemeClr val="accent1"/>
-          </a:lnRef>
-          <a:fillRef idx="3">
-            <a:schemeClr val="accent1"/>
-          </a:fillRef>
-          <a:effectRef idx="2">
-            <a:schemeClr val="accent1"/>
-          </a:effectRef>
-          <a:fontRef idx="minor">
-            <a:schemeClr val="lt1"/>
-          </a:fontRef>
-        </p:style>
-        <p:txBody>
-          <a:bodyPr rot="0" spcFirstLastPara="0" vertOverflow="overflow" horzOverflow="overflow" vert="horz" wrap="square" lIns="91440" tIns="45720" rIns="91440" bIns="45720" numCol="1" spcCol="0" rtlCol="0" fromWordArt="0" anchor="ctr" anchorCtr="0" forceAA="0" compatLnSpc="1">
-            <a:prstTxWarp prst="textNoShape">
-              <a:avLst/>
-            </a:prstTxWarp>
-            <a:noAutofit/>
-          </a:bodyPr>
-          <a:lstStyle/>
-          <a:p>
-            <a:pPr algn="ctr"/>
-            <a:endParaRPr lang="en-US" dirty="0" smtClean="0">
-              <a:solidFill>
-                <a:schemeClr val="tx1"/>
-              </a:solidFill>
-            </a:endParaRPr>
-          </a:p>
-        </p:txBody>
-      </p:sp>
-    </p:spTree>
-    <p:extLst>
-      <p:ext uri="{BB962C8B-B14F-4D97-AF65-F5344CB8AC3E}">
-        <p14:creationId xmlns:p14="http://schemas.microsoft.com/office/powerpoint/2010/main" val="4289600282"/>
-      </p:ext>
-    </p:extLst>
-  </p:cSld>
-  <p:clrMapOvr>
-    <a:masterClrMapping/>
-  </p:clrMapOvr>
-  <mc:AlternateContent xmlns:mc="http://schemas.openxmlformats.org/markup-compatibility/2006" xmlns:p14="http://schemas.microsoft.com/office/powerpoint/2010/main">
-    <mc:Choice Requires="p14">
-      <p:transition p14:dur="250">
-        <p:fade/>
-      </p:transition>
-    </mc:Choice>
-    <mc:Fallback xmlns="">
-      <p:transition>
-        <p:fade/>
-      </p:transition>
-    </mc:Fallback>
-  </mc:AlternateContent>
-</p:sld>
-</file>
-
-<file path=ppt/slides/slide28.xml><?xml version="1.0" encoding="utf-8"?>
-<p:sld xmlns:a="http://schemas.openxmlformats.org/drawingml/2006/main" xmlns:r="http://schemas.openxmlformats.org/officeDocument/2006/relationships" xmlns:p="http://schemas.openxmlformats.org/presentationml/2006/main">
-  <p:cSld>
-    <p:spTree>
-      <p:nvGrpSpPr>
-        <p:cNvPr id="1" name=""/>
-        <p:cNvGrpSpPr/>
-        <p:nvPr/>
-      </p:nvGrpSpPr>
-      <p:grpSpPr>
-        <a:xfrm>
-          <a:off x="0" y="0"/>
-          <a:ext cx="0" cy="0"/>
-          <a:chOff x="0" y="0"/>
-          <a:chExt cx="0" cy="0"/>
-        </a:xfrm>
-      </p:grpSpPr>
-      <p:sp>
-        <p:nvSpPr>
-          <p:cNvPr id="2" name="Title 1"/>
-          <p:cNvSpPr>
-            <a:spLocks noGrp="1"/>
-          </p:cNvSpPr>
-          <p:nvPr>
-            <p:ph type="title"/>
-          </p:nvPr>
-        </p:nvSpPr>
-        <p:spPr/>
-        <p:txBody>
-          <a:bodyPr/>
-          <a:lstStyle/>
-          <a:p>
-            <a:r>
-              <a:rPr lang="en-US" dirty="0" smtClean="0"/>
-              <a:t>Thanks</a:t>
-            </a:r>
-            <a:endParaRPr lang="en-US" dirty="0"/>
-          </a:p>
-        </p:txBody>
-      </p:sp>
-      <p:sp>
-        <p:nvSpPr>
-          <p:cNvPr id="3" name="Content Placeholder 2"/>
-          <p:cNvSpPr>
-            <a:spLocks noGrp="1"/>
-          </p:cNvSpPr>
-          <p:nvPr>
-            <p:ph idx="1"/>
-          </p:nvPr>
-        </p:nvSpPr>
-        <p:spPr>
-          <a:xfrm>
-            <a:off x="457201" y="1274996"/>
-            <a:ext cx="8372901" cy="3538423"/>
-          </a:xfrm>
-        </p:spPr>
-        <p:txBody>
-          <a:bodyPr/>
-          <a:lstStyle/>
-          <a:p>
-            <a:r>
-              <a:rPr lang="en-US" dirty="0" smtClean="0"/>
-              <a:t>Thanks to the organizers</a:t>
-            </a:r>
-          </a:p>
-          <a:p>
-            <a:endParaRPr lang="en-US" dirty="0" smtClean="0"/>
-          </a:p>
-          <a:p>
-            <a:r>
-              <a:rPr lang="en-US" dirty="0" smtClean="0"/>
-              <a:t>Code and guides:</a:t>
-            </a:r>
-          </a:p>
-          <a:p>
-            <a:pPr lvl="1"/>
-            <a:r>
-              <a:rPr lang="en-US" dirty="0" smtClean="0"/>
-              <a:t>CANDLE GitHub: https</a:t>
-            </a:r>
-            <a:r>
-              <a:rPr lang="en-US" dirty="0"/>
-              <a:t>://</a:t>
-            </a:r>
-            <a:r>
-              <a:rPr lang="en-US" dirty="0" smtClean="0"/>
-              <a:t>github.com/ECP-CANDLE</a:t>
-            </a:r>
-            <a:endParaRPr lang="en-US" dirty="0"/>
-          </a:p>
-          <a:p>
-            <a:pPr lvl="1"/>
-            <a:r>
-              <a:rPr lang="en-US" dirty="0" smtClean="0"/>
-              <a:t>Swift/T </a:t>
-            </a:r>
-            <a:r>
-              <a:rPr lang="en-US" dirty="0"/>
-              <a:t>Home: http://</a:t>
-            </a:r>
-            <a:r>
-              <a:rPr lang="en-US" dirty="0" smtClean="0"/>
-              <a:t>swift-lang.org/Swift-T</a:t>
-            </a:r>
-          </a:p>
-          <a:p>
-            <a:pPr lvl="1"/>
-            <a:r>
-              <a:rPr lang="en-US" dirty="0"/>
-              <a:t>EMEWS Tutorial</a:t>
-            </a:r>
-            <a:r>
-              <a:rPr lang="en-US"/>
-              <a:t>: </a:t>
-            </a:r>
-            <a:r>
-              <a:rPr lang="en-US" smtClean="0"/>
-              <a:t>http://emews.org</a:t>
-            </a:r>
-            <a:endParaRPr lang="en-US" dirty="0" smtClean="0"/>
-          </a:p>
-          <a:p>
-            <a:endParaRPr lang="en-US" dirty="0"/>
-          </a:p>
-          <a:p>
-            <a:r>
-              <a:rPr lang="en-US" sz="1400" dirty="0"/>
-              <a:t>This research was supported by the Exascale Computing Project (17-SC-20-SC), a joint project of the U.S. Department of Energy’s Office of Science and National Nuclear Security Administration, responsible for delivering a capable exascale ecosystem, including software, applications, and hardware technology, to support the nation’s exascale computing </a:t>
-            </a:r>
-            <a:r>
-              <a:rPr lang="en-US" sz="1400" dirty="0" smtClean="0"/>
-              <a:t>imperative.</a:t>
-            </a:r>
-            <a:endParaRPr lang="en-US" sz="1400" dirty="0"/>
-          </a:p>
-          <a:p>
-            <a:endParaRPr lang="en-US" dirty="0"/>
-          </a:p>
-        </p:txBody>
-      </p:sp>
-      <p:sp>
-        <p:nvSpPr>
-          <p:cNvPr id="4" name="Text Placeholder 3"/>
-          <p:cNvSpPr>
-            <a:spLocks noGrp="1"/>
-          </p:cNvSpPr>
-          <p:nvPr>
-            <p:ph type="body" sz="quarter" idx="12"/>
-          </p:nvPr>
-        </p:nvSpPr>
-        <p:spPr/>
-        <p:txBody>
-          <a:bodyPr/>
-          <a:lstStyle/>
-          <a:p>
-            <a:endParaRPr lang="en-US" dirty="0"/>
-          </a:p>
-        </p:txBody>
-      </p:sp>
-      <p:sp>
-        <p:nvSpPr>
-          <p:cNvPr id="5" name="Slide Number Placeholder 4"/>
-          <p:cNvSpPr>
-            <a:spLocks noGrp="1"/>
-          </p:cNvSpPr>
-          <p:nvPr>
-            <p:ph type="sldNum" sz="quarter" idx="13"/>
-          </p:nvPr>
-        </p:nvSpPr>
-        <p:spPr/>
-        <p:txBody>
-          <a:bodyPr/>
-          <a:lstStyle/>
-          <a:p>
-            <a:fld id="{AEFAAC5A-9C4F-4278-920D-DF2BAB595749}" type="slidenum">
-              <a:rPr lang="en-US" smtClean="0"/>
-              <a:pPr/>
-              <a:t>28</a:t>
-            </a:fld>
-            <a:endParaRPr lang="en-US" dirty="0"/>
-          </a:p>
-        </p:txBody>
-      </p:sp>
-    </p:spTree>
-    <p:extLst>
-      <p:ext uri="{BB962C8B-B14F-4D97-AF65-F5344CB8AC3E}">
-        <p14:creationId xmlns:p14="http://schemas.microsoft.com/office/powerpoint/2010/main" val="3996788430"/>
-      </p:ext>
-    </p:extLst>
-  </p:cSld>
-  <p:clrMapOvr>
-    <a:masterClrMapping/>
-  </p:clrMapOvr>
-  <mc:AlternateContent xmlns:mc="http://schemas.openxmlformats.org/markup-compatibility/2006" xmlns:p14="http://schemas.microsoft.com/office/powerpoint/2010/main">
-    <mc:Choice Requires="p14">
-      <p:transition p14:dur="250">
-        <p:fade/>
-      </p:transition>
-    </mc:Choice>
-    <mc:Fallback xmlns="">
-      <p:transition>
-        <p:fade/>
-      </p:transition>
-    </mc:Fallback>
-  </mc:AlternateContent>
-  <p:timing>
-    <p:tnLst>
-      <p:par>
-        <p:cTn id="1" dur="indefinite" restart="never" nodeType="tmRoot"/>
-      </p:par>
-    </p:tnLst>
-  </p:timing>
-</p:sld>
-</file>
-
-<file path=ppt/slides/slide29.xml><?xml version="1.0" encoding="utf-8"?>
-<p:sld xmlns:a="http://schemas.openxmlformats.org/drawingml/2006/main" xmlns:r="http://schemas.openxmlformats.org/officeDocument/2006/relationships" xmlns:p="http://schemas.openxmlformats.org/presentationml/2006/main">
-  <p:cSld>
-    <p:spTree>
-      <p:nvGrpSpPr>
-        <p:cNvPr id="1" name=""/>
-        <p:cNvGrpSpPr/>
-        <p:nvPr/>
-      </p:nvGrpSpPr>
-      <p:grpSpPr>
-        <a:xfrm>
-          <a:off x="0" y="0"/>
-          <a:ext cx="0" cy="0"/>
-          <a:chOff x="0" y="0"/>
-          <a:chExt cx="0" cy="0"/>
-        </a:xfrm>
-      </p:grpSpPr>
-      <p:sp>
-        <p:nvSpPr>
-          <p:cNvPr id="2" name="Title 1"/>
-          <p:cNvSpPr>
-            <a:spLocks noGrp="1"/>
-          </p:cNvSpPr>
-          <p:nvPr>
-            <p:ph type="title"/>
-          </p:nvPr>
-        </p:nvSpPr>
-        <p:spPr/>
-        <p:txBody>
-          <a:bodyPr/>
-          <a:lstStyle/>
-          <a:p>
-            <a:endParaRPr lang="en-US"/>
-          </a:p>
-        </p:txBody>
-      </p:sp>
-      <p:sp>
-        <p:nvSpPr>
-          <p:cNvPr id="3" name="Content Placeholder 2"/>
-          <p:cNvSpPr>
-            <a:spLocks noGrp="1"/>
-          </p:cNvSpPr>
-          <p:nvPr>
-            <p:ph idx="1"/>
-          </p:nvPr>
-        </p:nvSpPr>
-        <p:spPr/>
-        <p:txBody>
-          <a:bodyPr/>
-          <a:lstStyle/>
-          <a:p>
-            <a:endParaRPr lang="en-US"/>
-          </a:p>
-        </p:txBody>
-      </p:sp>
-      <p:sp>
-        <p:nvSpPr>
-          <p:cNvPr id="4" name="Text Placeholder 3"/>
-          <p:cNvSpPr>
-            <a:spLocks noGrp="1"/>
-          </p:cNvSpPr>
-          <p:nvPr>
-            <p:ph type="body" sz="quarter" idx="12"/>
-          </p:nvPr>
-        </p:nvSpPr>
-        <p:spPr/>
-        <p:txBody>
-          <a:bodyPr/>
-          <a:lstStyle/>
-          <a:p>
-            <a:endParaRPr lang="en-US"/>
-          </a:p>
-        </p:txBody>
-      </p:sp>
-      <p:sp>
-        <p:nvSpPr>
-          <p:cNvPr id="5" name="Slide Number Placeholder 4"/>
-          <p:cNvSpPr>
-            <a:spLocks noGrp="1"/>
-          </p:cNvSpPr>
-          <p:nvPr>
-            <p:ph type="sldNum" sz="quarter" idx="13"/>
-          </p:nvPr>
-        </p:nvSpPr>
-        <p:spPr/>
-        <p:txBody>
-          <a:bodyPr/>
-          <a:lstStyle/>
-          <a:p>
-            <a:fld id="{AEFAAC5A-9C4F-4278-920D-DF2BAB595749}" type="slidenum">
-              <a:rPr lang="en-US" smtClean="0"/>
-              <a:pPr/>
-              <a:t>29</a:t>
-            </a:fld>
-            <a:endParaRPr lang="en-US" dirty="0"/>
-          </a:p>
-        </p:txBody>
-      </p:sp>
-    </p:spTree>
-    <p:extLst>
-      <p:ext uri="{BB962C8B-B14F-4D97-AF65-F5344CB8AC3E}">
-        <p14:creationId xmlns:p14="http://schemas.microsoft.com/office/powerpoint/2010/main" val="3901407096"/>
-      </p:ext>
-    </p:extLst>
-  </p:cSld>
-  <p:clrMapOvr>
-    <a:masterClrMapping/>
-  </p:clrMapOvr>
-  <mc:AlternateContent xmlns:mc="http://schemas.openxmlformats.org/markup-compatibility/2006" xmlns:p14="http://schemas.microsoft.com/office/powerpoint/2010/main">
-    <mc:Choice Requires="p14">
-      <p:transition p14:dur="250">
-        <p:fade/>
-      </p:transition>
-    </mc:Choice>
-    <mc:Fallback xmlns="">
-      <p:transition>
-        <p:fade/>
-      </p:transition>
-    </mc:Fallback>
-  </mc:AlternateContent>
-</p:sld>
-</file>
-
-<file path=ppt/slides/slide3.xml><?xml version="1.0" encoding="utf-8"?>
-<p:sld xmlns:a="http://schemas.openxmlformats.org/drawingml/2006/main" xmlns:r="http://schemas.openxmlformats.org/officeDocument/2006/relationships" xmlns:p="http://schemas.openxmlformats.org/presentationml/2006/main">
-  <p:cSld>
-    <p:spTree>
-      <p:nvGrpSpPr>
-        <p:cNvPr id="1" name=""/>
-        <p:cNvGrpSpPr/>
-        <p:nvPr/>
-      </p:nvGrpSpPr>
-      <p:grpSpPr>
-        <a:xfrm>
-          <a:off x="0" y="0"/>
-          <a:ext cx="0" cy="0"/>
-          <a:chOff x="0" y="0"/>
-          <a:chExt cx="0" cy="0"/>
-        </a:xfrm>
-      </p:grpSpPr>
-      <p:sp>
-        <p:nvSpPr>
-          <p:cNvPr id="3" name="Text Placeholder 2"/>
-          <p:cNvSpPr>
-            <a:spLocks noGrp="1"/>
-          </p:cNvSpPr>
-          <p:nvPr>
-            <p:ph type="body" sz="quarter" idx="10"/>
-          </p:nvPr>
-        </p:nvSpPr>
-        <p:spPr/>
-        <p:txBody>
-          <a:bodyPr/>
-          <a:lstStyle/>
-          <a:p>
-            <a:r>
-              <a:rPr lang="en-US" dirty="0" smtClean="0"/>
-              <a:t>HYPERPARAMETER OPTIMIZATION</a:t>
-            </a:r>
-          </a:p>
-          <a:p>
-            <a:endParaRPr lang="en-US" dirty="0"/>
-          </a:p>
-        </p:txBody>
-      </p:sp>
-    </p:spTree>
-    <p:extLst>
-      <p:ext uri="{BB962C8B-B14F-4D97-AF65-F5344CB8AC3E}">
-        <p14:creationId xmlns:p14="http://schemas.microsoft.com/office/powerpoint/2010/main" val="1929049466"/>
-      </p:ext>
-    </p:extLst>
-  </p:cSld>
-  <p:clrMapOvr>
-    <a:masterClrMapping/>
-  </p:clrMapOvr>
-  <mc:AlternateContent xmlns:mc="http://schemas.openxmlformats.org/markup-compatibility/2006" xmlns:p14="http://schemas.microsoft.com/office/powerpoint/2010/main">
-    <mc:Choice Requires="p14">
-      <p:transition p14:dur="250">
-        <p:fade/>
-      </p:transition>
-    </mc:Choice>
-    <mc:Fallback xmlns="">
-      <p:transition>
-        <p:fade/>
-      </p:transition>
-    </mc:Fallback>
-  </mc:AlternateContent>
-  <p:timing>
-    <p:tnLst>
-      <p:par>
-        <p:cTn id="1" dur="indefinite" restart="never" nodeType="tmRoot"/>
-      </p:par>
-    </p:tnLst>
-  </p:timing>
-</p:sld>
-</file>
-
-<file path=ppt/slides/slide4.xml><?xml version="1.0" encoding="utf-8"?>
-<p:sld xmlns:a="http://schemas.openxmlformats.org/drawingml/2006/main" xmlns:r="http://schemas.openxmlformats.org/officeDocument/2006/relationships" xmlns:p="http://schemas.openxmlformats.org/presentationml/2006/main">
-  <p:cSld>
-    <p:spTree>
-      <p:nvGrpSpPr>
-        <p:cNvPr id="1" name=""/>
-        <p:cNvGrpSpPr/>
-        <p:nvPr/>
-      </p:nvGrpSpPr>
-      <p:grpSpPr>
-        <a:xfrm>
-          <a:off x="0" y="0"/>
-          <a:ext cx="0" cy="0"/>
-          <a:chOff x="0" y="0"/>
-          <a:chExt cx="0" cy="0"/>
-        </a:xfrm>
-      </p:grpSpPr>
-      <p:sp>
-        <p:nvSpPr>
-          <p:cNvPr id="2" name="Title 1"/>
-          <p:cNvSpPr>
-            <a:spLocks noGrp="1"/>
-          </p:cNvSpPr>
-          <p:nvPr>
-            <p:ph type="title"/>
-          </p:nvPr>
-        </p:nvSpPr>
-        <p:spPr/>
-        <p:txBody>
-          <a:bodyPr/>
-          <a:lstStyle/>
-          <a:p>
-            <a:r>
-              <a:rPr lang="en-US" dirty="0" smtClean="0"/>
-              <a:t>WHAT IS HYPERPARAMETER OPTIMIZATION	</a:t>
-            </a:r>
-            <a:endParaRPr lang="en-US" dirty="0"/>
-          </a:p>
-        </p:txBody>
-      </p:sp>
-      <p:sp>
-        <p:nvSpPr>
-          <p:cNvPr id="3" name="Content Placeholder 2"/>
-          <p:cNvSpPr>
-            <a:spLocks noGrp="1"/>
-          </p:cNvSpPr>
-          <p:nvPr>
-            <p:ph idx="1"/>
-          </p:nvPr>
-        </p:nvSpPr>
-        <p:spPr/>
-        <p:txBody>
-          <a:bodyPr/>
-          <a:lstStyle/>
-          <a:p>
-            <a:r>
-              <a:rPr lang="en-US" dirty="0" smtClean="0"/>
-              <a:t>Neural networks have a large number of possible configuration parameters, called </a:t>
-            </a:r>
-            <a:r>
-              <a:rPr lang="en-US" i="1" dirty="0" smtClean="0"/>
-              <a:t>hyperparameters</a:t>
-            </a:r>
-          </a:p>
-          <a:p>
-            <a:pPr lvl="1"/>
-            <a:r>
-              <a:rPr lang="en-US" dirty="0" smtClean="0"/>
-              <a:t>Avoids collision with NN </a:t>
-            </a:r>
-            <a:r>
-              <a:rPr lang="en-US" i="1" dirty="0" smtClean="0"/>
-              <a:t>weights</a:t>
-            </a:r>
-            <a:r>
-              <a:rPr lang="en-US" dirty="0" smtClean="0"/>
-              <a:t>, which are sometimes called </a:t>
-            </a:r>
-            <a:r>
-              <a:rPr lang="en-US" i="1" dirty="0" smtClean="0"/>
-              <a:t>parameters</a:t>
-            </a:r>
-            <a:endParaRPr lang="en-US" dirty="0"/>
-          </a:p>
-          <a:p>
-            <a:r>
-              <a:rPr lang="en-US" dirty="0" smtClean="0"/>
-              <a:t>Applying optimization can automate part of the design of the neural network</a:t>
-            </a:r>
-          </a:p>
-          <a:p>
-            <a:endParaRPr lang="en-US" dirty="0" smtClean="0"/>
-          </a:p>
-          <a:p>
-            <a:r>
-              <a:rPr lang="en-US" dirty="0" smtClean="0"/>
-              <a:t>In the cancer Pilot 1 autoencoder shown, </a:t>
-            </a:r>
-            <a:br>
-              <a:rPr lang="en-US" dirty="0" smtClean="0"/>
-            </a:br>
-            <a:r>
-              <a:rPr lang="en-US" dirty="0" smtClean="0"/>
-              <a:t>the system can determine</a:t>
-            </a:r>
-          </a:p>
-          <a:p>
-            <a:pPr lvl="1"/>
-            <a:r>
-              <a:rPr lang="en-US" dirty="0" smtClean="0"/>
-              <a:t>How many neurons to put in each layer</a:t>
-            </a:r>
-          </a:p>
-          <a:p>
-            <a:pPr lvl="1"/>
-            <a:r>
-              <a:rPr lang="en-US" dirty="0" smtClean="0"/>
-              <a:t>What activation function to use</a:t>
-            </a:r>
-          </a:p>
-          <a:p>
-            <a:pPr lvl="1"/>
-            <a:r>
-              <a:rPr lang="en-US" dirty="0" smtClean="0"/>
-              <a:t>What batch size to use</a:t>
-            </a:r>
-          </a:p>
-          <a:p>
-            <a:pPr lvl="1"/>
-            <a:r>
-              <a:rPr lang="en-US" dirty="0" smtClean="0"/>
-              <a:t>Etc.</a:t>
-            </a:r>
-            <a:endParaRPr lang="en-US" dirty="0"/>
-          </a:p>
-          <a:p>
-            <a:endParaRPr lang="en-US" dirty="0"/>
-          </a:p>
-        </p:txBody>
-      </p:sp>
-      <p:sp>
-        <p:nvSpPr>
-          <p:cNvPr id="4" name="Text Placeholder 3"/>
-          <p:cNvSpPr>
-            <a:spLocks noGrp="1"/>
-          </p:cNvSpPr>
-          <p:nvPr>
-            <p:ph type="body" sz="quarter" idx="12"/>
-          </p:nvPr>
-        </p:nvSpPr>
-        <p:spPr/>
-        <p:txBody>
-          <a:bodyPr/>
-          <a:lstStyle/>
-          <a:p>
-            <a:r>
-              <a:rPr lang="en-US" dirty="0" smtClean="0"/>
-              <a:t>Hyperparameter optimization = HPO</a:t>
-            </a:r>
-            <a:endParaRPr lang="en-US" dirty="0"/>
-          </a:p>
-        </p:txBody>
-      </p:sp>
-      <p:sp>
-        <p:nvSpPr>
-          <p:cNvPr id="5" name="Slide Number Placeholder 4"/>
-          <p:cNvSpPr>
-            <a:spLocks noGrp="1"/>
-          </p:cNvSpPr>
-          <p:nvPr>
-            <p:ph type="sldNum" sz="quarter" idx="13"/>
-          </p:nvPr>
-        </p:nvSpPr>
-        <p:spPr/>
-        <p:txBody>
-          <a:bodyPr/>
-          <a:lstStyle/>
-          <a:p>
-            <a:fld id="{AEFAAC5A-9C4F-4278-920D-DF2BAB595749}" type="slidenum">
-              <a:rPr lang="en-US" smtClean="0"/>
-              <a:pPr/>
-              <a:t>4</a:t>
-            </a:fld>
-            <a:endParaRPr lang="en-US" dirty="0"/>
-          </a:p>
-        </p:txBody>
-      </p:sp>
-      <p:pic>
-        <p:nvPicPr>
-          <p:cNvPr id="6" name="Picture 5"/>
-          <p:cNvPicPr>
-            <a:picLocks noChangeAspect="1"/>
-          </p:cNvPicPr>
-          <p:nvPr/>
-        </p:nvPicPr>
-        <p:blipFill rotWithShape="1">
-          <a:blip r:embed="rId2"/>
-          <a:srcRect l="6305" t="8047" r="6484" b="7458"/>
-          <a:stretch/>
-        </p:blipFill>
-        <p:spPr>
-          <a:xfrm>
-            <a:off x="5808015" y="2775692"/>
-            <a:ext cx="3186917" cy="2307767"/>
-          </a:xfrm>
-          <a:prstGeom prst="rect">
-            <a:avLst/>
-          </a:prstGeom>
-        </p:spPr>
-      </p:pic>
-    </p:spTree>
-    <p:extLst>
-      <p:ext uri="{BB962C8B-B14F-4D97-AF65-F5344CB8AC3E}">
-        <p14:creationId xmlns:p14="http://schemas.microsoft.com/office/powerpoint/2010/main" val="3563808561"/>
-      </p:ext>
-    </p:extLst>
-  </p:cSld>
-  <p:clrMapOvr>
-    <a:masterClrMapping/>
-  </p:clrMapOvr>
-  <mc:AlternateContent xmlns:mc="http://schemas.openxmlformats.org/markup-compatibility/2006" xmlns:p14="http://schemas.microsoft.com/office/powerpoint/2010/main">
-    <mc:Choice Requires="p14">
-      <p:transition p14:dur="250">
-        <p:fade/>
-      </p:transition>
-    </mc:Choice>
-    <mc:Fallback xmlns="">
-      <p:transition>
-        <p:fade/>
-      </p:transition>
-    </mc:Fallback>
-  </mc:AlternateContent>
-</p:sld>
-</file>
-
-<file path=ppt/slides/slide5.xml><?xml version="1.0" encoding="utf-8"?>
-<p:sld xmlns:a="http://schemas.openxmlformats.org/drawingml/2006/main" xmlns:r="http://schemas.openxmlformats.org/officeDocument/2006/relationships" xmlns:p="http://schemas.openxmlformats.org/presentationml/2006/main">
-  <p:cSld>
-    <p:spTree>
-      <p:nvGrpSpPr>
-        <p:cNvPr id="1" name=""/>
-        <p:cNvGrpSpPr/>
-        <p:nvPr/>
-      </p:nvGrpSpPr>
-      <p:grpSpPr>
-        <a:xfrm>
-          <a:off x="0" y="0"/>
-          <a:ext cx="0" cy="0"/>
-          <a:chOff x="0" y="0"/>
-          <a:chExt cx="0" cy="0"/>
-        </a:xfrm>
-      </p:grpSpPr>
-      <p:sp>
-        <p:nvSpPr>
-          <p:cNvPr id="2" name="Title 1"/>
-          <p:cNvSpPr>
-            <a:spLocks noGrp="1"/>
-          </p:cNvSpPr>
-          <p:nvPr>
-            <p:ph type="title"/>
-          </p:nvPr>
-        </p:nvSpPr>
-        <p:spPr/>
-        <p:txBody>
-          <a:bodyPr/>
-          <a:lstStyle/>
-          <a:p>
-            <a:r>
-              <a:rPr lang="en-US" dirty="0" smtClean="0"/>
-              <a:t>Mathematical expression for </a:t>
-            </a:r>
-            <a:r>
-              <a:rPr lang="en-US" dirty="0" err="1" smtClean="0"/>
-              <a:t>hpo</a:t>
-            </a:r>
-            <a:endParaRPr lang="en-US" dirty="0"/>
-          </a:p>
-        </p:txBody>
-      </p:sp>
-      <p:sp>
-        <p:nvSpPr>
-          <p:cNvPr id="3" name="Content Placeholder 2"/>
-          <p:cNvSpPr>
-            <a:spLocks noGrp="1"/>
-          </p:cNvSpPr>
-          <p:nvPr>
-            <p:ph idx="1"/>
-          </p:nvPr>
-        </p:nvSpPr>
-        <p:spPr/>
-        <p:txBody>
-          <a:bodyPr/>
-          <a:lstStyle/>
-          <a:p>
-            <a:r>
-              <a:rPr lang="en-US" dirty="0"/>
-              <a:t>For a given problem:</a:t>
-            </a:r>
-          </a:p>
-          <a:p>
-            <a:pPr lvl="1"/>
-            <a:r>
-              <a:rPr lang="en-US" dirty="0"/>
-              <a:t>A loss function </a:t>
-            </a:r>
-            <a:r>
-              <a:rPr lang="en-US" b="1" i="1" dirty="0"/>
-              <a:t>F</a:t>
-            </a:r>
-            <a:r>
-              <a:rPr lang="en-US" dirty="0"/>
-              <a:t> is determined on a given NN (usually accuracy)</a:t>
-            </a:r>
-          </a:p>
-          <a:p>
-            <a:pPr lvl="1"/>
-            <a:r>
-              <a:rPr lang="en-US" dirty="0"/>
-              <a:t>The hyperparameter optimization problem is to minimize </a:t>
-            </a:r>
-            <a:r>
-              <a:rPr lang="en-US" b="1" i="1" dirty="0"/>
-              <a:t>F(p)</a:t>
-            </a:r>
-            <a:r>
-              <a:rPr lang="en-US" dirty="0"/>
-              <a:t>, </a:t>
-            </a:r>
-          </a:p>
-          <a:p>
-            <a:pPr lvl="2"/>
-            <a:r>
-              <a:rPr lang="en-US" dirty="0"/>
-              <a:t>for all hyperparameter sets </a:t>
-            </a:r>
-            <a:r>
-              <a:rPr lang="en-US" b="1" i="1" dirty="0"/>
-              <a:t>p</a:t>
-            </a:r>
-            <a:r>
-              <a:rPr lang="en-US" dirty="0"/>
-              <a:t> in the valid parameter space </a:t>
-            </a:r>
-            <a:r>
-              <a:rPr lang="en-US" b="1" i="1" dirty="0"/>
-              <a:t>P</a:t>
-            </a:r>
-            <a:r>
-              <a:rPr lang="en-US" dirty="0"/>
-              <a:t>, </a:t>
-            </a:r>
-          </a:p>
-          <a:p>
-            <a:pPr lvl="2"/>
-            <a:r>
-              <a:rPr lang="en-US" dirty="0"/>
-              <a:t>however, </a:t>
-            </a:r>
-            <a:r>
-              <a:rPr lang="en-US" b="1" i="1" dirty="0"/>
-              <a:t>P</a:t>
-            </a:r>
-            <a:r>
-              <a:rPr lang="en-US" dirty="0"/>
-              <a:t> is large and </a:t>
-            </a:r>
-            <a:r>
-              <a:rPr lang="en-US" b="1" i="1" dirty="0"/>
-              <a:t>F</a:t>
-            </a:r>
-            <a:r>
-              <a:rPr lang="en-US" dirty="0"/>
-              <a:t> is expensive.  </a:t>
-            </a:r>
-          </a:p>
-          <a:p>
-            <a:pPr lvl="2"/>
-            <a:r>
-              <a:rPr lang="en-US" b="1" i="1" dirty="0"/>
-              <a:t>P</a:t>
-            </a:r>
-            <a:r>
-              <a:rPr lang="en-US" dirty="0"/>
-              <a:t> is the cross product of all valid network settings, </a:t>
-            </a:r>
-          </a:p>
-          <a:p>
-            <a:pPr lvl="3"/>
-            <a:r>
-              <a:rPr lang="en-US" dirty="0"/>
-              <a:t>some of which may be categorical, some integer, some continuous.  </a:t>
-            </a:r>
-          </a:p>
-          <a:p>
-            <a:pPr lvl="2"/>
-            <a:r>
-              <a:rPr lang="en-US" dirty="0"/>
-              <a:t>Evaluating </a:t>
-            </a:r>
-            <a:r>
-              <a:rPr lang="en-US" b="1" i="1" dirty="0"/>
-              <a:t>F</a:t>
-            </a:r>
-            <a:r>
-              <a:rPr lang="en-US" dirty="0"/>
-              <a:t> involves training the network on a training data set and applying it to the validation </a:t>
-            </a:r>
-            <a:r>
-              <a:rPr lang="en-US" dirty="0" smtClean="0"/>
-              <a:t>set</a:t>
-            </a:r>
-          </a:p>
-          <a:p>
-            <a:r>
-              <a:rPr lang="en-US" dirty="0" smtClean="0"/>
-              <a:t>We can use a generic, previously developed method to optimize </a:t>
-            </a:r>
-            <a:r>
-              <a:rPr lang="en-US" b="1" i="1" dirty="0" smtClean="0"/>
-              <a:t>F</a:t>
-            </a:r>
-            <a:r>
-              <a:rPr lang="en-US" dirty="0" smtClean="0"/>
-              <a:t> !</a:t>
-            </a:r>
-          </a:p>
-          <a:p>
-            <a:r>
-              <a:rPr lang="en-US" dirty="0" smtClean="0"/>
-              <a:t>These methods require and can use large compute resources</a:t>
-            </a:r>
-            <a:endParaRPr lang="en-US" dirty="0"/>
-          </a:p>
-        </p:txBody>
-      </p:sp>
-      <p:sp>
-        <p:nvSpPr>
-          <p:cNvPr id="4" name="Text Placeholder 3"/>
-          <p:cNvSpPr>
-            <a:spLocks noGrp="1"/>
-          </p:cNvSpPr>
-          <p:nvPr>
-            <p:ph type="body" sz="quarter" idx="12"/>
-          </p:nvPr>
-        </p:nvSpPr>
-        <p:spPr/>
-        <p:txBody>
-          <a:bodyPr/>
-          <a:lstStyle/>
-          <a:p>
-            <a:endParaRPr lang="en-US"/>
-          </a:p>
-        </p:txBody>
-      </p:sp>
-      <p:sp>
-        <p:nvSpPr>
-          <p:cNvPr id="5" name="Slide Number Placeholder 4"/>
-          <p:cNvSpPr>
-            <a:spLocks noGrp="1"/>
-          </p:cNvSpPr>
-          <p:nvPr>
-            <p:ph type="sldNum" sz="quarter" idx="13"/>
-          </p:nvPr>
-        </p:nvSpPr>
-        <p:spPr/>
-        <p:txBody>
-          <a:bodyPr/>
-          <a:lstStyle/>
-          <a:p>
-            <a:fld id="{AEFAAC5A-9C4F-4278-920D-DF2BAB595749}" type="slidenum">
-              <a:rPr lang="en-US" smtClean="0"/>
-              <a:pPr/>
-              <a:t>5</a:t>
-            </a:fld>
-            <a:endParaRPr lang="en-US" dirty="0"/>
-          </a:p>
-        </p:txBody>
-      </p:sp>
-    </p:spTree>
-    <p:extLst>
-      <p:ext uri="{BB962C8B-B14F-4D97-AF65-F5344CB8AC3E}">
-        <p14:creationId xmlns:p14="http://schemas.microsoft.com/office/powerpoint/2010/main" val="87294180"/>
-      </p:ext>
-    </p:extLst>
-  </p:cSld>
-  <p:clrMapOvr>
-    <a:masterClrMapping/>
-  </p:clrMapOvr>
-  <mc:AlternateContent xmlns:mc="http://schemas.openxmlformats.org/markup-compatibility/2006" xmlns:p14="http://schemas.microsoft.com/office/powerpoint/2010/main">
-    <mc:Choice Requires="p14">
-      <p:transition p14:dur="250">
-        <p:fade/>
-      </p:transition>
-    </mc:Choice>
-    <mc:Fallback xmlns="">
-      <p:transition>
-        <p:fade/>
-      </p:transition>
-    </mc:Fallback>
-  </mc:AlternateContent>
-</p:sld>
-</file>
-
-<file path=ppt/slides/slide6.xml><?xml version="1.0" encoding="utf-8"?>
-<p:sld xmlns:a="http://schemas.openxmlformats.org/drawingml/2006/main" xmlns:r="http://schemas.openxmlformats.org/officeDocument/2006/relationships" xmlns:p="http://schemas.openxmlformats.org/presentationml/2006/main">
-  <p:cSld>
-    <p:spTree>
-      <p:nvGrpSpPr>
-        <p:cNvPr id="1" name=""/>
-        <p:cNvGrpSpPr/>
-        <p:nvPr/>
-      </p:nvGrpSpPr>
-      <p:grpSpPr>
-        <a:xfrm>
-          <a:off x="0" y="0"/>
-          <a:ext cx="0" cy="0"/>
-          <a:chOff x="0" y="0"/>
-          <a:chExt cx="0" cy="0"/>
-        </a:xfrm>
-      </p:grpSpPr>
-      <p:sp>
-        <p:nvSpPr>
-          <p:cNvPr id="2" name="Title 1"/>
-          <p:cNvSpPr>
-            <a:spLocks noGrp="1"/>
-          </p:cNvSpPr>
-          <p:nvPr>
-            <p:ph type="title"/>
-          </p:nvPr>
-        </p:nvSpPr>
-        <p:spPr/>
-        <p:txBody>
-          <a:bodyPr/>
-          <a:lstStyle/>
-          <a:p>
-            <a:r>
-              <a:rPr lang="en-US" dirty="0" smtClean="0"/>
-              <a:t>BASIC STRATEGIES </a:t>
-            </a:r>
-            <a:endParaRPr lang="en-US" dirty="0"/>
-          </a:p>
-        </p:txBody>
-      </p:sp>
-      <p:sp>
-        <p:nvSpPr>
-          <p:cNvPr id="3" name="Content Placeholder 2"/>
-          <p:cNvSpPr>
-            <a:spLocks noGrp="1"/>
-          </p:cNvSpPr>
-          <p:nvPr>
-            <p:ph idx="1"/>
-          </p:nvPr>
-        </p:nvSpPr>
-        <p:spPr/>
-        <p:txBody>
-          <a:bodyPr/>
-          <a:lstStyle/>
-          <a:p>
-            <a:r>
-              <a:rPr lang="en-US" dirty="0" smtClean="0"/>
-              <a:t>Grid search</a:t>
-            </a:r>
-          </a:p>
-          <a:p>
-            <a:pPr marL="0" indent="0">
-              <a:buNone/>
-            </a:pPr>
-            <a:endParaRPr lang="en-US" dirty="0" smtClean="0"/>
-          </a:p>
-          <a:p>
-            <a:r>
-              <a:rPr lang="en-US" dirty="0" smtClean="0"/>
-              <a:t>Random search</a:t>
-            </a:r>
-          </a:p>
-          <a:p>
-            <a:pPr marL="0" indent="0">
-              <a:buNone/>
-            </a:pPr>
-            <a:endParaRPr lang="en-US" dirty="0" smtClean="0"/>
-          </a:p>
-          <a:p>
-            <a:r>
-              <a:rPr lang="en-US" dirty="0" smtClean="0"/>
-              <a:t>Generic optimization</a:t>
-            </a:r>
-          </a:p>
-          <a:p>
-            <a:pPr lvl="1"/>
-            <a:r>
-              <a:rPr lang="en-US" dirty="0" smtClean="0"/>
-              <a:t>Stochastic gradient descent</a:t>
-            </a:r>
-          </a:p>
-          <a:p>
-            <a:pPr lvl="1"/>
-            <a:r>
-              <a:rPr lang="en-US" dirty="0" smtClean="0"/>
-              <a:t>Evolutionary algorithms</a:t>
-            </a:r>
-          </a:p>
-          <a:p>
-            <a:pPr lvl="1"/>
-            <a:r>
-              <a:rPr lang="en-US" dirty="0" smtClean="0"/>
-              <a:t>Model-based optimization</a:t>
-            </a:r>
-            <a:endParaRPr lang="en-US" dirty="0"/>
-          </a:p>
-          <a:p>
-            <a:r>
-              <a:rPr lang="en-US" dirty="0" smtClean="0"/>
-              <a:t>NN hyperparameter-specific optimization</a:t>
-            </a:r>
-          </a:p>
-          <a:p>
-            <a:pPr lvl="1"/>
-            <a:r>
-              <a:rPr lang="en-US" dirty="0" err="1" smtClean="0"/>
-              <a:t>Hyperopt</a:t>
-            </a:r>
-            <a:r>
-              <a:rPr lang="en-US" dirty="0" smtClean="0"/>
-              <a:t>, NEAT, </a:t>
-            </a:r>
-            <a:r>
-              <a:rPr lang="en-US" dirty="0" err="1" smtClean="0"/>
-              <a:t>Optunity</a:t>
-            </a:r>
-            <a:r>
-              <a:rPr lang="en-US" dirty="0" smtClean="0"/>
-              <a:t>, …</a:t>
-            </a:r>
-          </a:p>
-          <a:p>
-            <a:endParaRPr lang="en-US" dirty="0"/>
-          </a:p>
-        </p:txBody>
-      </p:sp>
-      <p:sp>
-        <p:nvSpPr>
-          <p:cNvPr id="4" name="Text Placeholder 3"/>
-          <p:cNvSpPr>
-            <a:spLocks noGrp="1"/>
-          </p:cNvSpPr>
-          <p:nvPr>
-            <p:ph type="body" sz="quarter" idx="12"/>
-          </p:nvPr>
-        </p:nvSpPr>
-        <p:spPr/>
-        <p:txBody>
-          <a:bodyPr/>
-          <a:lstStyle/>
-          <a:p>
-            <a:endParaRPr lang="en-US" dirty="0"/>
-          </a:p>
-        </p:txBody>
-      </p:sp>
-      <p:sp>
-        <p:nvSpPr>
-          <p:cNvPr id="5" name="Slide Number Placeholder 4"/>
-          <p:cNvSpPr>
-            <a:spLocks noGrp="1"/>
-          </p:cNvSpPr>
-          <p:nvPr>
-            <p:ph type="sldNum" sz="quarter" idx="13"/>
-          </p:nvPr>
-        </p:nvSpPr>
-        <p:spPr/>
-        <p:txBody>
-          <a:bodyPr/>
-          <a:lstStyle/>
-          <a:p>
-            <a:fld id="{AEFAAC5A-9C4F-4278-920D-DF2BAB595749}" type="slidenum">
-              <a:rPr lang="en-US" smtClean="0"/>
-              <a:pPr/>
-              <a:t>6</a:t>
-            </a:fld>
-            <a:endParaRPr lang="en-US" dirty="0"/>
-          </a:p>
-        </p:txBody>
-      </p:sp>
-    </p:spTree>
-    <p:extLst>
-      <p:ext uri="{BB962C8B-B14F-4D97-AF65-F5344CB8AC3E}">
-        <p14:creationId xmlns:p14="http://schemas.microsoft.com/office/powerpoint/2010/main" val="2547909509"/>
-      </p:ext>
-    </p:extLst>
-  </p:cSld>
-  <p:clrMapOvr>
-    <a:masterClrMapping/>
-  </p:clrMapOvr>
-  <mc:AlternateContent xmlns:mc="http://schemas.openxmlformats.org/markup-compatibility/2006" xmlns:p14="http://schemas.microsoft.com/office/powerpoint/2010/main">
-    <mc:Choice Requires="p14">
-      <p:transition p14:dur="250">
-        <p:fade/>
-      </p:transition>
-    </mc:Choice>
-    <mc:Fallback xmlns="">
-      <p:transition>
-        <p:fade/>
-      </p:transition>
-    </mc:Fallback>
-  </mc:AlternateContent>
-</p:sld>
-</file>
-
-<file path=ppt/slides/slide7.xml><?xml version="1.0" encoding="utf-8"?>
-<p:sld xmlns:a="http://schemas.openxmlformats.org/drawingml/2006/main" xmlns:r="http://schemas.openxmlformats.org/officeDocument/2006/relationships" xmlns:p="http://schemas.openxmlformats.org/presentationml/2006/main">
-  <p:cSld>
-    <p:spTree>
-      <p:nvGrpSpPr>
-        <p:cNvPr id="1" name=""/>
-        <p:cNvGrpSpPr/>
-        <p:nvPr/>
-      </p:nvGrpSpPr>
-      <p:grpSpPr>
-        <a:xfrm>
-          <a:off x="0" y="0"/>
-          <a:ext cx="0" cy="0"/>
-          <a:chOff x="0" y="0"/>
-          <a:chExt cx="0" cy="0"/>
-        </a:xfrm>
-      </p:grpSpPr>
-      <p:sp>
-        <p:nvSpPr>
-          <p:cNvPr id="2" name="Title 1"/>
-          <p:cNvSpPr>
-            <a:spLocks noGrp="1"/>
-          </p:cNvSpPr>
-          <p:nvPr>
-            <p:ph type="title"/>
-          </p:nvPr>
-        </p:nvSpPr>
-        <p:spPr>
-          <a:xfrm>
-            <a:off x="457201" y="154254"/>
-            <a:ext cx="8372901" cy="621711"/>
-          </a:xfrm>
-        </p:spPr>
-        <p:txBody>
-          <a:bodyPr/>
-          <a:lstStyle/>
-          <a:p>
-            <a:r>
-              <a:rPr lang="en-US" dirty="0" smtClean="0"/>
-              <a:t>Candle Hyperparameter learning</a:t>
-            </a:r>
-            <a:endParaRPr lang="en-US" dirty="0"/>
-          </a:p>
-        </p:txBody>
-      </p:sp>
-      <p:sp>
-        <p:nvSpPr>
-          <p:cNvPr id="5" name="Slide Number Placeholder 4"/>
-          <p:cNvSpPr>
-            <a:spLocks noGrp="1"/>
-          </p:cNvSpPr>
-          <p:nvPr>
-            <p:ph type="sldNum" sz="quarter" idx="13"/>
-          </p:nvPr>
-        </p:nvSpPr>
-        <p:spPr/>
-        <p:txBody>
-          <a:bodyPr/>
-          <a:lstStyle/>
-          <a:p>
-            <a:fld id="{AEFAAC5A-9C4F-4278-920D-DF2BAB595749}" type="slidenum">
-              <a:rPr lang="en-US" smtClean="0"/>
-              <a:pPr/>
-              <a:t>7</a:t>
-            </a:fld>
-            <a:endParaRPr lang="en-US" dirty="0"/>
-          </a:p>
-        </p:txBody>
-      </p:sp>
-      <p:pic>
-        <p:nvPicPr>
-          <p:cNvPr id="8" name="Picture 7"/>
-          <p:cNvPicPr>
-            <a:picLocks noChangeAspect="1"/>
-          </p:cNvPicPr>
-          <p:nvPr/>
-        </p:nvPicPr>
-        <p:blipFill>
-          <a:blip r:embed="rId2"/>
-          <a:stretch>
-            <a:fillRect/>
-          </a:stretch>
-        </p:blipFill>
-        <p:spPr>
-          <a:xfrm>
-            <a:off x="3965284" y="1114924"/>
-            <a:ext cx="4846207" cy="2864534"/>
-          </a:xfrm>
-          <a:prstGeom prst="rect">
-            <a:avLst/>
-          </a:prstGeom>
-        </p:spPr>
-      </p:pic>
-      <p:sp>
-        <p:nvSpPr>
-          <p:cNvPr id="10" name="Rectangle 9"/>
-          <p:cNvSpPr/>
-          <p:nvPr/>
-        </p:nvSpPr>
-        <p:spPr>
-          <a:xfrm>
-            <a:off x="789709" y="4116618"/>
-            <a:ext cx="8021782" cy="738664"/>
-          </a:xfrm>
-          <a:prstGeom prst="rect">
-            <a:avLst/>
-          </a:prstGeom>
-        </p:spPr>
-        <p:txBody>
-          <a:bodyPr wrap="square">
-            <a:spAutoFit/>
-          </a:bodyPr>
-          <a:lstStyle/>
-          <a:p>
-            <a:r>
-              <a:rPr lang="en-US" sz="1400" dirty="0">
-                <a:solidFill>
-                  <a:srgbClr val="000000"/>
-                </a:solidFill>
-              </a:rPr>
-              <a:t>Predicting Tumor Cell Line Response to Drug Pairs with Deep Learning, F. Xia, M. Shukla, T. </a:t>
-            </a:r>
-            <a:r>
-              <a:rPr lang="en-US" sz="1400" dirty="0" err="1">
-                <a:solidFill>
-                  <a:srgbClr val="000000"/>
-                </a:solidFill>
-              </a:rPr>
-              <a:t>Brettin</a:t>
-            </a:r>
-            <a:r>
-              <a:rPr lang="en-US" sz="1400" dirty="0">
-                <a:solidFill>
-                  <a:srgbClr val="000000"/>
-                </a:solidFill>
-              </a:rPr>
-              <a:t>, C. Garcia-Cardona, J. Cohn, J. Allen, S. </a:t>
-            </a:r>
-            <a:r>
-              <a:rPr lang="en-US" sz="1400" dirty="0" err="1">
-                <a:solidFill>
-                  <a:srgbClr val="000000"/>
-                </a:solidFill>
-              </a:rPr>
-              <a:t>Maslov</a:t>
-            </a:r>
-            <a:r>
-              <a:rPr lang="en-US" sz="1400" dirty="0">
-                <a:solidFill>
-                  <a:srgbClr val="000000"/>
-                </a:solidFill>
-              </a:rPr>
-              <a:t>, Y. </a:t>
-            </a:r>
-            <a:r>
-              <a:rPr lang="en-US" sz="1400" dirty="0" err="1">
-                <a:solidFill>
-                  <a:srgbClr val="000000"/>
-                </a:solidFill>
-              </a:rPr>
-              <a:t>Evrard</a:t>
-            </a:r>
-            <a:r>
-              <a:rPr lang="en-US" sz="1400" dirty="0">
-                <a:solidFill>
-                  <a:srgbClr val="000000"/>
-                </a:solidFill>
-              </a:rPr>
-              <a:t>, S. </a:t>
-            </a:r>
-            <a:r>
-              <a:rPr lang="en-US" sz="1400" dirty="0" err="1">
-                <a:solidFill>
-                  <a:srgbClr val="000000"/>
-                </a:solidFill>
-              </a:rPr>
-              <a:t>Holbeck</a:t>
-            </a:r>
-            <a:r>
-              <a:rPr lang="en-US" sz="1400" dirty="0">
-                <a:solidFill>
-                  <a:srgbClr val="000000"/>
-                </a:solidFill>
-              </a:rPr>
-              <a:t>, J. </a:t>
-            </a:r>
-            <a:r>
-              <a:rPr lang="en-US" sz="1400" dirty="0" err="1">
-                <a:solidFill>
-                  <a:srgbClr val="000000"/>
-                </a:solidFill>
-              </a:rPr>
-              <a:t>Doroshow</a:t>
-            </a:r>
-            <a:r>
-              <a:rPr lang="en-US" sz="1400" dirty="0">
-                <a:solidFill>
-                  <a:srgbClr val="000000"/>
-                </a:solidFill>
-              </a:rPr>
-              <a:t>, E. Stahlberg, and R. </a:t>
-            </a:r>
-            <a:r>
-              <a:rPr lang="en-US" sz="1400" dirty="0" smtClean="0">
-                <a:solidFill>
-                  <a:srgbClr val="000000"/>
-                </a:solidFill>
-              </a:rPr>
-              <a:t>Stevens (Computational Approaches for Cancer Workshop @ SC 2017)</a:t>
-            </a:r>
-            <a:endParaRPr lang="en-US" sz="1400" dirty="0">
-              <a:solidFill>
-                <a:srgbClr val="000000"/>
-              </a:solidFill>
-            </a:endParaRPr>
-          </a:p>
-        </p:txBody>
-      </p:sp>
-      <p:sp>
-        <p:nvSpPr>
-          <p:cNvPr id="12" name="TextBox 11"/>
-          <p:cNvSpPr txBox="1"/>
-          <p:nvPr/>
-        </p:nvSpPr>
-        <p:spPr>
-          <a:xfrm>
-            <a:off x="457201" y="1153630"/>
-            <a:ext cx="3295402" cy="2585323"/>
-          </a:xfrm>
-          <a:prstGeom prst="rect">
-            <a:avLst/>
-          </a:prstGeom>
-          <a:noFill/>
-        </p:spPr>
-        <p:txBody>
-          <a:bodyPr wrap="square" rtlCol="0">
-            <a:spAutoFit/>
-          </a:bodyPr>
-          <a:lstStyle/>
-          <a:p>
-            <a:pPr marL="117475" indent="-117475">
-              <a:buFont typeface="Arial" charset="0"/>
-              <a:buChar char="•"/>
-            </a:pPr>
-            <a:r>
-              <a:rPr lang="en-US" dirty="0" smtClean="0">
-                <a:solidFill>
-                  <a:srgbClr val="000000"/>
-                </a:solidFill>
-              </a:rPr>
-              <a:t>Search </a:t>
-            </a:r>
-            <a:r>
-              <a:rPr lang="en-US" dirty="0">
-                <a:solidFill>
-                  <a:srgbClr val="000000"/>
-                </a:solidFill>
-              </a:rPr>
-              <a:t>trajectory of </a:t>
-            </a:r>
-            <a:r>
-              <a:rPr lang="en-US" dirty="0" err="1">
-                <a:solidFill>
-                  <a:srgbClr val="000000"/>
-                </a:solidFill>
-              </a:rPr>
-              <a:t>mlrMBO</a:t>
-            </a:r>
-            <a:r>
-              <a:rPr lang="en-US" dirty="0">
-                <a:solidFill>
-                  <a:srgbClr val="000000"/>
-                </a:solidFill>
-              </a:rPr>
-              <a:t> </a:t>
-            </a:r>
-            <a:r>
-              <a:rPr lang="en-US" dirty="0" smtClean="0">
-                <a:solidFill>
-                  <a:srgbClr val="000000"/>
-                </a:solidFill>
-              </a:rPr>
-              <a:t>(R model-based optimization) algorithm</a:t>
-            </a:r>
-          </a:p>
-          <a:p>
-            <a:pPr marL="117475" indent="-117475">
-              <a:buFont typeface="Arial" charset="0"/>
-              <a:buChar char="•"/>
-            </a:pPr>
-            <a:r>
-              <a:rPr lang="en-US" dirty="0" smtClean="0">
-                <a:solidFill>
-                  <a:srgbClr val="000000"/>
-                </a:solidFill>
-              </a:rPr>
-              <a:t>Each iteration does 300 </a:t>
-            </a:r>
-            <a:r>
-              <a:rPr lang="en-US" dirty="0">
-                <a:solidFill>
-                  <a:srgbClr val="000000"/>
-                </a:solidFill>
-              </a:rPr>
-              <a:t>evaluations (batch size</a:t>
-            </a:r>
-            <a:r>
-              <a:rPr lang="en-US" dirty="0" smtClean="0">
-                <a:solidFill>
-                  <a:srgbClr val="000000"/>
-                </a:solidFill>
-              </a:rPr>
-              <a:t>)</a:t>
-            </a:r>
-          </a:p>
-          <a:p>
-            <a:pPr marL="117475" indent="-117475">
-              <a:buFont typeface="Arial" charset="0"/>
-              <a:buChar char="•"/>
-            </a:pPr>
-            <a:r>
-              <a:rPr lang="en-US" dirty="0" smtClean="0">
-                <a:solidFill>
-                  <a:srgbClr val="000000"/>
-                </a:solidFill>
-              </a:rPr>
-              <a:t>Minimum and average performance on validation data set decreases as the ME algorithm learns</a:t>
-            </a:r>
-            <a:endParaRPr lang="en-US" dirty="0">
-              <a:solidFill>
-                <a:srgbClr val="000000"/>
-              </a:solidFill>
-            </a:endParaRPr>
-          </a:p>
-        </p:txBody>
-      </p:sp>
-    </p:spTree>
-    <p:extLst>
-      <p:ext uri="{BB962C8B-B14F-4D97-AF65-F5344CB8AC3E}">
-        <p14:creationId xmlns:p14="http://schemas.microsoft.com/office/powerpoint/2010/main" val="2081675986"/>
-      </p:ext>
-    </p:extLst>
-  </p:cSld>
-  <p:clrMapOvr>
-    <a:masterClrMapping/>
-  </p:clrMapOvr>
-  <mc:AlternateContent xmlns:mc="http://schemas.openxmlformats.org/markup-compatibility/2006" xmlns:p14="http://schemas.microsoft.com/office/powerpoint/2010/main">
-    <mc:Choice Requires="p14">
-      <p:transition p14:dur="250">
-        <p:fade/>
-      </p:transition>
-    </mc:Choice>
-    <mc:Fallback xmlns="">
-      <p:transition>
-        <p:fade/>
-      </p:transition>
-    </mc:Fallback>
-  </mc:AlternateContent>
-  <p:timing>
-    <p:tnLst>
-      <p:par>
-        <p:cTn id="1" dur="indefinite" restart="never" nodeType="tmRoot"/>
-      </p:par>
-    </p:tnLst>
-  </p:timing>
-</p:sld>
-</file>
-
-<file path=ppt/slides/slide8.xml><?xml version="1.0" encoding="utf-8"?>
-<p:sld xmlns:a="http://schemas.openxmlformats.org/drawingml/2006/main" xmlns:r="http://schemas.openxmlformats.org/officeDocument/2006/relationships" xmlns:p="http://schemas.openxmlformats.org/presentationml/2006/main">
-  <p:cSld>
-    <p:spTree>
-      <p:nvGrpSpPr>
-        <p:cNvPr id="1" name=""/>
-        <p:cNvGrpSpPr/>
-        <p:nvPr/>
-      </p:nvGrpSpPr>
-      <p:grpSpPr>
-        <a:xfrm>
-          <a:off x="0" y="0"/>
-          <a:ext cx="0" cy="0"/>
-          <a:chOff x="0" y="0"/>
-          <a:chExt cx="0" cy="0"/>
-        </a:xfrm>
-      </p:grpSpPr>
-      <p:sp>
-        <p:nvSpPr>
-          <p:cNvPr id="3" name="Text Placeholder 2"/>
-          <p:cNvSpPr>
-            <a:spLocks noGrp="1"/>
-          </p:cNvSpPr>
-          <p:nvPr>
-            <p:ph type="body" sz="quarter" idx="10"/>
-          </p:nvPr>
-        </p:nvSpPr>
-        <p:spPr/>
-        <p:txBody>
-          <a:bodyPr/>
-          <a:lstStyle/>
-          <a:p>
-            <a:r>
-              <a:rPr lang="en-US" dirty="0" smtClean="0"/>
-              <a:t>SYSTEMS CHALLENGES</a:t>
-            </a:r>
-          </a:p>
-          <a:p>
-            <a:endParaRPr lang="en-US" dirty="0"/>
-          </a:p>
-        </p:txBody>
-      </p:sp>
-    </p:spTree>
-    <p:extLst>
-      <p:ext uri="{BB962C8B-B14F-4D97-AF65-F5344CB8AC3E}">
-        <p14:creationId xmlns:p14="http://schemas.microsoft.com/office/powerpoint/2010/main" val="704345087"/>
-      </p:ext>
-    </p:extLst>
-  </p:cSld>
-  <p:clrMapOvr>
-    <a:masterClrMapping/>
-  </p:clrMapOvr>
-  <mc:AlternateContent xmlns:mc="http://schemas.openxmlformats.org/markup-compatibility/2006" xmlns:p14="http://schemas.microsoft.com/office/powerpoint/2010/main">
-    <mc:Choice Requires="p14">
-      <p:transition p14:dur="250">
-        <p:fade/>
-      </p:transition>
-    </mc:Choice>
-    <mc:Fallback xmlns="">
-      <p:transition>
-        <p:fade/>
-      </p:transition>
-    </mc:Fallback>
-  </mc:AlternateContent>
-  <p:timing>
-    <p:tnLst>
-      <p:par>
-        <p:cTn id="1" dur="indefinite" restart="never" nodeType="tmRoot"/>
-      </p:par>
-    </p:tnLst>
-  </p:timing>
-</p:sld>
-</file>
-
-<file path=ppt/slides/slide9.xml><?xml version="1.0" encoding="utf-8"?>
-<p:sld xmlns:a="http://schemas.openxmlformats.org/drawingml/2006/main" xmlns:r="http://schemas.openxmlformats.org/officeDocument/2006/relationships" xmlns:p="http://schemas.openxmlformats.org/presentationml/2006/main">
-  <p:cSld>
-    <p:spTree>
-      <p:nvGrpSpPr>
-        <p:cNvPr id="1" name=""/>
-        <p:cNvGrpSpPr/>
-        <p:nvPr/>
-      </p:nvGrpSpPr>
-      <p:grpSpPr>
-        <a:xfrm>
-          <a:off x="0" y="0"/>
-          <a:ext cx="0" cy="0"/>
-          <a:chOff x="0" y="0"/>
-          <a:chExt cx="0" cy="0"/>
-        </a:xfrm>
-      </p:grpSpPr>
-      <p:sp>
-        <p:nvSpPr>
-          <p:cNvPr id="2" name="Title 1"/>
-          <p:cNvSpPr>
-            <a:spLocks noGrp="1"/>
-          </p:cNvSpPr>
-          <p:nvPr>
-            <p:ph type="title"/>
-          </p:nvPr>
-        </p:nvSpPr>
-        <p:spPr/>
-        <p:txBody>
-          <a:bodyPr/>
-          <a:lstStyle/>
-          <a:p>
-            <a:r>
-              <a:rPr lang="en-US" dirty="0" smtClean="0"/>
-              <a:t>WORKFLOW support for ML </a:t>
-            </a:r>
-            <a:r>
-              <a:rPr lang="en-US" dirty="0"/>
-              <a:t>frameworks</a:t>
-            </a:r>
-          </a:p>
-        </p:txBody>
-      </p:sp>
-      <p:sp>
-        <p:nvSpPr>
-          <p:cNvPr id="3" name="Content Placeholder 2"/>
-          <p:cNvSpPr>
-            <a:spLocks noGrp="1"/>
-          </p:cNvSpPr>
-          <p:nvPr>
-            <p:ph idx="1"/>
-          </p:nvPr>
-        </p:nvSpPr>
-        <p:spPr/>
-        <p:txBody>
-          <a:bodyPr/>
-          <a:lstStyle/>
-          <a:p>
-            <a:r>
-              <a:rPr lang="en-US" dirty="0" smtClean="0"/>
-              <a:t>Concurrency:</a:t>
-            </a:r>
-          </a:p>
-          <a:p>
-            <a:pPr lvl="1"/>
-            <a:r>
-              <a:rPr lang="en-US" dirty="0" smtClean="0"/>
-              <a:t>Very fast task distributor</a:t>
-            </a:r>
-          </a:p>
-          <a:p>
-            <a:pPr lvl="1"/>
-            <a:r>
-              <a:rPr lang="en-US" dirty="0" smtClean="0"/>
-              <a:t>Intranode concurrency, accelerators left up to the framework</a:t>
-            </a:r>
-          </a:p>
-          <a:p>
-            <a:pPr lvl="1"/>
-            <a:r>
-              <a:rPr lang="en-US" dirty="0" smtClean="0"/>
-              <a:t>Multinode ML tasks are future work (already basically supported)</a:t>
-            </a:r>
-          </a:p>
-          <a:p>
-            <a:r>
-              <a:rPr lang="en-US" dirty="0" smtClean="0"/>
-              <a:t>Data management:</a:t>
-            </a:r>
-          </a:p>
-          <a:p>
-            <a:pPr lvl="1"/>
-            <a:r>
-              <a:rPr lang="en-US" dirty="0" smtClean="0"/>
-              <a:t>Input staging methods have been developed </a:t>
-            </a:r>
-          </a:p>
-          <a:p>
-            <a:pPr lvl="1"/>
-            <a:r>
-              <a:rPr lang="en-US" dirty="0" smtClean="0"/>
-              <a:t>Intermediate caches via DataSpaces</a:t>
-            </a:r>
-          </a:p>
-          <a:p>
-            <a:r>
-              <a:rPr lang="en-US" dirty="0" smtClean="0"/>
-              <a:t>Software integration:</a:t>
-            </a:r>
-          </a:p>
-          <a:p>
-            <a:pPr lvl="1"/>
-            <a:r>
-              <a:rPr lang="en-US" dirty="0" smtClean="0"/>
-              <a:t>Usually launch frameworks in separate process</a:t>
-            </a:r>
-          </a:p>
-          <a:p>
-            <a:pPr lvl="1"/>
-            <a:r>
-              <a:rPr lang="en-US" dirty="0" smtClean="0"/>
-              <a:t>Launching within process is a configuration challenge</a:t>
-            </a:r>
-          </a:p>
-          <a:p>
-            <a:pPr lvl="1"/>
-            <a:r>
-              <a:rPr lang="en-US" dirty="0" smtClean="0"/>
-              <a:t>Search methods launched within process</a:t>
-            </a:r>
-          </a:p>
-          <a:p>
-            <a:endParaRPr lang="en-US" dirty="0"/>
-          </a:p>
-        </p:txBody>
-      </p:sp>
-      <p:sp>
-        <p:nvSpPr>
-          <p:cNvPr id="4" name="Text Placeholder 3"/>
-          <p:cNvSpPr>
-            <a:spLocks noGrp="1"/>
-          </p:cNvSpPr>
-          <p:nvPr>
-            <p:ph type="body" sz="quarter" idx="12"/>
-          </p:nvPr>
-        </p:nvSpPr>
-        <p:spPr/>
-        <p:txBody>
-          <a:bodyPr/>
-          <a:lstStyle/>
-          <a:p>
-            <a:endParaRPr lang="en-US" dirty="0"/>
-          </a:p>
-        </p:txBody>
-      </p:sp>
-      <p:sp>
-        <p:nvSpPr>
-          <p:cNvPr id="5" name="Slide Number Placeholder 4"/>
-          <p:cNvSpPr>
-            <a:spLocks noGrp="1"/>
-          </p:cNvSpPr>
-          <p:nvPr>
-            <p:ph type="sldNum" sz="quarter" idx="13"/>
-          </p:nvPr>
-        </p:nvSpPr>
-        <p:spPr/>
-        <p:txBody>
-          <a:bodyPr/>
-          <a:lstStyle/>
-          <a:p>
-            <a:fld id="{AEFAAC5A-9C4F-4278-920D-DF2BAB595749}" type="slidenum">
-              <a:rPr lang="en-US" smtClean="0"/>
-              <a:pPr/>
-              <a:t>9</a:t>
-            </a:fld>
-            <a:endParaRPr lang="en-US" dirty="0"/>
-          </a:p>
-        </p:txBody>
-      </p:sp>
-    </p:spTree>
-    <p:extLst>
-      <p:ext uri="{BB962C8B-B14F-4D97-AF65-F5344CB8AC3E}">
-        <p14:creationId xmlns:p14="http://schemas.microsoft.com/office/powerpoint/2010/main" val="71448240"/>
-      </p:ext>
-    </p:extLst>
-  </p:cSld>
-  <p:clrMapOvr>
-    <a:masterClrMapping/>
-  </p:clrMapOvr>
-  <mc:AlternateContent xmlns:mc="http://schemas.openxmlformats.org/markup-compatibility/2006" xmlns:p14="http://schemas.microsoft.com/office/powerpoint/2010/main">
-    <mc:Choice Requires="p14">
-      <p:transition p14:dur="250">
-        <p:fade/>
-      </p:transition>
-    </mc:Choice>
-    <mc:Fallback xmlns="">
-      <p:transition>
-        <p:fade/>
-      </p:transition>
-    </mc:Fallback>
-  </mc:AlternateContent>
-  <p:timing>
-    <p:tnLst>
-      <p:par>
-        <p:cTn id="1" dur="indefinite" restart="never" nodeType="tmRoot"/>
       </p:par>
     </p:tnLst>
   </p:timing>
